--- a/6-DB-RDBOperations.pptx
+++ b/6-DB-RDBOperations.pptx
@@ -3950,7 +3950,7 @@
           <a:p>
             <a:fld id="{2833F30F-E9F8-45D6-BB14-8527587F5A91}" type="datetimeFigureOut">
               <a:rPr lang="en-US" smtClean="0"/>
-              <a:t>5/13/2014</a:t>
+              <a:t>5/17/2014</a:t>
             </a:fld>
             <a:endParaRPr lang="en-US" dirty="0"/>
           </a:p>
@@ -4115,7 +4115,7 @@
           <a:p>
             <a:fld id="{06814DED-B015-448B-BFB6-648737B9ACCE}" type="datetimeFigureOut">
               <a:rPr lang="en-US" smtClean="0"/>
-              <a:t>5/13/2014</a:t>
+              <a:t>5/17/2014</a:t>
             </a:fld>
             <a:endParaRPr lang="en-US"/>
           </a:p>
@@ -4564,7 +4564,7 @@
           <a:p>
             <a:fld id="{0EDCBFC9-6092-459D-8404-0CAF56B82DA5}" type="datetimeFigureOut">
               <a:rPr lang="en-US" smtClean="0"/>
-              <a:t>5/13/2014</a:t>
+              <a:t>5/17/2014</a:t>
             </a:fld>
             <a:endParaRPr lang="en-US" dirty="0"/>
           </a:p>
@@ -5767,7 +5767,7 @@
           <a:p>
             <a:fld id="{0EDCBFC9-6092-459D-8404-0CAF56B82DA5}" type="datetimeFigureOut">
               <a:rPr lang="en-US" smtClean="0"/>
-              <a:t>5/13/2014</a:t>
+              <a:t>5/17/2014</a:t>
             </a:fld>
             <a:endParaRPr lang="en-US" dirty="0"/>
           </a:p>
@@ -16097,33 +16097,15 @@
                                   </p:childTnLst>
                                 </p:cTn>
                               </p:par>
-                            </p:childTnLst>
-                          </p:cTn>
-                        </p:par>
-                      </p:childTnLst>
-                    </p:cTn>
-                  </p:par>
-                  <p:par>
-                    <p:cTn id="38" fill="hold">
-                      <p:stCondLst>
-                        <p:cond delay="indefinite"/>
-                      </p:stCondLst>
-                      <p:childTnLst>
-                        <p:par>
-                          <p:cTn id="39" fill="hold">
-                            <p:stCondLst>
-                              <p:cond delay="0"/>
-                            </p:stCondLst>
-                            <p:childTnLst>
                               <p:par>
-                                <p:cTn id="40" presetID="10" presetClass="entr" presetSubtype="0" fill="hold" grpId="1" nodeType="clickEffect">
+                                <p:cTn id="38" presetID="10" presetClass="entr" presetSubtype="0" fill="hold" grpId="1" nodeType="withEffect">
                                   <p:stCondLst>
                                     <p:cond delay="0"/>
                                   </p:stCondLst>
                                   <p:childTnLst>
                                     <p:set>
                                       <p:cBhvr>
-                                        <p:cTn id="41" dur="1" fill="hold">
+                                        <p:cTn id="39" dur="1" fill="hold">
                                           <p:stCondLst>
                                             <p:cond delay="0"/>
                                           </p:stCondLst>
@@ -16145,7 +16127,7 @@
                                     </p:set>
                                     <p:animEffect transition="in" filter="fade">
                                       <p:cBhvr>
-                                        <p:cTn id="42" dur="500"/>
+                                        <p:cTn id="40" dur="500"/>
                                         <p:tgtEl>
                                           <p:spTgt spid="3">
                                             <p:txEl>
@@ -16159,14 +16141,14 @@
                                 </p:cTn>
                               </p:par>
                               <p:par>
-                                <p:cTn id="43" presetID="16" presetClass="entr" presetSubtype="21" fill="hold" grpId="0" nodeType="withEffect">
+                                <p:cTn id="41" presetID="16" presetClass="entr" presetSubtype="21" fill="hold" grpId="0" nodeType="withEffect">
                                   <p:stCondLst>
                                     <p:cond delay="0"/>
                                   </p:stCondLst>
                                   <p:childTnLst>
                                     <p:set>
                                       <p:cBhvr>
-                                        <p:cTn id="44" dur="1" fill="hold">
+                                        <p:cTn id="42" dur="1" fill="hold">
                                           <p:stCondLst>
                                             <p:cond delay="0"/>
                                           </p:stCondLst>
@@ -16188,7 +16170,7 @@
                                     </p:set>
                                     <p:animEffect transition="in" filter="barn(inVertical)">
                                       <p:cBhvr>
-                                        <p:cTn id="45" dur="500"/>
+                                        <p:cTn id="43" dur="500"/>
                                         <p:tgtEl>
                                           <p:spTgt spid="3">
                                             <p:txEl>
@@ -16208,26 +16190,26 @@
                     </p:cTn>
                   </p:par>
                   <p:par>
-                    <p:cTn id="46" fill="hold">
+                    <p:cTn id="44" fill="hold">
                       <p:stCondLst>
                         <p:cond delay="indefinite"/>
                       </p:stCondLst>
                       <p:childTnLst>
                         <p:par>
-                          <p:cTn id="47" fill="hold">
+                          <p:cTn id="45" fill="hold">
                             <p:stCondLst>
                               <p:cond delay="0"/>
                             </p:stCondLst>
                             <p:childTnLst>
                               <p:par>
-                                <p:cTn id="48" presetID="10" presetClass="entr" presetSubtype="0" fill="hold" nodeType="clickEffect">
+                                <p:cTn id="46" presetID="10" presetClass="entr" presetSubtype="0" fill="hold" nodeType="clickEffect">
                                   <p:stCondLst>
                                     <p:cond delay="0"/>
                                   </p:stCondLst>
                                   <p:childTnLst>
                                     <p:set>
                                       <p:cBhvr>
-                                        <p:cTn id="49" dur="1" fill="hold">
+                                        <p:cTn id="47" dur="1" fill="hold">
                                           <p:stCondLst>
                                             <p:cond delay="0"/>
                                           </p:stCondLst>
@@ -16245,7 +16227,7 @@
                                     </p:set>
                                     <p:animEffect transition="in" filter="fade">
                                       <p:cBhvr>
-                                        <p:cTn id="50" dur="500"/>
+                                        <p:cTn id="48" dur="500"/>
                                         <p:tgtEl>
                                           <p:spTgt spid="7"/>
                                         </p:tgtEl>
@@ -16255,14 +16237,14 @@
                                 </p:cTn>
                               </p:par>
                               <p:par>
-                                <p:cTn id="51" presetID="10" presetClass="entr" presetSubtype="0" fill="hold" grpId="0" nodeType="withEffect">
+                                <p:cTn id="49" presetID="10" presetClass="entr" presetSubtype="0" fill="hold" grpId="0" nodeType="withEffect">
                                   <p:stCondLst>
                                     <p:cond delay="0"/>
                                   </p:stCondLst>
                                   <p:childTnLst>
                                     <p:set>
                                       <p:cBhvr>
-                                        <p:cTn id="52" dur="1" fill="hold">
+                                        <p:cTn id="50" dur="1" fill="hold">
                                           <p:stCondLst>
                                             <p:cond delay="0"/>
                                           </p:stCondLst>
@@ -16280,7 +16262,7 @@
                                     </p:set>
                                     <p:animEffect transition="in" filter="fade">
                                       <p:cBhvr>
-                                        <p:cTn id="53" dur="500"/>
+                                        <p:cTn id="51" dur="500"/>
                                         <p:tgtEl>
                                           <p:spTgt spid="6"/>
                                         </p:tgtEl>
@@ -20612,7 +20594,7 @@
 </file>
 
 <file path=ppt/slides/slide20.xml><?xml version="1.0" encoding="utf-8"?>
-<p:sld xmlns:a="http://schemas.openxmlformats.org/drawingml/2006/main" xmlns:r="http://schemas.openxmlformats.org/officeDocument/2006/relationships" xmlns:p="http://schemas.openxmlformats.org/presentationml/2006/main">
+<p:sld xmlns:a="http://schemas.openxmlformats.org/drawingml/2006/main" xmlns:r="http://schemas.openxmlformats.org/officeDocument/2006/relationships" xmlns:p="http://schemas.openxmlformats.org/presentationml/2006/main" showMasterPhAnim="0">
   <p:cSld>
     <p:spTree>
       <p:nvGrpSpPr>
@@ -21402,9 +21384,6 @@
                     <p:cTn id="3" fill="hold">
                       <p:stCondLst>
                         <p:cond delay="indefinite"/>
-                        <p:cond evt="onBegin" delay="0">
-                          <p:tn val="2"/>
-                        </p:cond>
                       </p:stCondLst>
                       <p:childTnLst>
                         <p:par>
@@ -21414,7 +21393,7 @@
                             </p:stCondLst>
                             <p:childTnLst>
                               <p:par>
-                                <p:cTn id="5" presetID="10" presetClass="entr" presetSubtype="0" fill="hold" nodeType="withEffect">
+                                <p:cTn id="5" presetID="10" presetClass="entr" presetSubtype="0" fill="hold" nodeType="clickEffect">
                                   <p:stCondLst>
                                     <p:cond delay="0"/>
                                   </p:stCondLst>
@@ -21449,7 +21428,7 @@
                                 </p:cTn>
                               </p:par>
                               <p:par>
-                                <p:cTn id="8" presetID="10" presetClass="entr" presetSubtype="0" fill="hold" nodeType="withEffect">
+                                <p:cTn id="8" presetID="10" presetClass="entr" presetSubtype="0" fill="hold" grpId="0" nodeType="withEffect">
                                   <p:stCondLst>
                                     <p:cond delay="0"/>
                                   </p:stCondLst>
@@ -21462,7 +21441,7 @@
                                           </p:stCondLst>
                                         </p:cTn>
                                         <p:tgtEl>
-                                          <p:spTgt spid="11"/>
+                                          <p:spTgt spid="4"/>
                                         </p:tgtEl>
                                         <p:attrNameLst>
                                           <p:attrName>style.visibility</p:attrName>
@@ -21476,7 +21455,199 @@
                                       <p:cBhvr>
                                         <p:cTn id="10" dur="500"/>
                                         <p:tgtEl>
+                                          <p:spTgt spid="4"/>
+                                        </p:tgtEl>
+                                      </p:cBhvr>
+                                    </p:animEffect>
+                                  </p:childTnLst>
+                                </p:cTn>
+                              </p:par>
+                            </p:childTnLst>
+                          </p:cTn>
+                        </p:par>
+                      </p:childTnLst>
+                    </p:cTn>
+                  </p:par>
+                  <p:par>
+                    <p:cTn id="11" fill="hold">
+                      <p:stCondLst>
+                        <p:cond delay="indefinite"/>
+                      </p:stCondLst>
+                      <p:childTnLst>
+                        <p:par>
+                          <p:cTn id="12" fill="hold">
+                            <p:stCondLst>
+                              <p:cond delay="0"/>
+                            </p:stCondLst>
+                            <p:childTnLst>
+                              <p:par>
+                                <p:cTn id="13" presetID="10" presetClass="entr" presetSubtype="0" fill="hold" nodeType="clickEffect">
+                                  <p:stCondLst>
+                                    <p:cond delay="0"/>
+                                  </p:stCondLst>
+                                  <p:childTnLst>
+                                    <p:set>
+                                      <p:cBhvr>
+                                        <p:cTn id="14" dur="1" fill="hold">
+                                          <p:stCondLst>
+                                            <p:cond delay="0"/>
+                                          </p:stCondLst>
+                                        </p:cTn>
+                                        <p:tgtEl>
+                                          <p:spTgt spid="5"/>
+                                        </p:tgtEl>
+                                        <p:attrNameLst>
+                                          <p:attrName>style.visibility</p:attrName>
+                                        </p:attrNameLst>
+                                      </p:cBhvr>
+                                      <p:to>
+                                        <p:strVal val="visible"/>
+                                      </p:to>
+                                    </p:set>
+                                    <p:animEffect transition="in" filter="fade">
+                                      <p:cBhvr>
+                                        <p:cTn id="15" dur="500"/>
+                                        <p:tgtEl>
+                                          <p:spTgt spid="5"/>
+                                        </p:tgtEl>
+                                      </p:cBhvr>
+                                    </p:animEffect>
+                                  </p:childTnLst>
+                                </p:cTn>
+                              </p:par>
+                              <p:par>
+                                <p:cTn id="16" presetID="10" presetClass="entr" presetSubtype="0" fill="hold" nodeType="withEffect">
+                                  <p:stCondLst>
+                                    <p:cond delay="0"/>
+                                  </p:stCondLst>
+                                  <p:childTnLst>
+                                    <p:set>
+                                      <p:cBhvr>
+                                        <p:cTn id="17" dur="1" fill="hold">
+                                          <p:stCondLst>
+                                            <p:cond delay="0"/>
+                                          </p:stCondLst>
+                                        </p:cTn>
+                                        <p:tgtEl>
                                           <p:spTgt spid="11"/>
+                                        </p:tgtEl>
+                                        <p:attrNameLst>
+                                          <p:attrName>style.visibility</p:attrName>
+                                        </p:attrNameLst>
+                                      </p:cBhvr>
+                                      <p:to>
+                                        <p:strVal val="visible"/>
+                                      </p:to>
+                                    </p:set>
+                                    <p:animEffect transition="in" filter="fade">
+                                      <p:cBhvr>
+                                        <p:cTn id="18" dur="500"/>
+                                        <p:tgtEl>
+                                          <p:spTgt spid="11"/>
+                                        </p:tgtEl>
+                                      </p:cBhvr>
+                                    </p:animEffect>
+                                  </p:childTnLst>
+                                </p:cTn>
+                              </p:par>
+                              <p:par>
+                                <p:cTn id="19" presetID="10" presetClass="entr" presetSubtype="0" fill="hold" grpId="0" nodeType="withEffect">
+                                  <p:stCondLst>
+                                    <p:cond delay="0"/>
+                                  </p:stCondLst>
+                                  <p:childTnLst>
+                                    <p:set>
+                                      <p:cBhvr>
+                                        <p:cTn id="20" dur="1" fill="hold">
+                                          <p:stCondLst>
+                                            <p:cond delay="0"/>
+                                          </p:stCondLst>
+                                        </p:cTn>
+                                        <p:tgtEl>
+                                          <p:spTgt spid="3">
+                                            <p:txEl>
+                                              <p:pRg st="6" end="6"/>
+                                            </p:txEl>
+                                          </p:spTgt>
+                                        </p:tgtEl>
+                                        <p:attrNameLst>
+                                          <p:attrName>style.visibility</p:attrName>
+                                        </p:attrNameLst>
+                                      </p:cBhvr>
+                                      <p:to>
+                                        <p:strVal val="visible"/>
+                                      </p:to>
+                                    </p:set>
+                                    <p:animEffect transition="in" filter="fade">
+                                      <p:cBhvr>
+                                        <p:cTn id="21" dur="500"/>
+                                        <p:tgtEl>
+                                          <p:spTgt spid="3">
+                                            <p:txEl>
+                                              <p:pRg st="6" end="6"/>
+                                            </p:txEl>
+                                          </p:spTgt>
+                                        </p:tgtEl>
+                                      </p:cBhvr>
+                                    </p:animEffect>
+                                  </p:childTnLst>
+                                </p:cTn>
+                              </p:par>
+                            </p:childTnLst>
+                          </p:cTn>
+                        </p:par>
+                      </p:childTnLst>
+                    </p:cTn>
+                  </p:par>
+                  <p:par>
+                    <p:cTn id="22" fill="hold">
+                      <p:stCondLst>
+                        <p:cond delay="indefinite"/>
+                      </p:stCondLst>
+                      <p:childTnLst>
+                        <p:par>
+                          <p:cTn id="23" fill="hold">
+                            <p:stCondLst>
+                              <p:cond delay="0"/>
+                            </p:stCondLst>
+                            <p:childTnLst>
+                              <p:par>
+                                <p:cTn id="24" presetID="10" presetClass="entr" presetSubtype="0" fill="hold" grpId="0" nodeType="clickEffect">
+                                  <p:stCondLst>
+                                    <p:cond delay="0"/>
+                                  </p:stCondLst>
+                                  <p:childTnLst>
+                                    <p:set>
+                                      <p:cBhvr>
+                                        <p:cTn id="25" dur="1" fill="hold">
+                                          <p:stCondLst>
+                                            <p:cond delay="0"/>
+                                          </p:stCondLst>
+                                        </p:cTn>
+                                        <p:tgtEl>
+                                          <p:spTgt spid="3">
+                                            <p:txEl>
+                                              <p:pRg st="8" end="8"/>
+                                            </p:txEl>
+                                          </p:spTgt>
+                                        </p:tgtEl>
+                                        <p:attrNameLst>
+                                          <p:attrName>style.visibility</p:attrName>
+                                        </p:attrNameLst>
+                                      </p:cBhvr>
+                                      <p:to>
+                                        <p:strVal val="visible"/>
+                                      </p:to>
+                                    </p:set>
+                                    <p:animEffect transition="in" filter="fade">
+                                      <p:cBhvr>
+                                        <p:cTn id="26" dur="500"/>
+                                        <p:tgtEl>
+                                          <p:spTgt spid="3">
+                                            <p:txEl>
+                                              <p:pRg st="8" end="8"/>
+                                            </p:txEl>
+                                          </p:spTgt>
                                         </p:tgtEl>
                                       </p:cBhvr>
                                     </p:animEffect>
@@ -21510,12 +21681,16 @@
         </p:cTn>
       </p:par>
     </p:tnLst>
+    <p:bldLst>
+      <p:bldP spid="3" grpId="0" uiExpand="1" build="p"/>
+      <p:bldP spid="4" grpId="0"/>
+    </p:bldLst>
   </p:timing>
 </p:sld>
 </file>
 
 <file path=ppt/slides/slide21.xml><?xml version="1.0" encoding="utf-8"?>
-<p:sld xmlns:a="http://schemas.openxmlformats.org/drawingml/2006/main" xmlns:r="http://schemas.openxmlformats.org/officeDocument/2006/relationships" xmlns:p="http://schemas.openxmlformats.org/presentationml/2006/main">
+<p:sld xmlns:a="http://schemas.openxmlformats.org/drawingml/2006/main" xmlns:r="http://schemas.openxmlformats.org/officeDocument/2006/relationships" xmlns:p="http://schemas.openxmlformats.org/presentationml/2006/main" showMasterPhAnim="0">
   <p:cSld>
     <p:spTree>
       <p:nvGrpSpPr>
@@ -22677,15 +22852,730 @@
   <p:timing>
     <p:tnLst>
       <p:par>
-        <p:cTn id="1" dur="indefinite" restart="never" nodeType="tmRoot"/>
+        <p:cTn id="1" dur="indefinite" restart="never" nodeType="tmRoot">
+          <p:childTnLst>
+            <p:seq concurrent="1" nextAc="seek">
+              <p:cTn id="2" dur="indefinite" nodeType="mainSeq">
+                <p:childTnLst>
+                  <p:par>
+                    <p:cTn id="3" fill="hold">
+                      <p:stCondLst>
+                        <p:cond delay="indefinite"/>
+                      </p:stCondLst>
+                      <p:childTnLst>
+                        <p:par>
+                          <p:cTn id="4" fill="hold">
+                            <p:stCondLst>
+                              <p:cond delay="0"/>
+                            </p:stCondLst>
+                            <p:childTnLst>
+                              <p:par>
+                                <p:cTn id="5" presetID="10" presetClass="entr" presetSubtype="0" fill="hold" grpId="0" nodeType="clickEffect">
+                                  <p:stCondLst>
+                                    <p:cond delay="0"/>
+                                  </p:stCondLst>
+                                  <p:childTnLst>
+                                    <p:set>
+                                      <p:cBhvr>
+                                        <p:cTn id="6" dur="1" fill="hold">
+                                          <p:stCondLst>
+                                            <p:cond delay="0"/>
+                                          </p:stCondLst>
+                                        </p:cTn>
+                                        <p:tgtEl>
+                                          <p:spTgt spid="3">
+                                            <p:txEl>
+                                              <p:pRg st="0" end="0"/>
+                                            </p:txEl>
+                                          </p:spTgt>
+                                        </p:tgtEl>
+                                        <p:attrNameLst>
+                                          <p:attrName>style.visibility</p:attrName>
+                                        </p:attrNameLst>
+                                      </p:cBhvr>
+                                      <p:to>
+                                        <p:strVal val="visible"/>
+                                      </p:to>
+                                    </p:set>
+                                    <p:animEffect transition="in" filter="fade">
+                                      <p:cBhvr>
+                                        <p:cTn id="7" dur="500"/>
+                                        <p:tgtEl>
+                                          <p:spTgt spid="3">
+                                            <p:txEl>
+                                              <p:pRg st="0" end="0"/>
+                                            </p:txEl>
+                                          </p:spTgt>
+                                        </p:tgtEl>
+                                      </p:cBhvr>
+                                    </p:animEffect>
+                                  </p:childTnLst>
+                                </p:cTn>
+                              </p:par>
+                            </p:childTnLst>
+                          </p:cTn>
+                        </p:par>
+                      </p:childTnLst>
+                    </p:cTn>
+                  </p:par>
+                  <p:par>
+                    <p:cTn id="8" fill="hold">
+                      <p:stCondLst>
+                        <p:cond delay="indefinite"/>
+                      </p:stCondLst>
+                      <p:childTnLst>
+                        <p:par>
+                          <p:cTn id="9" fill="hold">
+                            <p:stCondLst>
+                              <p:cond delay="0"/>
+                            </p:stCondLst>
+                            <p:childTnLst>
+                              <p:par>
+                                <p:cTn id="10" presetID="10" presetClass="entr" presetSubtype="0" fill="hold" grpId="0" nodeType="clickEffect">
+                                  <p:stCondLst>
+                                    <p:cond delay="0"/>
+                                  </p:stCondLst>
+                                  <p:childTnLst>
+                                    <p:set>
+                                      <p:cBhvr>
+                                        <p:cTn id="11" dur="1" fill="hold">
+                                          <p:stCondLst>
+                                            <p:cond delay="0"/>
+                                          </p:stCondLst>
+                                        </p:cTn>
+                                        <p:tgtEl>
+                                          <p:spTgt spid="3">
+                                            <p:txEl>
+                                              <p:pRg st="1" end="1"/>
+                                            </p:txEl>
+                                          </p:spTgt>
+                                        </p:tgtEl>
+                                        <p:attrNameLst>
+                                          <p:attrName>style.visibility</p:attrName>
+                                        </p:attrNameLst>
+                                      </p:cBhvr>
+                                      <p:to>
+                                        <p:strVal val="visible"/>
+                                      </p:to>
+                                    </p:set>
+                                    <p:animEffect transition="in" filter="fade">
+                                      <p:cBhvr>
+                                        <p:cTn id="12" dur="500"/>
+                                        <p:tgtEl>
+                                          <p:spTgt spid="3">
+                                            <p:txEl>
+                                              <p:pRg st="1" end="1"/>
+                                            </p:txEl>
+                                          </p:spTgt>
+                                        </p:tgtEl>
+                                      </p:cBhvr>
+                                    </p:animEffect>
+                                  </p:childTnLst>
+                                </p:cTn>
+                              </p:par>
+                            </p:childTnLst>
+                          </p:cTn>
+                        </p:par>
+                      </p:childTnLst>
+                    </p:cTn>
+                  </p:par>
+                  <p:par>
+                    <p:cTn id="13" fill="hold">
+                      <p:stCondLst>
+                        <p:cond delay="indefinite"/>
+                      </p:stCondLst>
+                      <p:childTnLst>
+                        <p:par>
+                          <p:cTn id="14" fill="hold">
+                            <p:stCondLst>
+                              <p:cond delay="0"/>
+                            </p:stCondLst>
+                            <p:childTnLst>
+                              <p:par>
+                                <p:cTn id="15" presetID="10" presetClass="entr" presetSubtype="0" fill="hold" grpId="0" nodeType="clickEffect">
+                                  <p:stCondLst>
+                                    <p:cond delay="0"/>
+                                  </p:stCondLst>
+                                  <p:childTnLst>
+                                    <p:set>
+                                      <p:cBhvr>
+                                        <p:cTn id="16" dur="1" fill="hold">
+                                          <p:stCondLst>
+                                            <p:cond delay="0"/>
+                                          </p:stCondLst>
+                                        </p:cTn>
+                                        <p:tgtEl>
+                                          <p:spTgt spid="3">
+                                            <p:txEl>
+                                              <p:pRg st="2" end="2"/>
+                                            </p:txEl>
+                                          </p:spTgt>
+                                        </p:tgtEl>
+                                        <p:attrNameLst>
+                                          <p:attrName>style.visibility</p:attrName>
+                                        </p:attrNameLst>
+                                      </p:cBhvr>
+                                      <p:to>
+                                        <p:strVal val="visible"/>
+                                      </p:to>
+                                    </p:set>
+                                    <p:animEffect transition="in" filter="fade">
+                                      <p:cBhvr>
+                                        <p:cTn id="17" dur="500"/>
+                                        <p:tgtEl>
+                                          <p:spTgt spid="3">
+                                            <p:txEl>
+                                              <p:pRg st="2" end="2"/>
+                                            </p:txEl>
+                                          </p:spTgt>
+                                        </p:tgtEl>
+                                      </p:cBhvr>
+                                    </p:animEffect>
+                                  </p:childTnLst>
+                                </p:cTn>
+                              </p:par>
+                            </p:childTnLst>
+                          </p:cTn>
+                        </p:par>
+                      </p:childTnLst>
+                    </p:cTn>
+                  </p:par>
+                  <p:par>
+                    <p:cTn id="18" fill="hold">
+                      <p:stCondLst>
+                        <p:cond delay="indefinite"/>
+                      </p:stCondLst>
+                      <p:childTnLst>
+                        <p:par>
+                          <p:cTn id="19" fill="hold">
+                            <p:stCondLst>
+                              <p:cond delay="0"/>
+                            </p:stCondLst>
+                            <p:childTnLst>
+                              <p:par>
+                                <p:cTn id="20" presetID="10" presetClass="entr" presetSubtype="0" fill="hold" grpId="0" nodeType="clickEffect">
+                                  <p:stCondLst>
+                                    <p:cond delay="0"/>
+                                  </p:stCondLst>
+                                  <p:childTnLst>
+                                    <p:set>
+                                      <p:cBhvr>
+                                        <p:cTn id="21" dur="1" fill="hold">
+                                          <p:stCondLst>
+                                            <p:cond delay="0"/>
+                                          </p:stCondLst>
+                                        </p:cTn>
+                                        <p:tgtEl>
+                                          <p:spTgt spid="3">
+                                            <p:txEl>
+                                              <p:pRg st="3" end="3"/>
+                                            </p:txEl>
+                                          </p:spTgt>
+                                        </p:tgtEl>
+                                        <p:attrNameLst>
+                                          <p:attrName>style.visibility</p:attrName>
+                                        </p:attrNameLst>
+                                      </p:cBhvr>
+                                      <p:to>
+                                        <p:strVal val="visible"/>
+                                      </p:to>
+                                    </p:set>
+                                    <p:animEffect transition="in" filter="fade">
+                                      <p:cBhvr>
+                                        <p:cTn id="22" dur="500"/>
+                                        <p:tgtEl>
+                                          <p:spTgt spid="3">
+                                            <p:txEl>
+                                              <p:pRg st="3" end="3"/>
+                                            </p:txEl>
+                                          </p:spTgt>
+                                        </p:tgtEl>
+                                      </p:cBhvr>
+                                    </p:animEffect>
+                                  </p:childTnLst>
+                                </p:cTn>
+                              </p:par>
+                              <p:par>
+                                <p:cTn id="23" presetID="10" presetClass="entr" presetSubtype="0" fill="hold" nodeType="withEffect">
+                                  <p:stCondLst>
+                                    <p:cond delay="0"/>
+                                  </p:stCondLst>
+                                  <p:childTnLst>
+                                    <p:set>
+                                      <p:cBhvr>
+                                        <p:cTn id="24" dur="1" fill="hold">
+                                          <p:stCondLst>
+                                            <p:cond delay="0"/>
+                                          </p:stCondLst>
+                                        </p:cTn>
+                                        <p:tgtEl>
+                                          <p:spTgt spid="7"/>
+                                        </p:tgtEl>
+                                        <p:attrNameLst>
+                                          <p:attrName>style.visibility</p:attrName>
+                                        </p:attrNameLst>
+                                      </p:cBhvr>
+                                      <p:to>
+                                        <p:strVal val="visible"/>
+                                      </p:to>
+                                    </p:set>
+                                    <p:animEffect transition="in" filter="fade">
+                                      <p:cBhvr>
+                                        <p:cTn id="25" dur="500"/>
+                                        <p:tgtEl>
+                                          <p:spTgt spid="7"/>
+                                        </p:tgtEl>
+                                      </p:cBhvr>
+                                    </p:animEffect>
+                                  </p:childTnLst>
+                                </p:cTn>
+                              </p:par>
+                            </p:childTnLst>
+                          </p:cTn>
+                        </p:par>
+                      </p:childTnLst>
+                    </p:cTn>
+                  </p:par>
+                  <p:par>
+                    <p:cTn id="26" fill="hold">
+                      <p:stCondLst>
+                        <p:cond delay="indefinite"/>
+                      </p:stCondLst>
+                      <p:childTnLst>
+                        <p:par>
+                          <p:cTn id="27" fill="hold">
+                            <p:stCondLst>
+                              <p:cond delay="0"/>
+                            </p:stCondLst>
+                            <p:childTnLst>
+                              <p:par>
+                                <p:cTn id="28" presetID="10" presetClass="entr" presetSubtype="0" fill="hold" grpId="0" nodeType="clickEffect">
+                                  <p:stCondLst>
+                                    <p:cond delay="0"/>
+                                  </p:stCondLst>
+                                  <p:childTnLst>
+                                    <p:set>
+                                      <p:cBhvr>
+                                        <p:cTn id="29" dur="1" fill="hold">
+                                          <p:stCondLst>
+                                            <p:cond delay="0"/>
+                                          </p:stCondLst>
+                                        </p:cTn>
+                                        <p:tgtEl>
+                                          <p:spTgt spid="3">
+                                            <p:txEl>
+                                              <p:pRg st="4" end="4"/>
+                                            </p:txEl>
+                                          </p:spTgt>
+                                        </p:tgtEl>
+                                        <p:attrNameLst>
+                                          <p:attrName>style.visibility</p:attrName>
+                                        </p:attrNameLst>
+                                      </p:cBhvr>
+                                      <p:to>
+                                        <p:strVal val="visible"/>
+                                      </p:to>
+                                    </p:set>
+                                    <p:animEffect transition="in" filter="fade">
+                                      <p:cBhvr>
+                                        <p:cTn id="30" dur="500"/>
+                                        <p:tgtEl>
+                                          <p:spTgt spid="3">
+                                            <p:txEl>
+                                              <p:pRg st="4" end="4"/>
+                                            </p:txEl>
+                                          </p:spTgt>
+                                        </p:tgtEl>
+                                      </p:cBhvr>
+                                    </p:animEffect>
+                                  </p:childTnLst>
+                                </p:cTn>
+                              </p:par>
+                              <p:par>
+                                <p:cTn id="31" presetID="10" presetClass="entr" presetSubtype="0" fill="hold" nodeType="withEffect">
+                                  <p:stCondLst>
+                                    <p:cond delay="0"/>
+                                  </p:stCondLst>
+                                  <p:childTnLst>
+                                    <p:set>
+                                      <p:cBhvr>
+                                        <p:cTn id="32" dur="1" fill="hold">
+                                          <p:stCondLst>
+                                            <p:cond delay="0"/>
+                                          </p:stCondLst>
+                                        </p:cTn>
+                                        <p:tgtEl>
+                                          <p:spTgt spid="8"/>
+                                        </p:tgtEl>
+                                        <p:attrNameLst>
+                                          <p:attrName>style.visibility</p:attrName>
+                                        </p:attrNameLst>
+                                      </p:cBhvr>
+                                      <p:to>
+                                        <p:strVal val="visible"/>
+                                      </p:to>
+                                    </p:set>
+                                    <p:animEffect transition="in" filter="fade">
+                                      <p:cBhvr>
+                                        <p:cTn id="33" dur="500"/>
+                                        <p:tgtEl>
+                                          <p:spTgt spid="8"/>
+                                        </p:tgtEl>
+                                      </p:cBhvr>
+                                    </p:animEffect>
+                                  </p:childTnLst>
+                                </p:cTn>
+                              </p:par>
+                            </p:childTnLst>
+                          </p:cTn>
+                        </p:par>
+                      </p:childTnLst>
+                    </p:cTn>
+                  </p:par>
+                  <p:par>
+                    <p:cTn id="34" fill="hold">
+                      <p:stCondLst>
+                        <p:cond delay="indefinite"/>
+                      </p:stCondLst>
+                      <p:childTnLst>
+                        <p:par>
+                          <p:cTn id="35" fill="hold">
+                            <p:stCondLst>
+                              <p:cond delay="0"/>
+                            </p:stCondLst>
+                            <p:childTnLst>
+                              <p:par>
+                                <p:cTn id="36" presetID="10" presetClass="entr" presetSubtype="0" fill="hold" grpId="0" nodeType="clickEffect">
+                                  <p:stCondLst>
+                                    <p:cond delay="0"/>
+                                  </p:stCondLst>
+                                  <p:childTnLst>
+                                    <p:set>
+                                      <p:cBhvr>
+                                        <p:cTn id="37" dur="1" fill="hold">
+                                          <p:stCondLst>
+                                            <p:cond delay="0"/>
+                                          </p:stCondLst>
+                                        </p:cTn>
+                                        <p:tgtEl>
+                                          <p:spTgt spid="3">
+                                            <p:txEl>
+                                              <p:pRg st="5" end="5"/>
+                                            </p:txEl>
+                                          </p:spTgt>
+                                        </p:tgtEl>
+                                        <p:attrNameLst>
+                                          <p:attrName>style.visibility</p:attrName>
+                                        </p:attrNameLst>
+                                      </p:cBhvr>
+                                      <p:to>
+                                        <p:strVal val="visible"/>
+                                      </p:to>
+                                    </p:set>
+                                    <p:animEffect transition="in" filter="fade">
+                                      <p:cBhvr>
+                                        <p:cTn id="38" dur="500"/>
+                                        <p:tgtEl>
+                                          <p:spTgt spid="3">
+                                            <p:txEl>
+                                              <p:pRg st="5" end="5"/>
+                                            </p:txEl>
+                                          </p:spTgt>
+                                        </p:tgtEl>
+                                      </p:cBhvr>
+                                    </p:animEffect>
+                                  </p:childTnLst>
+                                </p:cTn>
+                              </p:par>
+                              <p:par>
+                                <p:cTn id="39" presetID="10" presetClass="entr" presetSubtype="0" fill="hold" nodeType="withEffect">
+                                  <p:stCondLst>
+                                    <p:cond delay="0"/>
+                                  </p:stCondLst>
+                                  <p:childTnLst>
+                                    <p:set>
+                                      <p:cBhvr>
+                                        <p:cTn id="40" dur="1" fill="hold">
+                                          <p:stCondLst>
+                                            <p:cond delay="0"/>
+                                          </p:stCondLst>
+                                        </p:cTn>
+                                        <p:tgtEl>
+                                          <p:spTgt spid="17"/>
+                                        </p:tgtEl>
+                                        <p:attrNameLst>
+                                          <p:attrName>style.visibility</p:attrName>
+                                        </p:attrNameLst>
+                                      </p:cBhvr>
+                                      <p:to>
+                                        <p:strVal val="visible"/>
+                                      </p:to>
+                                    </p:set>
+                                    <p:animEffect transition="in" filter="fade">
+                                      <p:cBhvr>
+                                        <p:cTn id="41" dur="500"/>
+                                        <p:tgtEl>
+                                          <p:spTgt spid="17"/>
+                                        </p:tgtEl>
+                                      </p:cBhvr>
+                                    </p:animEffect>
+                                  </p:childTnLst>
+                                </p:cTn>
+                              </p:par>
+                            </p:childTnLst>
+                          </p:cTn>
+                        </p:par>
+                      </p:childTnLst>
+                    </p:cTn>
+                  </p:par>
+                  <p:par>
+                    <p:cTn id="42" fill="hold">
+                      <p:stCondLst>
+                        <p:cond delay="indefinite"/>
+                      </p:stCondLst>
+                      <p:childTnLst>
+                        <p:par>
+                          <p:cTn id="43" fill="hold">
+                            <p:stCondLst>
+                              <p:cond delay="0"/>
+                            </p:stCondLst>
+                            <p:childTnLst>
+                              <p:par>
+                                <p:cTn id="44" presetID="10" presetClass="entr" presetSubtype="0" fill="hold" grpId="0" nodeType="clickEffect">
+                                  <p:stCondLst>
+                                    <p:cond delay="0"/>
+                                  </p:stCondLst>
+                                  <p:childTnLst>
+                                    <p:set>
+                                      <p:cBhvr>
+                                        <p:cTn id="45" dur="1" fill="hold">
+                                          <p:stCondLst>
+                                            <p:cond delay="0"/>
+                                          </p:stCondLst>
+                                        </p:cTn>
+                                        <p:tgtEl>
+                                          <p:spTgt spid="3">
+                                            <p:txEl>
+                                              <p:pRg st="6" end="6"/>
+                                            </p:txEl>
+                                          </p:spTgt>
+                                        </p:tgtEl>
+                                        <p:attrNameLst>
+                                          <p:attrName>style.visibility</p:attrName>
+                                        </p:attrNameLst>
+                                      </p:cBhvr>
+                                      <p:to>
+                                        <p:strVal val="visible"/>
+                                      </p:to>
+                                    </p:set>
+                                    <p:animEffect transition="in" filter="fade">
+                                      <p:cBhvr>
+                                        <p:cTn id="46" dur="500"/>
+                                        <p:tgtEl>
+                                          <p:spTgt spid="3">
+                                            <p:txEl>
+                                              <p:pRg st="6" end="6"/>
+                                            </p:txEl>
+                                          </p:spTgt>
+                                        </p:tgtEl>
+                                      </p:cBhvr>
+                                    </p:animEffect>
+                                  </p:childTnLst>
+                                </p:cTn>
+                              </p:par>
+                              <p:par>
+                                <p:cTn id="47" presetID="10" presetClass="entr" presetSubtype="0" fill="hold" nodeType="withEffect">
+                                  <p:stCondLst>
+                                    <p:cond delay="0"/>
+                                  </p:stCondLst>
+                                  <p:childTnLst>
+                                    <p:set>
+                                      <p:cBhvr>
+                                        <p:cTn id="48" dur="1" fill="hold">
+                                          <p:stCondLst>
+                                            <p:cond delay="0"/>
+                                          </p:stCondLst>
+                                        </p:cTn>
+                                        <p:tgtEl>
+                                          <p:spTgt spid="18"/>
+                                        </p:tgtEl>
+                                        <p:attrNameLst>
+                                          <p:attrName>style.visibility</p:attrName>
+                                        </p:attrNameLst>
+                                      </p:cBhvr>
+                                      <p:to>
+                                        <p:strVal val="visible"/>
+                                      </p:to>
+                                    </p:set>
+                                    <p:animEffect transition="in" filter="fade">
+                                      <p:cBhvr>
+                                        <p:cTn id="49" dur="500"/>
+                                        <p:tgtEl>
+                                          <p:spTgt spid="18"/>
+                                        </p:tgtEl>
+                                      </p:cBhvr>
+                                    </p:animEffect>
+                                  </p:childTnLst>
+                                </p:cTn>
+                              </p:par>
+                            </p:childTnLst>
+                          </p:cTn>
+                        </p:par>
+                      </p:childTnLst>
+                    </p:cTn>
+                  </p:par>
+                  <p:par>
+                    <p:cTn id="50" fill="hold">
+                      <p:stCondLst>
+                        <p:cond delay="indefinite"/>
+                      </p:stCondLst>
+                      <p:childTnLst>
+                        <p:par>
+                          <p:cTn id="51" fill="hold">
+                            <p:stCondLst>
+                              <p:cond delay="0"/>
+                            </p:stCondLst>
+                            <p:childTnLst>
+                              <p:par>
+                                <p:cTn id="52" presetID="10" presetClass="entr" presetSubtype="0" fill="hold" grpId="0" nodeType="clickEffect">
+                                  <p:stCondLst>
+                                    <p:cond delay="0"/>
+                                  </p:stCondLst>
+                                  <p:childTnLst>
+                                    <p:set>
+                                      <p:cBhvr>
+                                        <p:cTn id="53" dur="1" fill="hold">
+                                          <p:stCondLst>
+                                            <p:cond delay="0"/>
+                                          </p:stCondLst>
+                                        </p:cTn>
+                                        <p:tgtEl>
+                                          <p:spTgt spid="3">
+                                            <p:txEl>
+                                              <p:pRg st="7" end="7"/>
+                                            </p:txEl>
+                                          </p:spTgt>
+                                        </p:tgtEl>
+                                        <p:attrNameLst>
+                                          <p:attrName>style.visibility</p:attrName>
+                                        </p:attrNameLst>
+                                      </p:cBhvr>
+                                      <p:to>
+                                        <p:strVal val="visible"/>
+                                      </p:to>
+                                    </p:set>
+                                    <p:animEffect transition="in" filter="fade">
+                                      <p:cBhvr>
+                                        <p:cTn id="54" dur="500"/>
+                                        <p:tgtEl>
+                                          <p:spTgt spid="3">
+                                            <p:txEl>
+                                              <p:pRg st="7" end="7"/>
+                                            </p:txEl>
+                                          </p:spTgt>
+                                        </p:tgtEl>
+                                      </p:cBhvr>
+                                    </p:animEffect>
+                                  </p:childTnLst>
+                                </p:cTn>
+                              </p:par>
+                            </p:childTnLst>
+                          </p:cTn>
+                        </p:par>
+                      </p:childTnLst>
+                    </p:cTn>
+                  </p:par>
+                  <p:par>
+                    <p:cTn id="55" fill="hold">
+                      <p:stCondLst>
+                        <p:cond delay="indefinite"/>
+                      </p:stCondLst>
+                      <p:childTnLst>
+                        <p:par>
+                          <p:cTn id="56" fill="hold">
+                            <p:stCondLst>
+                              <p:cond delay="0"/>
+                            </p:stCondLst>
+                            <p:childTnLst>
+                              <p:par>
+                                <p:cTn id="57" presetID="10" presetClass="entr" presetSubtype="0" fill="hold" grpId="0" nodeType="clickEffect">
+                                  <p:stCondLst>
+                                    <p:cond delay="0"/>
+                                  </p:stCondLst>
+                                  <p:childTnLst>
+                                    <p:set>
+                                      <p:cBhvr>
+                                        <p:cTn id="58" dur="1" fill="hold">
+                                          <p:stCondLst>
+                                            <p:cond delay="0"/>
+                                          </p:stCondLst>
+                                        </p:cTn>
+                                        <p:tgtEl>
+                                          <p:spTgt spid="3">
+                                            <p:txEl>
+                                              <p:pRg st="8" end="8"/>
+                                            </p:txEl>
+                                          </p:spTgt>
+                                        </p:tgtEl>
+                                        <p:attrNameLst>
+                                          <p:attrName>style.visibility</p:attrName>
+                                        </p:attrNameLst>
+                                      </p:cBhvr>
+                                      <p:to>
+                                        <p:strVal val="visible"/>
+                                      </p:to>
+                                    </p:set>
+                                    <p:animEffect transition="in" filter="fade">
+                                      <p:cBhvr>
+                                        <p:cTn id="59" dur="500"/>
+                                        <p:tgtEl>
+                                          <p:spTgt spid="3">
+                                            <p:txEl>
+                                              <p:pRg st="8" end="8"/>
+                                            </p:txEl>
+                                          </p:spTgt>
+                                        </p:tgtEl>
+                                      </p:cBhvr>
+                                    </p:animEffect>
+                                  </p:childTnLst>
+                                </p:cTn>
+                              </p:par>
+                            </p:childTnLst>
+                          </p:cTn>
+                        </p:par>
+                      </p:childTnLst>
+                    </p:cTn>
+                  </p:par>
+                </p:childTnLst>
+              </p:cTn>
+              <p:prevCondLst>
+                <p:cond evt="onPrev" delay="0">
+                  <p:tgtEl>
+                    <p:sldTgt/>
+                  </p:tgtEl>
+                </p:cond>
+              </p:prevCondLst>
+              <p:nextCondLst>
+                <p:cond evt="onNext" delay="0">
+                  <p:tgtEl>
+                    <p:sldTgt/>
+                  </p:tgtEl>
+                </p:cond>
+              </p:nextCondLst>
+            </p:seq>
+          </p:childTnLst>
+        </p:cTn>
       </p:par>
     </p:tnLst>
+    <p:bldLst>
+      <p:bldP spid="3" grpId="0" uiExpand="1" build="p"/>
+    </p:bldLst>
   </p:timing>
 </p:sld>
 </file>
 
 <file path=ppt/slides/slide22.xml><?xml version="1.0" encoding="utf-8"?>
-<p:sld xmlns:a="http://schemas.openxmlformats.org/drawingml/2006/main" xmlns:r="http://schemas.openxmlformats.org/officeDocument/2006/relationships" xmlns:p="http://schemas.openxmlformats.org/presentationml/2006/main">
+<p:sld xmlns:a="http://schemas.openxmlformats.org/drawingml/2006/main" xmlns:r="http://schemas.openxmlformats.org/officeDocument/2006/relationships" xmlns:p="http://schemas.openxmlformats.org/presentationml/2006/main" showMasterPhAnim="0">
   <p:cSld>
     <p:spTree>
       <p:nvGrpSpPr>
@@ -23655,9 +24545,6 @@
                     <p:cTn id="3" fill="hold">
                       <p:stCondLst>
                         <p:cond delay="indefinite"/>
-                        <p:cond evt="onBegin" delay="0">
-                          <p:tn val="2"/>
-                        </p:cond>
                       </p:stCondLst>
                       <p:childTnLst>
                         <p:par>
@@ -23667,7 +24554,7 @@
                             </p:stCondLst>
                             <p:childTnLst>
                               <p:par>
-                                <p:cTn id="5" presetID="10" presetClass="entr" presetSubtype="0" fill="hold" nodeType="withEffect">
+                                <p:cTn id="5" presetID="10" presetClass="entr" presetSubtype="0" fill="hold" nodeType="clickEffect">
                                   <p:stCondLst>
                                     <p:cond delay="0"/>
                                   </p:stCondLst>
@@ -23702,7 +24589,7 @@
                                 </p:cTn>
                               </p:par>
                               <p:par>
-                                <p:cTn id="8" presetID="10" presetClass="entr" presetSubtype="0" fill="hold" nodeType="withEffect">
+                                <p:cTn id="8" presetID="10" presetClass="entr" presetSubtype="0" fill="hold" grpId="0" nodeType="withEffect">
                                   <p:stCondLst>
                                     <p:cond delay="0"/>
                                   </p:stCondLst>
@@ -23715,7 +24602,7 @@
                                           </p:stCondLst>
                                         </p:cTn>
                                         <p:tgtEl>
-                                          <p:spTgt spid="19"/>
+                                          <p:spTgt spid="4"/>
                                         </p:tgtEl>
                                         <p:attrNameLst>
                                           <p:attrName>style.visibility</p:attrName>
@@ -23729,7 +24616,7 @@
                                       <p:cBhvr>
                                         <p:cTn id="10" dur="500"/>
                                         <p:tgtEl>
-                                          <p:spTgt spid="19"/>
+                                          <p:spTgt spid="4"/>
                                         </p:tgtEl>
                                       </p:cBhvr>
                                     </p:animEffect>
@@ -23750,7 +24637,7 @@
                                           </p:stCondLst>
                                         </p:cTn>
                                         <p:tgtEl>
-                                          <p:spTgt spid="20"/>
+                                          <p:spTgt spid="16"/>
                                         </p:tgtEl>
                                         <p:attrNameLst>
                                           <p:attrName>style.visibility</p:attrName>
@@ -23764,7 +24651,7 @@
                                       <p:cBhvr>
                                         <p:cTn id="13" dur="500"/>
                                         <p:tgtEl>
-                                          <p:spTgt spid="20"/>
+                                          <p:spTgt spid="16"/>
                                         </p:tgtEl>
                                       </p:cBhvr>
                                     </p:animEffect>
@@ -23785,7 +24672,7 @@
                                           </p:stCondLst>
                                         </p:cTn>
                                         <p:tgtEl>
-                                          <p:spTgt spid="21"/>
+                                          <p:spTgt spid="11"/>
                                         </p:tgtEl>
                                         <p:attrNameLst>
                                           <p:attrName>style.visibility</p:attrName>
@@ -23799,7 +24686,513 @@
                                       <p:cBhvr>
                                         <p:cTn id="16" dur="500"/>
                                         <p:tgtEl>
+                                          <p:spTgt spid="11"/>
+                                        </p:tgtEl>
+                                      </p:cBhvr>
+                                    </p:animEffect>
+                                  </p:childTnLst>
+                                </p:cTn>
+                              </p:par>
+                              <p:par>
+                                <p:cTn id="17" presetID="10" presetClass="entr" presetSubtype="0" fill="hold" nodeType="withEffect">
+                                  <p:stCondLst>
+                                    <p:cond delay="0"/>
+                                  </p:stCondLst>
+                                  <p:childTnLst>
+                                    <p:set>
+                                      <p:cBhvr>
+                                        <p:cTn id="18" dur="1" fill="hold">
+                                          <p:stCondLst>
+                                            <p:cond delay="0"/>
+                                          </p:stCondLst>
+                                        </p:cTn>
+                                        <p:tgtEl>
+                                          <p:spTgt spid="18"/>
+                                        </p:tgtEl>
+                                        <p:attrNameLst>
+                                          <p:attrName>style.visibility</p:attrName>
+                                        </p:attrNameLst>
+                                      </p:cBhvr>
+                                      <p:to>
+                                        <p:strVal val="visible"/>
+                                      </p:to>
+                                    </p:set>
+                                    <p:animEffect transition="in" filter="fade">
+                                      <p:cBhvr>
+                                        <p:cTn id="19" dur="500"/>
+                                        <p:tgtEl>
+                                          <p:spTgt spid="18"/>
+                                        </p:tgtEl>
+                                      </p:cBhvr>
+                                    </p:animEffect>
+                                  </p:childTnLst>
+                                </p:cTn>
+                              </p:par>
+                            </p:childTnLst>
+                          </p:cTn>
+                        </p:par>
+                      </p:childTnLst>
+                    </p:cTn>
+                  </p:par>
+                  <p:par>
+                    <p:cTn id="20" fill="hold">
+                      <p:stCondLst>
+                        <p:cond delay="indefinite"/>
+                      </p:stCondLst>
+                      <p:childTnLst>
+                        <p:par>
+                          <p:cTn id="21" fill="hold">
+                            <p:stCondLst>
+                              <p:cond delay="0"/>
+                            </p:stCondLst>
+                            <p:childTnLst>
+                              <p:par>
+                                <p:cTn id="22" presetID="10" presetClass="entr" presetSubtype="0" fill="hold" nodeType="clickEffect">
+                                  <p:stCondLst>
+                                    <p:cond delay="0"/>
+                                  </p:stCondLst>
+                                  <p:childTnLst>
+                                    <p:set>
+                                      <p:cBhvr>
+                                        <p:cTn id="23" dur="1" fill="hold">
+                                          <p:stCondLst>
+                                            <p:cond delay="0"/>
+                                          </p:stCondLst>
+                                        </p:cTn>
+                                        <p:tgtEl>
+                                          <p:spTgt spid="20"/>
+                                        </p:tgtEl>
+                                        <p:attrNameLst>
+                                          <p:attrName>style.visibility</p:attrName>
+                                        </p:attrNameLst>
+                                      </p:cBhvr>
+                                      <p:to>
+                                        <p:strVal val="visible"/>
+                                      </p:to>
+                                    </p:set>
+                                    <p:animEffect transition="in" filter="fade">
+                                      <p:cBhvr>
+                                        <p:cTn id="24" dur="500"/>
+                                        <p:tgtEl>
+                                          <p:spTgt spid="20"/>
+                                        </p:tgtEl>
+                                      </p:cBhvr>
+                                    </p:animEffect>
+                                  </p:childTnLst>
+                                </p:cTn>
+                              </p:par>
+                              <p:par>
+                                <p:cTn id="25" presetID="10" presetClass="entr" presetSubtype="0" fill="hold" grpId="0" nodeType="withEffect">
+                                  <p:stCondLst>
+                                    <p:cond delay="0"/>
+                                  </p:stCondLst>
+                                  <p:childTnLst>
+                                    <p:set>
+                                      <p:cBhvr>
+                                        <p:cTn id="26" dur="1" fill="hold">
+                                          <p:stCondLst>
+                                            <p:cond delay="0"/>
+                                          </p:stCondLst>
+                                        </p:cTn>
+                                        <p:tgtEl>
+                                          <p:spTgt spid="3">
+                                            <p:txEl>
+                                              <p:pRg st="4" end="4"/>
+                                            </p:txEl>
+                                          </p:spTgt>
+                                        </p:tgtEl>
+                                        <p:attrNameLst>
+                                          <p:attrName>style.visibility</p:attrName>
+                                        </p:attrNameLst>
+                                      </p:cBhvr>
+                                      <p:to>
+                                        <p:strVal val="visible"/>
+                                      </p:to>
+                                    </p:set>
+                                    <p:animEffect transition="in" filter="fade">
+                                      <p:cBhvr>
+                                        <p:cTn id="27" dur="500"/>
+                                        <p:tgtEl>
+                                          <p:spTgt spid="3">
+                                            <p:txEl>
+                                              <p:pRg st="4" end="4"/>
+                                            </p:txEl>
+                                          </p:spTgt>
+                                        </p:tgtEl>
+                                      </p:cBhvr>
+                                    </p:animEffect>
+                                  </p:childTnLst>
+                                </p:cTn>
+                              </p:par>
+                            </p:childTnLst>
+                          </p:cTn>
+                        </p:par>
+                      </p:childTnLst>
+                    </p:cTn>
+                  </p:par>
+                  <p:par>
+                    <p:cTn id="28" fill="hold">
+                      <p:stCondLst>
+                        <p:cond delay="indefinite"/>
+                      </p:stCondLst>
+                      <p:childTnLst>
+                        <p:par>
+                          <p:cTn id="29" fill="hold">
+                            <p:stCondLst>
+                              <p:cond delay="0"/>
+                            </p:stCondLst>
+                            <p:childTnLst>
+                              <p:par>
+                                <p:cTn id="30" presetID="10" presetClass="entr" presetSubtype="0" fill="hold" grpId="0" nodeType="clickEffect">
+                                  <p:stCondLst>
+                                    <p:cond delay="0"/>
+                                  </p:stCondLst>
+                                  <p:childTnLst>
+                                    <p:set>
+                                      <p:cBhvr>
+                                        <p:cTn id="31" dur="1" fill="hold">
+                                          <p:stCondLst>
+                                            <p:cond delay="0"/>
+                                          </p:stCondLst>
+                                        </p:cTn>
+                                        <p:tgtEl>
+                                          <p:spTgt spid="3">
+                                            <p:txEl>
+                                              <p:pRg st="5" end="5"/>
+                                            </p:txEl>
+                                          </p:spTgt>
+                                        </p:tgtEl>
+                                        <p:attrNameLst>
+                                          <p:attrName>style.visibility</p:attrName>
+                                        </p:attrNameLst>
+                                      </p:cBhvr>
+                                      <p:to>
+                                        <p:strVal val="visible"/>
+                                      </p:to>
+                                    </p:set>
+                                    <p:animEffect transition="in" filter="fade">
+                                      <p:cBhvr>
+                                        <p:cTn id="32" dur="500"/>
+                                        <p:tgtEl>
+                                          <p:spTgt spid="3">
+                                            <p:txEl>
+                                              <p:pRg st="5" end="5"/>
+                                            </p:txEl>
+                                          </p:spTgt>
+                                        </p:tgtEl>
+                                      </p:cBhvr>
+                                    </p:animEffect>
+                                  </p:childTnLst>
+                                </p:cTn>
+                              </p:par>
+                            </p:childTnLst>
+                          </p:cTn>
+                        </p:par>
+                      </p:childTnLst>
+                    </p:cTn>
+                  </p:par>
+                  <p:par>
+                    <p:cTn id="33" fill="hold">
+                      <p:stCondLst>
+                        <p:cond delay="indefinite"/>
+                      </p:stCondLst>
+                      <p:childTnLst>
+                        <p:par>
+                          <p:cTn id="34" fill="hold">
+                            <p:stCondLst>
+                              <p:cond delay="0"/>
+                            </p:stCondLst>
+                            <p:childTnLst>
+                              <p:par>
+                                <p:cTn id="35" presetID="10" presetClass="entr" presetSubtype="0" fill="hold" grpId="0" nodeType="clickEffect">
+                                  <p:stCondLst>
+                                    <p:cond delay="0"/>
+                                  </p:stCondLst>
+                                  <p:childTnLst>
+                                    <p:set>
+                                      <p:cBhvr>
+                                        <p:cTn id="36" dur="1" fill="hold">
+                                          <p:stCondLst>
+                                            <p:cond delay="0"/>
+                                          </p:stCondLst>
+                                        </p:cTn>
+                                        <p:tgtEl>
+                                          <p:spTgt spid="3">
+                                            <p:txEl>
+                                              <p:pRg st="6" end="6"/>
+                                            </p:txEl>
+                                          </p:spTgt>
+                                        </p:tgtEl>
+                                        <p:attrNameLst>
+                                          <p:attrName>style.visibility</p:attrName>
+                                        </p:attrNameLst>
+                                      </p:cBhvr>
+                                      <p:to>
+                                        <p:strVal val="visible"/>
+                                      </p:to>
+                                    </p:set>
+                                    <p:animEffect transition="in" filter="fade">
+                                      <p:cBhvr>
+                                        <p:cTn id="37" dur="500"/>
+                                        <p:tgtEl>
+                                          <p:spTgt spid="3">
+                                            <p:txEl>
+                                              <p:pRg st="6" end="6"/>
+                                            </p:txEl>
+                                          </p:spTgt>
+                                        </p:tgtEl>
+                                      </p:cBhvr>
+                                    </p:animEffect>
+                                  </p:childTnLst>
+                                </p:cTn>
+                              </p:par>
+                            </p:childTnLst>
+                          </p:cTn>
+                        </p:par>
+                      </p:childTnLst>
+                    </p:cTn>
+                  </p:par>
+                  <p:par>
+                    <p:cTn id="38" fill="hold">
+                      <p:stCondLst>
+                        <p:cond delay="indefinite"/>
+                      </p:stCondLst>
+                      <p:childTnLst>
+                        <p:par>
+                          <p:cTn id="39" fill="hold">
+                            <p:stCondLst>
+                              <p:cond delay="0"/>
+                            </p:stCondLst>
+                            <p:childTnLst>
+                              <p:par>
+                                <p:cTn id="40" presetID="10" presetClass="entr" presetSubtype="0" fill="hold" grpId="0" nodeType="clickEffect">
+                                  <p:stCondLst>
+                                    <p:cond delay="0"/>
+                                  </p:stCondLst>
+                                  <p:childTnLst>
+                                    <p:set>
+                                      <p:cBhvr>
+                                        <p:cTn id="41" dur="1" fill="hold">
+                                          <p:stCondLst>
+                                            <p:cond delay="0"/>
+                                          </p:stCondLst>
+                                        </p:cTn>
+                                        <p:tgtEl>
+                                          <p:spTgt spid="3">
+                                            <p:txEl>
+                                              <p:pRg st="7" end="7"/>
+                                            </p:txEl>
+                                          </p:spTgt>
+                                        </p:tgtEl>
+                                        <p:attrNameLst>
+                                          <p:attrName>style.visibility</p:attrName>
+                                        </p:attrNameLst>
+                                      </p:cBhvr>
+                                      <p:to>
+                                        <p:strVal val="visible"/>
+                                      </p:to>
+                                    </p:set>
+                                    <p:animEffect transition="in" filter="fade">
+                                      <p:cBhvr>
+                                        <p:cTn id="42" dur="500"/>
+                                        <p:tgtEl>
+                                          <p:spTgt spid="3">
+                                            <p:txEl>
+                                              <p:pRg st="7" end="7"/>
+                                            </p:txEl>
+                                          </p:spTgt>
+                                        </p:tgtEl>
+                                      </p:cBhvr>
+                                    </p:animEffect>
+                                  </p:childTnLst>
+                                </p:cTn>
+                              </p:par>
+                            </p:childTnLst>
+                          </p:cTn>
+                        </p:par>
+                      </p:childTnLst>
+                    </p:cTn>
+                  </p:par>
+                  <p:par>
+                    <p:cTn id="43" fill="hold">
+                      <p:stCondLst>
+                        <p:cond delay="indefinite"/>
+                      </p:stCondLst>
+                      <p:childTnLst>
+                        <p:par>
+                          <p:cTn id="44" fill="hold">
+                            <p:stCondLst>
+                              <p:cond delay="0"/>
+                            </p:stCondLst>
+                            <p:childTnLst>
+                              <p:par>
+                                <p:cTn id="45" presetID="10" presetClass="entr" presetSubtype="0" fill="hold" nodeType="clickEffect">
+                                  <p:stCondLst>
+                                    <p:cond delay="0"/>
+                                  </p:stCondLst>
+                                  <p:childTnLst>
+                                    <p:set>
+                                      <p:cBhvr>
+                                        <p:cTn id="46" dur="1" fill="hold">
+                                          <p:stCondLst>
+                                            <p:cond delay="0"/>
+                                          </p:stCondLst>
+                                        </p:cTn>
+                                        <p:tgtEl>
+                                          <p:spTgt spid="19"/>
+                                        </p:tgtEl>
+                                        <p:attrNameLst>
+                                          <p:attrName>style.visibility</p:attrName>
+                                        </p:attrNameLst>
+                                      </p:cBhvr>
+                                      <p:to>
+                                        <p:strVal val="visible"/>
+                                      </p:to>
+                                    </p:set>
+                                    <p:animEffect transition="in" filter="fade">
+                                      <p:cBhvr>
+                                        <p:cTn id="47" dur="500"/>
+                                        <p:tgtEl>
+                                          <p:spTgt spid="19"/>
+                                        </p:tgtEl>
+                                      </p:cBhvr>
+                                    </p:animEffect>
+                                  </p:childTnLst>
+                                </p:cTn>
+                              </p:par>
+                              <p:par>
+                                <p:cTn id="48" presetID="10" presetClass="entr" presetSubtype="0" fill="hold" grpId="0" nodeType="withEffect">
+                                  <p:stCondLst>
+                                    <p:cond delay="0"/>
+                                  </p:stCondLst>
+                                  <p:childTnLst>
+                                    <p:set>
+                                      <p:cBhvr>
+                                        <p:cTn id="49" dur="1" fill="hold">
+                                          <p:stCondLst>
+                                            <p:cond delay="0"/>
+                                          </p:stCondLst>
+                                        </p:cTn>
+                                        <p:tgtEl>
+                                          <p:spTgt spid="3">
+                                            <p:txEl>
+                                              <p:pRg st="8" end="8"/>
+                                            </p:txEl>
+                                          </p:spTgt>
+                                        </p:tgtEl>
+                                        <p:attrNameLst>
+                                          <p:attrName>style.visibility</p:attrName>
+                                        </p:attrNameLst>
+                                      </p:cBhvr>
+                                      <p:to>
+                                        <p:strVal val="visible"/>
+                                      </p:to>
+                                    </p:set>
+                                    <p:animEffect transition="in" filter="fade">
+                                      <p:cBhvr>
+                                        <p:cTn id="50" dur="500"/>
+                                        <p:tgtEl>
+                                          <p:spTgt spid="3">
+                                            <p:txEl>
+                                              <p:pRg st="8" end="8"/>
+                                            </p:txEl>
+                                          </p:spTgt>
+                                        </p:tgtEl>
+                                      </p:cBhvr>
+                                    </p:animEffect>
+                                  </p:childTnLst>
+                                </p:cTn>
+                              </p:par>
+                            </p:childTnLst>
+                          </p:cTn>
+                        </p:par>
+                      </p:childTnLst>
+                    </p:cTn>
+                  </p:par>
+                  <p:par>
+                    <p:cTn id="51" fill="hold">
+                      <p:stCondLst>
+                        <p:cond delay="indefinite"/>
+                      </p:stCondLst>
+                      <p:childTnLst>
+                        <p:par>
+                          <p:cTn id="52" fill="hold">
+                            <p:stCondLst>
+                              <p:cond delay="0"/>
+                            </p:stCondLst>
+                            <p:childTnLst>
+                              <p:par>
+                                <p:cTn id="53" presetID="10" presetClass="entr" presetSubtype="0" fill="hold" nodeType="clickEffect">
+                                  <p:stCondLst>
+                                    <p:cond delay="0"/>
+                                  </p:stCondLst>
+                                  <p:childTnLst>
+                                    <p:set>
+                                      <p:cBhvr>
+                                        <p:cTn id="54" dur="1" fill="hold">
+                                          <p:stCondLst>
+                                            <p:cond delay="0"/>
+                                          </p:stCondLst>
+                                        </p:cTn>
+                                        <p:tgtEl>
                                           <p:spTgt spid="21"/>
+                                        </p:tgtEl>
+                                        <p:attrNameLst>
+                                          <p:attrName>style.visibility</p:attrName>
+                                        </p:attrNameLst>
+                                      </p:cBhvr>
+                                      <p:to>
+                                        <p:strVal val="visible"/>
+                                      </p:to>
+                                    </p:set>
+                                    <p:animEffect transition="in" filter="fade">
+                                      <p:cBhvr>
+                                        <p:cTn id="55" dur="500"/>
+                                        <p:tgtEl>
+                                          <p:spTgt spid="21"/>
+                                        </p:tgtEl>
+                                      </p:cBhvr>
+                                    </p:animEffect>
+                                  </p:childTnLst>
+                                </p:cTn>
+                              </p:par>
+                              <p:par>
+                                <p:cTn id="56" presetID="10" presetClass="entr" presetSubtype="0" fill="hold" grpId="0" nodeType="withEffect">
+                                  <p:stCondLst>
+                                    <p:cond delay="0"/>
+                                  </p:stCondLst>
+                                  <p:childTnLst>
+                                    <p:set>
+                                      <p:cBhvr>
+                                        <p:cTn id="57" dur="1" fill="hold">
+                                          <p:stCondLst>
+                                            <p:cond delay="0"/>
+                                          </p:stCondLst>
+                                        </p:cTn>
+                                        <p:tgtEl>
+                                          <p:spTgt spid="3">
+                                            <p:txEl>
+                                              <p:pRg st="9" end="9"/>
+                                            </p:txEl>
+                                          </p:spTgt>
+                                        </p:tgtEl>
+                                        <p:attrNameLst>
+                                          <p:attrName>style.visibility</p:attrName>
+                                        </p:attrNameLst>
+                                      </p:cBhvr>
+                                      <p:to>
+                                        <p:strVal val="visible"/>
+                                      </p:to>
+                                    </p:set>
+                                    <p:animEffect transition="in" filter="fade">
+                                      <p:cBhvr>
+                                        <p:cTn id="58" dur="500"/>
+                                        <p:tgtEl>
+                                          <p:spTgt spid="3">
+                                            <p:txEl>
+                                              <p:pRg st="9" end="9"/>
+                                            </p:txEl>
+                                          </p:spTgt>
                                         </p:tgtEl>
                                       </p:cBhvr>
                                     </p:animEffect>
@@ -23833,6 +25226,10 @@
         </p:cTn>
       </p:par>
     </p:tnLst>
+    <p:bldLst>
+      <p:bldP spid="3" grpId="0" uiExpand="1" build="p"/>
+      <p:bldP spid="4" grpId="0"/>
+    </p:bldLst>
   </p:timing>
 </p:sld>
 </file>
@@ -24245,7 +25642,7 @@
 </file>
 
 <file path=ppt/slides/slide24.xml><?xml version="1.0" encoding="utf-8"?>
-<p:sld xmlns:a="http://schemas.openxmlformats.org/drawingml/2006/main" xmlns:r="http://schemas.openxmlformats.org/officeDocument/2006/relationships" xmlns:p="http://schemas.openxmlformats.org/presentationml/2006/main">
+<p:sld xmlns:a="http://schemas.openxmlformats.org/drawingml/2006/main" xmlns:r="http://schemas.openxmlformats.org/officeDocument/2006/relationships" xmlns:p="http://schemas.openxmlformats.org/presentationml/2006/main" showMasterPhAnim="0">
   <p:cSld>
     <p:spTree>
       <p:nvGrpSpPr>
@@ -25377,15 +26774,700 @@
   <p:timing>
     <p:tnLst>
       <p:par>
-        <p:cTn id="1" dur="indefinite" restart="never" nodeType="tmRoot"/>
+        <p:cTn id="1" dur="indefinite" restart="never" nodeType="tmRoot">
+          <p:childTnLst>
+            <p:seq concurrent="1" nextAc="seek">
+              <p:cTn id="2" dur="indefinite" nodeType="mainSeq">
+                <p:childTnLst>
+                  <p:par>
+                    <p:cTn id="3" fill="hold">
+                      <p:stCondLst>
+                        <p:cond delay="indefinite"/>
+                      </p:stCondLst>
+                      <p:childTnLst>
+                        <p:par>
+                          <p:cTn id="4" fill="hold">
+                            <p:stCondLst>
+                              <p:cond delay="0"/>
+                            </p:stCondLst>
+                            <p:childTnLst>
+                              <p:par>
+                                <p:cTn id="5" presetID="10" presetClass="entr" presetSubtype="0" fill="hold" grpId="0" nodeType="clickEffect">
+                                  <p:stCondLst>
+                                    <p:cond delay="0"/>
+                                  </p:stCondLst>
+                                  <p:childTnLst>
+                                    <p:set>
+                                      <p:cBhvr>
+                                        <p:cTn id="6" dur="1" fill="hold">
+                                          <p:stCondLst>
+                                            <p:cond delay="0"/>
+                                          </p:stCondLst>
+                                        </p:cTn>
+                                        <p:tgtEl>
+                                          <p:spTgt spid="3">
+                                            <p:txEl>
+                                              <p:pRg st="0" end="0"/>
+                                            </p:txEl>
+                                          </p:spTgt>
+                                        </p:tgtEl>
+                                        <p:attrNameLst>
+                                          <p:attrName>style.visibility</p:attrName>
+                                        </p:attrNameLst>
+                                      </p:cBhvr>
+                                      <p:to>
+                                        <p:strVal val="visible"/>
+                                      </p:to>
+                                    </p:set>
+                                    <p:animEffect transition="in" filter="fade">
+                                      <p:cBhvr>
+                                        <p:cTn id="7" dur="500"/>
+                                        <p:tgtEl>
+                                          <p:spTgt spid="3">
+                                            <p:txEl>
+                                              <p:pRg st="0" end="0"/>
+                                            </p:txEl>
+                                          </p:spTgt>
+                                        </p:tgtEl>
+                                      </p:cBhvr>
+                                    </p:animEffect>
+                                  </p:childTnLst>
+                                </p:cTn>
+                              </p:par>
+                            </p:childTnLst>
+                          </p:cTn>
+                        </p:par>
+                      </p:childTnLst>
+                    </p:cTn>
+                  </p:par>
+                  <p:par>
+                    <p:cTn id="8" fill="hold">
+                      <p:stCondLst>
+                        <p:cond delay="indefinite"/>
+                      </p:stCondLst>
+                      <p:childTnLst>
+                        <p:par>
+                          <p:cTn id="9" fill="hold">
+                            <p:stCondLst>
+                              <p:cond delay="0"/>
+                            </p:stCondLst>
+                            <p:childTnLst>
+                              <p:par>
+                                <p:cTn id="10" presetID="10" presetClass="entr" presetSubtype="0" fill="hold" grpId="0" nodeType="clickEffect">
+                                  <p:stCondLst>
+                                    <p:cond delay="0"/>
+                                  </p:stCondLst>
+                                  <p:childTnLst>
+                                    <p:set>
+                                      <p:cBhvr>
+                                        <p:cTn id="11" dur="1" fill="hold">
+                                          <p:stCondLst>
+                                            <p:cond delay="0"/>
+                                          </p:stCondLst>
+                                        </p:cTn>
+                                        <p:tgtEl>
+                                          <p:spTgt spid="3">
+                                            <p:txEl>
+                                              <p:pRg st="1" end="1"/>
+                                            </p:txEl>
+                                          </p:spTgt>
+                                        </p:tgtEl>
+                                        <p:attrNameLst>
+                                          <p:attrName>style.visibility</p:attrName>
+                                        </p:attrNameLst>
+                                      </p:cBhvr>
+                                      <p:to>
+                                        <p:strVal val="visible"/>
+                                      </p:to>
+                                    </p:set>
+                                    <p:animEffect transition="in" filter="fade">
+                                      <p:cBhvr>
+                                        <p:cTn id="12" dur="500"/>
+                                        <p:tgtEl>
+                                          <p:spTgt spid="3">
+                                            <p:txEl>
+                                              <p:pRg st="1" end="1"/>
+                                            </p:txEl>
+                                          </p:spTgt>
+                                        </p:tgtEl>
+                                      </p:cBhvr>
+                                    </p:animEffect>
+                                  </p:childTnLst>
+                                </p:cTn>
+                              </p:par>
+                            </p:childTnLst>
+                          </p:cTn>
+                        </p:par>
+                      </p:childTnLst>
+                    </p:cTn>
+                  </p:par>
+                  <p:par>
+                    <p:cTn id="13" fill="hold">
+                      <p:stCondLst>
+                        <p:cond delay="indefinite"/>
+                      </p:stCondLst>
+                      <p:childTnLst>
+                        <p:par>
+                          <p:cTn id="14" fill="hold">
+                            <p:stCondLst>
+                              <p:cond delay="0"/>
+                            </p:stCondLst>
+                            <p:childTnLst>
+                              <p:par>
+                                <p:cTn id="15" presetID="10" presetClass="entr" presetSubtype="0" fill="hold" nodeType="clickEffect">
+                                  <p:stCondLst>
+                                    <p:cond delay="0"/>
+                                  </p:stCondLst>
+                                  <p:childTnLst>
+                                    <p:set>
+                                      <p:cBhvr>
+                                        <p:cTn id="16" dur="1" fill="hold">
+                                          <p:stCondLst>
+                                            <p:cond delay="0"/>
+                                          </p:stCondLst>
+                                        </p:cTn>
+                                        <p:tgtEl>
+                                          <p:spTgt spid="4"/>
+                                        </p:tgtEl>
+                                        <p:attrNameLst>
+                                          <p:attrName>style.visibility</p:attrName>
+                                        </p:attrNameLst>
+                                      </p:cBhvr>
+                                      <p:to>
+                                        <p:strVal val="visible"/>
+                                      </p:to>
+                                    </p:set>
+                                    <p:animEffect transition="in" filter="fade">
+                                      <p:cBhvr>
+                                        <p:cTn id="17" dur="500"/>
+                                        <p:tgtEl>
+                                          <p:spTgt spid="4"/>
+                                        </p:tgtEl>
+                                      </p:cBhvr>
+                                    </p:animEffect>
+                                  </p:childTnLst>
+                                </p:cTn>
+                              </p:par>
+                              <p:par>
+                                <p:cTn id="18" presetID="10" presetClass="entr" presetSubtype="0" fill="hold" grpId="0" nodeType="withEffect">
+                                  <p:stCondLst>
+                                    <p:cond delay="0"/>
+                                  </p:stCondLst>
+                                  <p:childTnLst>
+                                    <p:set>
+                                      <p:cBhvr>
+                                        <p:cTn id="19" dur="1" fill="hold">
+                                          <p:stCondLst>
+                                            <p:cond delay="0"/>
+                                          </p:stCondLst>
+                                        </p:cTn>
+                                        <p:tgtEl>
+                                          <p:spTgt spid="7"/>
+                                        </p:tgtEl>
+                                        <p:attrNameLst>
+                                          <p:attrName>style.visibility</p:attrName>
+                                        </p:attrNameLst>
+                                      </p:cBhvr>
+                                      <p:to>
+                                        <p:strVal val="visible"/>
+                                      </p:to>
+                                    </p:set>
+                                    <p:animEffect transition="in" filter="fade">
+                                      <p:cBhvr>
+                                        <p:cTn id="20" dur="500"/>
+                                        <p:tgtEl>
+                                          <p:spTgt spid="7"/>
+                                        </p:tgtEl>
+                                      </p:cBhvr>
+                                    </p:animEffect>
+                                  </p:childTnLst>
+                                </p:cTn>
+                              </p:par>
+                              <p:par>
+                                <p:cTn id="21" presetID="10" presetClass="entr" presetSubtype="0" fill="hold" grpId="0" nodeType="withEffect">
+                                  <p:stCondLst>
+                                    <p:cond delay="0"/>
+                                  </p:stCondLst>
+                                  <p:childTnLst>
+                                    <p:set>
+                                      <p:cBhvr>
+                                        <p:cTn id="22" dur="1" fill="hold">
+                                          <p:stCondLst>
+                                            <p:cond delay="0"/>
+                                          </p:stCondLst>
+                                        </p:cTn>
+                                        <p:tgtEl>
+                                          <p:spTgt spid="9"/>
+                                        </p:tgtEl>
+                                        <p:attrNameLst>
+                                          <p:attrName>style.visibility</p:attrName>
+                                        </p:attrNameLst>
+                                      </p:cBhvr>
+                                      <p:to>
+                                        <p:strVal val="visible"/>
+                                      </p:to>
+                                    </p:set>
+                                    <p:animEffect transition="in" filter="fade">
+                                      <p:cBhvr>
+                                        <p:cTn id="23" dur="500"/>
+                                        <p:tgtEl>
+                                          <p:spTgt spid="9"/>
+                                        </p:tgtEl>
+                                      </p:cBhvr>
+                                    </p:animEffect>
+                                  </p:childTnLst>
+                                </p:cTn>
+                              </p:par>
+                              <p:par>
+                                <p:cTn id="24" presetID="10" presetClass="entr" presetSubtype="0" fill="hold" grpId="0" nodeType="withEffect">
+                                  <p:stCondLst>
+                                    <p:cond delay="0"/>
+                                  </p:stCondLst>
+                                  <p:childTnLst>
+                                    <p:set>
+                                      <p:cBhvr>
+                                        <p:cTn id="25" dur="1" fill="hold">
+                                          <p:stCondLst>
+                                            <p:cond delay="0"/>
+                                          </p:stCondLst>
+                                        </p:cTn>
+                                        <p:tgtEl>
+                                          <p:spTgt spid="8"/>
+                                        </p:tgtEl>
+                                        <p:attrNameLst>
+                                          <p:attrName>style.visibility</p:attrName>
+                                        </p:attrNameLst>
+                                      </p:cBhvr>
+                                      <p:to>
+                                        <p:strVal val="visible"/>
+                                      </p:to>
+                                    </p:set>
+                                    <p:animEffect transition="in" filter="fade">
+                                      <p:cBhvr>
+                                        <p:cTn id="26" dur="500"/>
+                                        <p:tgtEl>
+                                          <p:spTgt spid="8"/>
+                                        </p:tgtEl>
+                                      </p:cBhvr>
+                                    </p:animEffect>
+                                  </p:childTnLst>
+                                </p:cTn>
+                              </p:par>
+                              <p:par>
+                                <p:cTn id="27" presetID="10" presetClass="entr" presetSubtype="0" fill="hold" grpId="0" nodeType="withEffect">
+                                  <p:stCondLst>
+                                    <p:cond delay="0"/>
+                                  </p:stCondLst>
+                                  <p:childTnLst>
+                                    <p:set>
+                                      <p:cBhvr>
+                                        <p:cTn id="28" dur="1" fill="hold">
+                                          <p:stCondLst>
+                                            <p:cond delay="0"/>
+                                          </p:stCondLst>
+                                        </p:cTn>
+                                        <p:tgtEl>
+                                          <p:spTgt spid="10"/>
+                                        </p:tgtEl>
+                                        <p:attrNameLst>
+                                          <p:attrName>style.visibility</p:attrName>
+                                        </p:attrNameLst>
+                                      </p:cBhvr>
+                                      <p:to>
+                                        <p:strVal val="visible"/>
+                                      </p:to>
+                                    </p:set>
+                                    <p:animEffect transition="in" filter="fade">
+                                      <p:cBhvr>
+                                        <p:cTn id="29" dur="500"/>
+                                        <p:tgtEl>
+                                          <p:spTgt spid="10"/>
+                                        </p:tgtEl>
+                                      </p:cBhvr>
+                                    </p:animEffect>
+                                  </p:childTnLst>
+                                </p:cTn>
+                              </p:par>
+                            </p:childTnLst>
+                          </p:cTn>
+                        </p:par>
+                      </p:childTnLst>
+                    </p:cTn>
+                  </p:par>
+                  <p:par>
+                    <p:cTn id="30" fill="hold">
+                      <p:stCondLst>
+                        <p:cond delay="indefinite"/>
+                      </p:stCondLst>
+                      <p:childTnLst>
+                        <p:par>
+                          <p:cTn id="31" fill="hold">
+                            <p:stCondLst>
+                              <p:cond delay="0"/>
+                            </p:stCondLst>
+                            <p:childTnLst>
+                              <p:par>
+                                <p:cTn id="32" presetID="10" presetClass="entr" presetSubtype="0" fill="hold" grpId="0" nodeType="clickEffect">
+                                  <p:stCondLst>
+                                    <p:cond delay="0"/>
+                                  </p:stCondLst>
+                                  <p:childTnLst>
+                                    <p:set>
+                                      <p:cBhvr>
+                                        <p:cTn id="33" dur="1" fill="hold">
+                                          <p:stCondLst>
+                                            <p:cond delay="0"/>
+                                          </p:stCondLst>
+                                        </p:cTn>
+                                        <p:tgtEl>
+                                          <p:spTgt spid="3">
+                                            <p:txEl>
+                                              <p:pRg st="3" end="3"/>
+                                            </p:txEl>
+                                          </p:spTgt>
+                                        </p:tgtEl>
+                                        <p:attrNameLst>
+                                          <p:attrName>style.visibility</p:attrName>
+                                        </p:attrNameLst>
+                                      </p:cBhvr>
+                                      <p:to>
+                                        <p:strVal val="visible"/>
+                                      </p:to>
+                                    </p:set>
+                                    <p:animEffect transition="in" filter="fade">
+                                      <p:cBhvr>
+                                        <p:cTn id="34" dur="500"/>
+                                        <p:tgtEl>
+                                          <p:spTgt spid="3">
+                                            <p:txEl>
+                                              <p:pRg st="3" end="3"/>
+                                            </p:txEl>
+                                          </p:spTgt>
+                                        </p:tgtEl>
+                                      </p:cBhvr>
+                                    </p:animEffect>
+                                  </p:childTnLst>
+                                </p:cTn>
+                              </p:par>
+                            </p:childTnLst>
+                          </p:cTn>
+                        </p:par>
+                      </p:childTnLst>
+                    </p:cTn>
+                  </p:par>
+                  <p:par>
+                    <p:cTn id="35" fill="hold">
+                      <p:stCondLst>
+                        <p:cond delay="indefinite"/>
+                      </p:stCondLst>
+                      <p:childTnLst>
+                        <p:par>
+                          <p:cTn id="36" fill="hold">
+                            <p:stCondLst>
+                              <p:cond delay="0"/>
+                            </p:stCondLst>
+                            <p:childTnLst>
+                              <p:par>
+                                <p:cTn id="37" presetID="10" presetClass="entr" presetSubtype="0" fill="hold" grpId="0" nodeType="clickEffect">
+                                  <p:stCondLst>
+                                    <p:cond delay="0"/>
+                                  </p:stCondLst>
+                                  <p:childTnLst>
+                                    <p:set>
+                                      <p:cBhvr>
+                                        <p:cTn id="38" dur="1" fill="hold">
+                                          <p:stCondLst>
+                                            <p:cond delay="0"/>
+                                          </p:stCondLst>
+                                        </p:cTn>
+                                        <p:tgtEl>
+                                          <p:spTgt spid="3">
+                                            <p:txEl>
+                                              <p:pRg st="4" end="4"/>
+                                            </p:txEl>
+                                          </p:spTgt>
+                                        </p:tgtEl>
+                                        <p:attrNameLst>
+                                          <p:attrName>style.visibility</p:attrName>
+                                        </p:attrNameLst>
+                                      </p:cBhvr>
+                                      <p:to>
+                                        <p:strVal val="visible"/>
+                                      </p:to>
+                                    </p:set>
+                                    <p:animEffect transition="in" filter="fade">
+                                      <p:cBhvr>
+                                        <p:cTn id="39" dur="500"/>
+                                        <p:tgtEl>
+                                          <p:spTgt spid="3">
+                                            <p:txEl>
+                                              <p:pRg st="4" end="4"/>
+                                            </p:txEl>
+                                          </p:spTgt>
+                                        </p:tgtEl>
+                                      </p:cBhvr>
+                                    </p:animEffect>
+                                  </p:childTnLst>
+                                </p:cTn>
+                              </p:par>
+                              <p:par>
+                                <p:cTn id="40" presetID="10" presetClass="entr" presetSubtype="0" fill="hold" nodeType="withEffect">
+                                  <p:stCondLst>
+                                    <p:cond delay="0"/>
+                                  </p:stCondLst>
+                                  <p:childTnLst>
+                                    <p:set>
+                                      <p:cBhvr>
+                                        <p:cTn id="41" dur="1" fill="hold">
+                                          <p:stCondLst>
+                                            <p:cond delay="0"/>
+                                          </p:stCondLst>
+                                        </p:cTn>
+                                        <p:tgtEl>
+                                          <p:spTgt spid="11"/>
+                                        </p:tgtEl>
+                                        <p:attrNameLst>
+                                          <p:attrName>style.visibility</p:attrName>
+                                        </p:attrNameLst>
+                                      </p:cBhvr>
+                                      <p:to>
+                                        <p:strVal val="visible"/>
+                                      </p:to>
+                                    </p:set>
+                                    <p:animEffect transition="in" filter="fade">
+                                      <p:cBhvr>
+                                        <p:cTn id="42" dur="500"/>
+                                        <p:tgtEl>
+                                          <p:spTgt spid="11"/>
+                                        </p:tgtEl>
+                                      </p:cBhvr>
+                                    </p:animEffect>
+                                  </p:childTnLst>
+                                </p:cTn>
+                              </p:par>
+                            </p:childTnLst>
+                          </p:cTn>
+                        </p:par>
+                      </p:childTnLst>
+                    </p:cTn>
+                  </p:par>
+                  <p:par>
+                    <p:cTn id="43" fill="hold">
+                      <p:stCondLst>
+                        <p:cond delay="indefinite"/>
+                      </p:stCondLst>
+                      <p:childTnLst>
+                        <p:par>
+                          <p:cTn id="44" fill="hold">
+                            <p:stCondLst>
+                              <p:cond delay="0"/>
+                            </p:stCondLst>
+                            <p:childTnLst>
+                              <p:par>
+                                <p:cTn id="45" presetID="10" presetClass="entr" presetSubtype="0" fill="hold" grpId="0" nodeType="clickEffect">
+                                  <p:stCondLst>
+                                    <p:cond delay="0"/>
+                                  </p:stCondLst>
+                                  <p:childTnLst>
+                                    <p:set>
+                                      <p:cBhvr>
+                                        <p:cTn id="46" dur="1" fill="hold">
+                                          <p:stCondLst>
+                                            <p:cond delay="0"/>
+                                          </p:stCondLst>
+                                        </p:cTn>
+                                        <p:tgtEl>
+                                          <p:spTgt spid="3">
+                                            <p:txEl>
+                                              <p:pRg st="6" end="6"/>
+                                            </p:txEl>
+                                          </p:spTgt>
+                                        </p:tgtEl>
+                                        <p:attrNameLst>
+                                          <p:attrName>style.visibility</p:attrName>
+                                        </p:attrNameLst>
+                                      </p:cBhvr>
+                                      <p:to>
+                                        <p:strVal val="visible"/>
+                                      </p:to>
+                                    </p:set>
+                                    <p:animEffect transition="in" filter="fade">
+                                      <p:cBhvr>
+                                        <p:cTn id="47" dur="500"/>
+                                        <p:tgtEl>
+                                          <p:spTgt spid="3">
+                                            <p:txEl>
+                                              <p:pRg st="6" end="6"/>
+                                            </p:txEl>
+                                          </p:spTgt>
+                                        </p:tgtEl>
+                                      </p:cBhvr>
+                                    </p:animEffect>
+                                  </p:childTnLst>
+                                </p:cTn>
+                              </p:par>
+                            </p:childTnLst>
+                          </p:cTn>
+                        </p:par>
+                      </p:childTnLst>
+                    </p:cTn>
+                  </p:par>
+                  <p:par>
+                    <p:cTn id="48" fill="hold">
+                      <p:stCondLst>
+                        <p:cond delay="indefinite"/>
+                      </p:stCondLst>
+                      <p:childTnLst>
+                        <p:par>
+                          <p:cTn id="49" fill="hold">
+                            <p:stCondLst>
+                              <p:cond delay="0"/>
+                            </p:stCondLst>
+                            <p:childTnLst>
+                              <p:par>
+                                <p:cTn id="50" presetID="10" presetClass="entr" presetSubtype="0" fill="hold" grpId="0" nodeType="clickEffect">
+                                  <p:stCondLst>
+                                    <p:cond delay="0"/>
+                                  </p:stCondLst>
+                                  <p:childTnLst>
+                                    <p:set>
+                                      <p:cBhvr>
+                                        <p:cTn id="51" dur="1" fill="hold">
+                                          <p:stCondLst>
+                                            <p:cond delay="0"/>
+                                          </p:stCondLst>
+                                        </p:cTn>
+                                        <p:tgtEl>
+                                          <p:spTgt spid="3">
+                                            <p:txEl>
+                                              <p:pRg st="7" end="7"/>
+                                            </p:txEl>
+                                          </p:spTgt>
+                                        </p:tgtEl>
+                                        <p:attrNameLst>
+                                          <p:attrName>style.visibility</p:attrName>
+                                        </p:attrNameLst>
+                                      </p:cBhvr>
+                                      <p:to>
+                                        <p:strVal val="visible"/>
+                                      </p:to>
+                                    </p:set>
+                                    <p:animEffect transition="in" filter="fade">
+                                      <p:cBhvr>
+                                        <p:cTn id="52" dur="500"/>
+                                        <p:tgtEl>
+                                          <p:spTgt spid="3">
+                                            <p:txEl>
+                                              <p:pRg st="7" end="7"/>
+                                            </p:txEl>
+                                          </p:spTgt>
+                                        </p:tgtEl>
+                                      </p:cBhvr>
+                                    </p:animEffect>
+                                  </p:childTnLst>
+                                </p:cTn>
+                              </p:par>
+                            </p:childTnLst>
+                          </p:cTn>
+                        </p:par>
+                      </p:childTnLst>
+                    </p:cTn>
+                  </p:par>
+                  <p:par>
+                    <p:cTn id="53" fill="hold">
+                      <p:stCondLst>
+                        <p:cond delay="indefinite"/>
+                      </p:stCondLst>
+                      <p:childTnLst>
+                        <p:par>
+                          <p:cTn id="54" fill="hold">
+                            <p:stCondLst>
+                              <p:cond delay="0"/>
+                            </p:stCondLst>
+                            <p:childTnLst>
+                              <p:par>
+                                <p:cTn id="55" presetID="10" presetClass="entr" presetSubtype="0" fill="hold" grpId="0" nodeType="clickEffect">
+                                  <p:stCondLst>
+                                    <p:cond delay="0"/>
+                                  </p:stCondLst>
+                                  <p:childTnLst>
+                                    <p:set>
+                                      <p:cBhvr>
+                                        <p:cTn id="56" dur="1" fill="hold">
+                                          <p:stCondLst>
+                                            <p:cond delay="0"/>
+                                          </p:stCondLst>
+                                        </p:cTn>
+                                        <p:tgtEl>
+                                          <p:spTgt spid="3">
+                                            <p:txEl>
+                                              <p:pRg st="8" end="8"/>
+                                            </p:txEl>
+                                          </p:spTgt>
+                                        </p:tgtEl>
+                                        <p:attrNameLst>
+                                          <p:attrName>style.visibility</p:attrName>
+                                        </p:attrNameLst>
+                                      </p:cBhvr>
+                                      <p:to>
+                                        <p:strVal val="visible"/>
+                                      </p:to>
+                                    </p:set>
+                                    <p:animEffect transition="in" filter="fade">
+                                      <p:cBhvr>
+                                        <p:cTn id="57" dur="500"/>
+                                        <p:tgtEl>
+                                          <p:spTgt spid="3">
+                                            <p:txEl>
+                                              <p:pRg st="8" end="8"/>
+                                            </p:txEl>
+                                          </p:spTgt>
+                                        </p:tgtEl>
+                                      </p:cBhvr>
+                                    </p:animEffect>
+                                  </p:childTnLst>
+                                </p:cTn>
+                              </p:par>
+                            </p:childTnLst>
+                          </p:cTn>
+                        </p:par>
+                      </p:childTnLst>
+                    </p:cTn>
+                  </p:par>
+                </p:childTnLst>
+              </p:cTn>
+              <p:prevCondLst>
+                <p:cond evt="onPrev" delay="0">
+                  <p:tgtEl>
+                    <p:sldTgt/>
+                  </p:tgtEl>
+                </p:cond>
+              </p:prevCondLst>
+              <p:nextCondLst>
+                <p:cond evt="onNext" delay="0">
+                  <p:tgtEl>
+                    <p:sldTgt/>
+                  </p:tgtEl>
+                </p:cond>
+              </p:nextCondLst>
+            </p:seq>
+          </p:childTnLst>
+        </p:cTn>
       </p:par>
     </p:tnLst>
+    <p:bldLst>
+      <p:bldP spid="3" grpId="0" uiExpand="1" build="p"/>
+      <p:bldP spid="7" grpId="0" animBg="1"/>
+      <p:bldP spid="8" grpId="0" animBg="1"/>
+      <p:bldP spid="9" grpId="0"/>
+      <p:bldP spid="10" grpId="0"/>
+    </p:bldLst>
   </p:timing>
 </p:sld>
 </file>
 
 <file path=ppt/slides/slide25.xml><?xml version="1.0" encoding="utf-8"?>
-<p:sld xmlns:a="http://schemas.openxmlformats.org/drawingml/2006/main" xmlns:r="http://schemas.openxmlformats.org/officeDocument/2006/relationships" xmlns:p="http://schemas.openxmlformats.org/presentationml/2006/main">
+<p:sld xmlns:a="http://schemas.openxmlformats.org/drawingml/2006/main" xmlns:r="http://schemas.openxmlformats.org/officeDocument/2006/relationships" xmlns:p="http://schemas.openxmlformats.org/presentationml/2006/main" showMasterPhAnim="0">
   <p:cSld>
     <p:spTree>
       <p:nvGrpSpPr>
@@ -26131,9 +28213,6 @@
                     <p:cTn id="3" fill="hold">
                       <p:stCondLst>
                         <p:cond delay="indefinite"/>
-                        <p:cond evt="onBegin" delay="0">
-                          <p:tn val="2"/>
-                        </p:cond>
                       </p:stCondLst>
                       <p:childTnLst>
                         <p:par>
@@ -26143,7 +28222,7 @@
                             </p:stCondLst>
                             <p:childTnLst>
                               <p:par>
-                                <p:cTn id="5" presetID="10" presetClass="entr" presetSubtype="0" fill="hold" nodeType="withEffect">
+                                <p:cTn id="5" presetID="10" presetClass="entr" presetSubtype="0" fill="hold" nodeType="clickEffect">
                                   <p:stCondLst>
                                     <p:cond delay="0"/>
                                   </p:stCondLst>
@@ -26191,7 +28270,7 @@
                                           </p:stCondLst>
                                         </p:cTn>
                                         <p:tgtEl>
-                                          <p:spTgt spid="15"/>
+                                          <p:spTgt spid="4"/>
                                         </p:tgtEl>
                                         <p:attrNameLst>
                                           <p:attrName>style.visibility</p:attrName>
@@ -26205,7 +28284,138 @@
                                       <p:cBhvr>
                                         <p:cTn id="10" dur="500"/>
                                         <p:tgtEl>
+                                          <p:spTgt spid="4"/>
+                                        </p:tgtEl>
+                                      </p:cBhvr>
+                                    </p:animEffect>
+                                  </p:childTnLst>
+                                </p:cTn>
+                              </p:par>
+                              <p:par>
+                                <p:cTn id="11" presetID="10" presetClass="entr" presetSubtype="0" fill="hold" nodeType="withEffect">
+                                  <p:stCondLst>
+                                    <p:cond delay="0"/>
+                                  </p:stCondLst>
+                                  <p:childTnLst>
+                                    <p:set>
+                                      <p:cBhvr>
+                                        <p:cTn id="12" dur="1" fill="hold">
+                                          <p:stCondLst>
+                                            <p:cond delay="0"/>
+                                          </p:stCondLst>
+                                        </p:cTn>
+                                        <p:tgtEl>
+                                          <p:spTgt spid="9"/>
+                                        </p:tgtEl>
+                                        <p:attrNameLst>
+                                          <p:attrName>style.visibility</p:attrName>
+                                        </p:attrNameLst>
+                                      </p:cBhvr>
+                                      <p:to>
+                                        <p:strVal val="visible"/>
+                                      </p:to>
+                                    </p:set>
+                                    <p:animEffect transition="in" filter="fade">
+                                      <p:cBhvr>
+                                        <p:cTn id="13" dur="500"/>
+                                        <p:tgtEl>
+                                          <p:spTgt spid="9"/>
+                                        </p:tgtEl>
+                                      </p:cBhvr>
+                                    </p:animEffect>
+                                  </p:childTnLst>
+                                </p:cTn>
+                              </p:par>
+                            </p:childTnLst>
+                          </p:cTn>
+                        </p:par>
+                      </p:childTnLst>
+                    </p:cTn>
+                  </p:par>
+                  <p:par>
+                    <p:cTn id="14" fill="hold">
+                      <p:stCondLst>
+                        <p:cond delay="indefinite"/>
+                      </p:stCondLst>
+                      <p:childTnLst>
+                        <p:par>
+                          <p:cTn id="15" fill="hold">
+                            <p:stCondLst>
+                              <p:cond delay="0"/>
+                            </p:stCondLst>
+                            <p:childTnLst>
+                              <p:par>
+                                <p:cTn id="16" presetID="10" presetClass="entr" presetSubtype="0" fill="hold" nodeType="clickEffect">
+                                  <p:stCondLst>
+                                    <p:cond delay="0"/>
+                                  </p:stCondLst>
+                                  <p:childTnLst>
+                                    <p:set>
+                                      <p:cBhvr>
+                                        <p:cTn id="17" dur="1" fill="hold">
+                                          <p:stCondLst>
+                                            <p:cond delay="0"/>
+                                          </p:stCondLst>
+                                        </p:cTn>
+                                        <p:tgtEl>
                                           <p:spTgt spid="15"/>
+                                        </p:tgtEl>
+                                        <p:attrNameLst>
+                                          <p:attrName>style.visibility</p:attrName>
+                                        </p:attrNameLst>
+                                      </p:cBhvr>
+                                      <p:to>
+                                        <p:strVal val="visible"/>
+                                      </p:to>
+                                    </p:set>
+                                    <p:animEffect transition="in" filter="fade">
+                                      <p:cBhvr>
+                                        <p:cTn id="18" dur="500"/>
+                                        <p:tgtEl>
+                                          <p:spTgt spid="15"/>
+                                        </p:tgtEl>
+                                      </p:cBhvr>
+                                    </p:animEffect>
+                                  </p:childTnLst>
+                                </p:cTn>
+                              </p:par>
+                              <p:par>
+                                <p:cTn id="19" presetID="10" presetClass="entr" presetSubtype="0" fill="hold" grpId="0" nodeType="withEffect">
+                                  <p:stCondLst>
+                                    <p:cond delay="0"/>
+                                  </p:stCondLst>
+                                  <p:childTnLst>
+                                    <p:set>
+                                      <p:cBhvr>
+                                        <p:cTn id="20" dur="1" fill="hold">
+                                          <p:stCondLst>
+                                            <p:cond delay="0"/>
+                                          </p:stCondLst>
+                                        </p:cTn>
+                                        <p:tgtEl>
+                                          <p:spTgt spid="3">
+                                            <p:txEl>
+                                              <p:pRg st="9" end="9"/>
+                                            </p:txEl>
+                                          </p:spTgt>
+                                        </p:tgtEl>
+                                        <p:attrNameLst>
+                                          <p:attrName>style.visibility</p:attrName>
+                                        </p:attrNameLst>
+                                      </p:cBhvr>
+                                      <p:to>
+                                        <p:strVal val="visible"/>
+                                      </p:to>
+                                    </p:set>
+                                    <p:animEffect transition="in" filter="fade">
+                                      <p:cBhvr>
+                                        <p:cTn id="21" dur="500"/>
+                                        <p:tgtEl>
+                                          <p:spTgt spid="3">
+                                            <p:txEl>
+                                              <p:pRg st="9" end="9"/>
+                                            </p:txEl>
+                                          </p:spTgt>
                                         </p:tgtEl>
                                       </p:cBhvr>
                                     </p:animEffect>
@@ -26239,6 +28449,9 @@
         </p:cTn>
       </p:par>
     </p:tnLst>
+    <p:bldLst>
+      <p:bldP spid="3" grpId="0" build="p"/>
+    </p:bldLst>
   </p:timing>
 </p:sld>
 </file>
@@ -26683,7 +28896,7 @@
 </file>
 
 <file path=ppt/slides/slide28.xml><?xml version="1.0" encoding="utf-8"?>
-<p:sld xmlns:a="http://schemas.openxmlformats.org/drawingml/2006/main" xmlns:r="http://schemas.openxmlformats.org/officeDocument/2006/relationships" xmlns:p="http://schemas.openxmlformats.org/presentationml/2006/main">
+<p:sld xmlns:a="http://schemas.openxmlformats.org/drawingml/2006/main" xmlns:r="http://schemas.openxmlformats.org/officeDocument/2006/relationships" xmlns:p="http://schemas.openxmlformats.org/presentationml/2006/main" showMasterPhAnim="0">
   <p:cSld>
     <p:spTree>
       <p:nvGrpSpPr>
@@ -26962,15 +29175,382 @@
   <p:timing>
     <p:tnLst>
       <p:par>
-        <p:cTn id="1" dur="indefinite" restart="never" nodeType="tmRoot"/>
+        <p:cTn id="1" dur="indefinite" restart="never" nodeType="tmRoot">
+          <p:childTnLst>
+            <p:seq concurrent="1" nextAc="seek">
+              <p:cTn id="2" dur="indefinite" nodeType="mainSeq">
+                <p:childTnLst>
+                  <p:par>
+                    <p:cTn id="3" fill="hold">
+                      <p:stCondLst>
+                        <p:cond delay="indefinite"/>
+                      </p:stCondLst>
+                      <p:childTnLst>
+                        <p:par>
+                          <p:cTn id="4" fill="hold">
+                            <p:stCondLst>
+                              <p:cond delay="0"/>
+                            </p:stCondLst>
+                            <p:childTnLst>
+                              <p:par>
+                                <p:cTn id="5" presetID="10" presetClass="entr" presetSubtype="0" fill="hold" grpId="0" nodeType="clickEffect">
+                                  <p:stCondLst>
+                                    <p:cond delay="0"/>
+                                  </p:stCondLst>
+                                  <p:childTnLst>
+                                    <p:set>
+                                      <p:cBhvr>
+                                        <p:cTn id="6" dur="1" fill="hold">
+                                          <p:stCondLst>
+                                            <p:cond delay="0"/>
+                                          </p:stCondLst>
+                                        </p:cTn>
+                                        <p:tgtEl>
+                                          <p:spTgt spid="3">
+                                            <p:txEl>
+                                              <p:pRg st="0" end="0"/>
+                                            </p:txEl>
+                                          </p:spTgt>
+                                        </p:tgtEl>
+                                        <p:attrNameLst>
+                                          <p:attrName>style.visibility</p:attrName>
+                                        </p:attrNameLst>
+                                      </p:cBhvr>
+                                      <p:to>
+                                        <p:strVal val="visible"/>
+                                      </p:to>
+                                    </p:set>
+                                    <p:animEffect transition="in" filter="fade">
+                                      <p:cBhvr>
+                                        <p:cTn id="7" dur="500"/>
+                                        <p:tgtEl>
+                                          <p:spTgt spid="3">
+                                            <p:txEl>
+                                              <p:pRg st="0" end="0"/>
+                                            </p:txEl>
+                                          </p:spTgt>
+                                        </p:tgtEl>
+                                      </p:cBhvr>
+                                    </p:animEffect>
+                                  </p:childTnLst>
+                                </p:cTn>
+                              </p:par>
+                            </p:childTnLst>
+                          </p:cTn>
+                        </p:par>
+                      </p:childTnLst>
+                    </p:cTn>
+                  </p:par>
+                  <p:par>
+                    <p:cTn id="8" fill="hold">
+                      <p:stCondLst>
+                        <p:cond delay="indefinite"/>
+                      </p:stCondLst>
+                      <p:childTnLst>
+                        <p:par>
+                          <p:cTn id="9" fill="hold">
+                            <p:stCondLst>
+                              <p:cond delay="0"/>
+                            </p:stCondLst>
+                            <p:childTnLst>
+                              <p:par>
+                                <p:cTn id="10" presetID="10" presetClass="entr" presetSubtype="0" fill="hold" grpId="0" nodeType="clickEffect">
+                                  <p:stCondLst>
+                                    <p:cond delay="0"/>
+                                  </p:stCondLst>
+                                  <p:childTnLst>
+                                    <p:set>
+                                      <p:cBhvr>
+                                        <p:cTn id="11" dur="1" fill="hold">
+                                          <p:stCondLst>
+                                            <p:cond delay="0"/>
+                                          </p:stCondLst>
+                                        </p:cTn>
+                                        <p:tgtEl>
+                                          <p:spTgt spid="3">
+                                            <p:txEl>
+                                              <p:pRg st="1" end="1"/>
+                                            </p:txEl>
+                                          </p:spTgt>
+                                        </p:tgtEl>
+                                        <p:attrNameLst>
+                                          <p:attrName>style.visibility</p:attrName>
+                                        </p:attrNameLst>
+                                      </p:cBhvr>
+                                      <p:to>
+                                        <p:strVal val="visible"/>
+                                      </p:to>
+                                    </p:set>
+                                    <p:animEffect transition="in" filter="fade">
+                                      <p:cBhvr>
+                                        <p:cTn id="12" dur="500"/>
+                                        <p:tgtEl>
+                                          <p:spTgt spid="3">
+                                            <p:txEl>
+                                              <p:pRg st="1" end="1"/>
+                                            </p:txEl>
+                                          </p:spTgt>
+                                        </p:tgtEl>
+                                      </p:cBhvr>
+                                    </p:animEffect>
+                                  </p:childTnLst>
+                                </p:cTn>
+                              </p:par>
+                            </p:childTnLst>
+                          </p:cTn>
+                        </p:par>
+                      </p:childTnLst>
+                    </p:cTn>
+                  </p:par>
+                  <p:par>
+                    <p:cTn id="13" fill="hold">
+                      <p:stCondLst>
+                        <p:cond delay="indefinite"/>
+                      </p:stCondLst>
+                      <p:childTnLst>
+                        <p:par>
+                          <p:cTn id="14" fill="hold">
+                            <p:stCondLst>
+                              <p:cond delay="0"/>
+                            </p:stCondLst>
+                            <p:childTnLst>
+                              <p:par>
+                                <p:cTn id="15" presetID="10" presetClass="entr" presetSubtype="0" fill="hold" grpId="0" nodeType="clickEffect">
+                                  <p:stCondLst>
+                                    <p:cond delay="0"/>
+                                  </p:stCondLst>
+                                  <p:childTnLst>
+                                    <p:set>
+                                      <p:cBhvr>
+                                        <p:cTn id="16" dur="1" fill="hold">
+                                          <p:stCondLst>
+                                            <p:cond delay="0"/>
+                                          </p:stCondLst>
+                                        </p:cTn>
+                                        <p:tgtEl>
+                                          <p:spTgt spid="3">
+                                            <p:txEl>
+                                              <p:pRg st="2" end="2"/>
+                                            </p:txEl>
+                                          </p:spTgt>
+                                        </p:tgtEl>
+                                        <p:attrNameLst>
+                                          <p:attrName>style.visibility</p:attrName>
+                                        </p:attrNameLst>
+                                      </p:cBhvr>
+                                      <p:to>
+                                        <p:strVal val="visible"/>
+                                      </p:to>
+                                    </p:set>
+                                    <p:animEffect transition="in" filter="fade">
+                                      <p:cBhvr>
+                                        <p:cTn id="17" dur="500"/>
+                                        <p:tgtEl>
+                                          <p:spTgt spid="3">
+                                            <p:txEl>
+                                              <p:pRg st="2" end="2"/>
+                                            </p:txEl>
+                                          </p:spTgt>
+                                        </p:tgtEl>
+                                      </p:cBhvr>
+                                    </p:animEffect>
+                                  </p:childTnLst>
+                                </p:cTn>
+                              </p:par>
+                              <p:par>
+                                <p:cTn id="18" presetID="10" presetClass="entr" presetSubtype="0" fill="hold" grpId="0" nodeType="withEffect">
+                                  <p:stCondLst>
+                                    <p:cond delay="0"/>
+                                  </p:stCondLst>
+                                  <p:childTnLst>
+                                    <p:set>
+                                      <p:cBhvr>
+                                        <p:cTn id="19" dur="1" fill="hold">
+                                          <p:stCondLst>
+                                            <p:cond delay="0"/>
+                                          </p:stCondLst>
+                                        </p:cTn>
+                                        <p:tgtEl>
+                                          <p:spTgt spid="11"/>
+                                        </p:tgtEl>
+                                        <p:attrNameLst>
+                                          <p:attrName>style.visibility</p:attrName>
+                                        </p:attrNameLst>
+                                      </p:cBhvr>
+                                      <p:to>
+                                        <p:strVal val="visible"/>
+                                      </p:to>
+                                    </p:set>
+                                    <p:animEffect transition="in" filter="fade">
+                                      <p:cBhvr>
+                                        <p:cTn id="20" dur="500"/>
+                                        <p:tgtEl>
+                                          <p:spTgt spid="11"/>
+                                        </p:tgtEl>
+                                      </p:cBhvr>
+                                    </p:animEffect>
+                                  </p:childTnLst>
+                                </p:cTn>
+                              </p:par>
+                            </p:childTnLst>
+                          </p:cTn>
+                        </p:par>
+                      </p:childTnLst>
+                    </p:cTn>
+                  </p:par>
+                  <p:par>
+                    <p:cTn id="21" fill="hold">
+                      <p:stCondLst>
+                        <p:cond delay="indefinite"/>
+                      </p:stCondLst>
+                      <p:childTnLst>
+                        <p:par>
+                          <p:cTn id="22" fill="hold">
+                            <p:stCondLst>
+                              <p:cond delay="0"/>
+                            </p:stCondLst>
+                            <p:childTnLst>
+                              <p:par>
+                                <p:cTn id="23" presetID="10" presetClass="entr" presetSubtype="0" fill="hold" grpId="0" nodeType="clickEffect">
+                                  <p:stCondLst>
+                                    <p:cond delay="0"/>
+                                  </p:stCondLst>
+                                  <p:childTnLst>
+                                    <p:set>
+                                      <p:cBhvr>
+                                        <p:cTn id="24" dur="1" fill="hold">
+                                          <p:stCondLst>
+                                            <p:cond delay="0"/>
+                                          </p:stCondLst>
+                                        </p:cTn>
+                                        <p:tgtEl>
+                                          <p:spTgt spid="3">
+                                            <p:txEl>
+                                              <p:pRg st="4" end="4"/>
+                                            </p:txEl>
+                                          </p:spTgt>
+                                        </p:tgtEl>
+                                        <p:attrNameLst>
+                                          <p:attrName>style.visibility</p:attrName>
+                                        </p:attrNameLst>
+                                      </p:cBhvr>
+                                      <p:to>
+                                        <p:strVal val="visible"/>
+                                      </p:to>
+                                    </p:set>
+                                    <p:animEffect transition="in" filter="fade">
+                                      <p:cBhvr>
+                                        <p:cTn id="25" dur="500"/>
+                                        <p:tgtEl>
+                                          <p:spTgt spid="3">
+                                            <p:txEl>
+                                              <p:pRg st="4" end="4"/>
+                                            </p:txEl>
+                                          </p:spTgt>
+                                        </p:tgtEl>
+                                      </p:cBhvr>
+                                    </p:animEffect>
+                                  </p:childTnLst>
+                                </p:cTn>
+                              </p:par>
+                            </p:childTnLst>
+                          </p:cTn>
+                        </p:par>
+                      </p:childTnLst>
+                    </p:cTn>
+                  </p:par>
+                  <p:par>
+                    <p:cTn id="26" fill="hold">
+                      <p:stCondLst>
+                        <p:cond delay="indefinite"/>
+                      </p:stCondLst>
+                      <p:childTnLst>
+                        <p:par>
+                          <p:cTn id="27" fill="hold">
+                            <p:stCondLst>
+                              <p:cond delay="0"/>
+                            </p:stCondLst>
+                            <p:childTnLst>
+                              <p:par>
+                                <p:cTn id="28" presetID="10" presetClass="entr" presetSubtype="0" fill="hold" grpId="0" nodeType="clickEffect">
+                                  <p:stCondLst>
+                                    <p:cond delay="0"/>
+                                  </p:stCondLst>
+                                  <p:childTnLst>
+                                    <p:set>
+                                      <p:cBhvr>
+                                        <p:cTn id="29" dur="1" fill="hold">
+                                          <p:stCondLst>
+                                            <p:cond delay="0"/>
+                                          </p:stCondLst>
+                                        </p:cTn>
+                                        <p:tgtEl>
+                                          <p:spTgt spid="3">
+                                            <p:txEl>
+                                              <p:pRg st="5" end="5"/>
+                                            </p:txEl>
+                                          </p:spTgt>
+                                        </p:tgtEl>
+                                        <p:attrNameLst>
+                                          <p:attrName>style.visibility</p:attrName>
+                                        </p:attrNameLst>
+                                      </p:cBhvr>
+                                      <p:to>
+                                        <p:strVal val="visible"/>
+                                      </p:to>
+                                    </p:set>
+                                    <p:animEffect transition="in" filter="fade">
+                                      <p:cBhvr>
+                                        <p:cTn id="30" dur="500"/>
+                                        <p:tgtEl>
+                                          <p:spTgt spid="3">
+                                            <p:txEl>
+                                              <p:pRg st="5" end="5"/>
+                                            </p:txEl>
+                                          </p:spTgt>
+                                        </p:tgtEl>
+                                      </p:cBhvr>
+                                    </p:animEffect>
+                                  </p:childTnLst>
+                                </p:cTn>
+                              </p:par>
+                            </p:childTnLst>
+                          </p:cTn>
+                        </p:par>
+                      </p:childTnLst>
+                    </p:cTn>
+                  </p:par>
+                </p:childTnLst>
+              </p:cTn>
+              <p:prevCondLst>
+                <p:cond evt="onPrev" delay="0">
+                  <p:tgtEl>
+                    <p:sldTgt/>
+                  </p:tgtEl>
+                </p:cond>
+              </p:prevCondLst>
+              <p:nextCondLst>
+                <p:cond evt="onNext" delay="0">
+                  <p:tgtEl>
+                    <p:sldTgt/>
+                  </p:tgtEl>
+                </p:cond>
+              </p:nextCondLst>
+            </p:seq>
+          </p:childTnLst>
+        </p:cTn>
       </p:par>
     </p:tnLst>
+    <p:bldLst>
+      <p:bldP spid="3" grpId="0" uiExpand="1" build="p"/>
+      <p:bldP spid="11" grpId="0"/>
+    </p:bldLst>
   </p:timing>
 </p:sld>
 </file>
 
 <file path=ppt/slides/slide29.xml><?xml version="1.0" encoding="utf-8"?>
-<p:sld xmlns:a="http://schemas.openxmlformats.org/drawingml/2006/main" xmlns:r="http://schemas.openxmlformats.org/officeDocument/2006/relationships" xmlns:p="http://schemas.openxmlformats.org/presentationml/2006/main">
+<p:sld xmlns:a="http://schemas.openxmlformats.org/drawingml/2006/main" xmlns:r="http://schemas.openxmlformats.org/officeDocument/2006/relationships" xmlns:p="http://schemas.openxmlformats.org/presentationml/2006/main" showMasterPhAnim="0">
   <p:cSld>
     <p:spTree>
       <p:nvGrpSpPr>
@@ -27548,9 +30128,350 @@
   <p:timing>
     <p:tnLst>
       <p:par>
-        <p:cTn id="1" dur="indefinite" restart="never" nodeType="tmRoot"/>
+        <p:cTn id="1" dur="indefinite" restart="never" nodeType="tmRoot">
+          <p:childTnLst>
+            <p:seq concurrent="1" nextAc="seek">
+              <p:cTn id="2" dur="indefinite" nodeType="mainSeq">
+                <p:childTnLst>
+                  <p:par>
+                    <p:cTn id="3" fill="hold">
+                      <p:stCondLst>
+                        <p:cond delay="indefinite"/>
+                      </p:stCondLst>
+                      <p:childTnLst>
+                        <p:par>
+                          <p:cTn id="4" fill="hold">
+                            <p:stCondLst>
+                              <p:cond delay="0"/>
+                            </p:stCondLst>
+                            <p:childTnLst>
+                              <p:par>
+                                <p:cTn id="5" presetID="10" presetClass="entr" presetSubtype="0" fill="hold" grpId="0" nodeType="clickEffect">
+                                  <p:stCondLst>
+                                    <p:cond delay="0"/>
+                                  </p:stCondLst>
+                                  <p:childTnLst>
+                                    <p:set>
+                                      <p:cBhvr>
+                                        <p:cTn id="6" dur="1" fill="hold">
+                                          <p:stCondLst>
+                                            <p:cond delay="0"/>
+                                          </p:stCondLst>
+                                        </p:cTn>
+                                        <p:tgtEl>
+                                          <p:spTgt spid="3">
+                                            <p:txEl>
+                                              <p:pRg st="0" end="0"/>
+                                            </p:txEl>
+                                          </p:spTgt>
+                                        </p:tgtEl>
+                                        <p:attrNameLst>
+                                          <p:attrName>style.visibility</p:attrName>
+                                        </p:attrNameLst>
+                                      </p:cBhvr>
+                                      <p:to>
+                                        <p:strVal val="visible"/>
+                                      </p:to>
+                                    </p:set>
+                                    <p:animEffect transition="in" filter="fade">
+                                      <p:cBhvr>
+                                        <p:cTn id="7" dur="500"/>
+                                        <p:tgtEl>
+                                          <p:spTgt spid="3">
+                                            <p:txEl>
+                                              <p:pRg st="0" end="0"/>
+                                            </p:txEl>
+                                          </p:spTgt>
+                                        </p:tgtEl>
+                                      </p:cBhvr>
+                                    </p:animEffect>
+                                  </p:childTnLst>
+                                </p:cTn>
+                              </p:par>
+                            </p:childTnLst>
+                          </p:cTn>
+                        </p:par>
+                      </p:childTnLst>
+                    </p:cTn>
+                  </p:par>
+                  <p:par>
+                    <p:cTn id="8" fill="hold">
+                      <p:stCondLst>
+                        <p:cond delay="indefinite"/>
+                      </p:stCondLst>
+                      <p:childTnLst>
+                        <p:par>
+                          <p:cTn id="9" fill="hold">
+                            <p:stCondLst>
+                              <p:cond delay="0"/>
+                            </p:stCondLst>
+                            <p:childTnLst>
+                              <p:par>
+                                <p:cTn id="10" presetID="10" presetClass="entr" presetSubtype="0" fill="hold" grpId="0" nodeType="clickEffect">
+                                  <p:stCondLst>
+                                    <p:cond delay="0"/>
+                                  </p:stCondLst>
+                                  <p:childTnLst>
+                                    <p:set>
+                                      <p:cBhvr>
+                                        <p:cTn id="11" dur="1" fill="hold">
+                                          <p:stCondLst>
+                                            <p:cond delay="0"/>
+                                          </p:stCondLst>
+                                        </p:cTn>
+                                        <p:tgtEl>
+                                          <p:spTgt spid="3">
+                                            <p:txEl>
+                                              <p:pRg st="1" end="1"/>
+                                            </p:txEl>
+                                          </p:spTgt>
+                                        </p:tgtEl>
+                                        <p:attrNameLst>
+                                          <p:attrName>style.visibility</p:attrName>
+                                        </p:attrNameLst>
+                                      </p:cBhvr>
+                                      <p:to>
+                                        <p:strVal val="visible"/>
+                                      </p:to>
+                                    </p:set>
+                                    <p:animEffect transition="in" filter="fade">
+                                      <p:cBhvr>
+                                        <p:cTn id="12" dur="500"/>
+                                        <p:tgtEl>
+                                          <p:spTgt spid="3">
+                                            <p:txEl>
+                                              <p:pRg st="1" end="1"/>
+                                            </p:txEl>
+                                          </p:spTgt>
+                                        </p:tgtEl>
+                                      </p:cBhvr>
+                                    </p:animEffect>
+                                  </p:childTnLst>
+                                </p:cTn>
+                              </p:par>
+                            </p:childTnLst>
+                          </p:cTn>
+                        </p:par>
+                      </p:childTnLst>
+                    </p:cTn>
+                  </p:par>
+                  <p:par>
+                    <p:cTn id="13" fill="hold">
+                      <p:stCondLst>
+                        <p:cond delay="indefinite"/>
+                      </p:stCondLst>
+                      <p:childTnLst>
+                        <p:par>
+                          <p:cTn id="14" fill="hold">
+                            <p:stCondLst>
+                              <p:cond delay="0"/>
+                            </p:stCondLst>
+                            <p:childTnLst>
+                              <p:par>
+                                <p:cTn id="15" presetID="10" presetClass="entr" presetSubtype="0" fill="hold" grpId="0" nodeType="clickEffect">
+                                  <p:stCondLst>
+                                    <p:cond delay="0"/>
+                                  </p:stCondLst>
+                                  <p:childTnLst>
+                                    <p:set>
+                                      <p:cBhvr>
+                                        <p:cTn id="16" dur="1" fill="hold">
+                                          <p:stCondLst>
+                                            <p:cond delay="0"/>
+                                          </p:stCondLst>
+                                        </p:cTn>
+                                        <p:tgtEl>
+                                          <p:spTgt spid="3">
+                                            <p:txEl>
+                                              <p:pRg st="2" end="2"/>
+                                            </p:txEl>
+                                          </p:spTgt>
+                                        </p:tgtEl>
+                                        <p:attrNameLst>
+                                          <p:attrName>style.visibility</p:attrName>
+                                        </p:attrNameLst>
+                                      </p:cBhvr>
+                                      <p:to>
+                                        <p:strVal val="visible"/>
+                                      </p:to>
+                                    </p:set>
+                                    <p:animEffect transition="in" filter="fade">
+                                      <p:cBhvr>
+                                        <p:cTn id="17" dur="500"/>
+                                        <p:tgtEl>
+                                          <p:spTgt spid="3">
+                                            <p:txEl>
+                                              <p:pRg st="2" end="2"/>
+                                            </p:txEl>
+                                          </p:spTgt>
+                                        </p:tgtEl>
+                                      </p:cBhvr>
+                                    </p:animEffect>
+                                  </p:childTnLst>
+                                </p:cTn>
+                              </p:par>
+                              <p:par>
+                                <p:cTn id="18" presetID="10" presetClass="entr" presetSubtype="0" fill="hold" nodeType="withEffect">
+                                  <p:stCondLst>
+                                    <p:cond delay="0"/>
+                                  </p:stCondLst>
+                                  <p:childTnLst>
+                                    <p:set>
+                                      <p:cBhvr>
+                                        <p:cTn id="19" dur="1" fill="hold">
+                                          <p:stCondLst>
+                                            <p:cond delay="0"/>
+                                          </p:stCondLst>
+                                        </p:cTn>
+                                        <p:tgtEl>
+                                          <p:spTgt spid="13"/>
+                                        </p:tgtEl>
+                                        <p:attrNameLst>
+                                          <p:attrName>style.visibility</p:attrName>
+                                        </p:attrNameLst>
+                                      </p:cBhvr>
+                                      <p:to>
+                                        <p:strVal val="visible"/>
+                                      </p:to>
+                                    </p:set>
+                                    <p:animEffect transition="in" filter="fade">
+                                      <p:cBhvr>
+                                        <p:cTn id="20" dur="500"/>
+                                        <p:tgtEl>
+                                          <p:spTgt spid="13"/>
+                                        </p:tgtEl>
+                                      </p:cBhvr>
+                                    </p:animEffect>
+                                  </p:childTnLst>
+                                </p:cTn>
+                              </p:par>
+                            </p:childTnLst>
+                          </p:cTn>
+                        </p:par>
+                      </p:childTnLst>
+                    </p:cTn>
+                  </p:par>
+                  <p:par>
+                    <p:cTn id="21" fill="hold">
+                      <p:stCondLst>
+                        <p:cond delay="indefinite"/>
+                      </p:stCondLst>
+                      <p:childTnLst>
+                        <p:par>
+                          <p:cTn id="22" fill="hold">
+                            <p:stCondLst>
+                              <p:cond delay="0"/>
+                            </p:stCondLst>
+                            <p:childTnLst>
+                              <p:par>
+                                <p:cTn id="23" presetID="10" presetClass="entr" presetSubtype="0" fill="hold" grpId="0" nodeType="clickEffect">
+                                  <p:stCondLst>
+                                    <p:cond delay="0"/>
+                                  </p:stCondLst>
+                                  <p:childTnLst>
+                                    <p:set>
+                                      <p:cBhvr>
+                                        <p:cTn id="24" dur="1" fill="hold">
+                                          <p:stCondLst>
+                                            <p:cond delay="0"/>
+                                          </p:stCondLst>
+                                        </p:cTn>
+                                        <p:tgtEl>
+                                          <p:spTgt spid="3">
+                                            <p:txEl>
+                                              <p:pRg st="8" end="8"/>
+                                            </p:txEl>
+                                          </p:spTgt>
+                                        </p:tgtEl>
+                                        <p:attrNameLst>
+                                          <p:attrName>style.visibility</p:attrName>
+                                        </p:attrNameLst>
+                                      </p:cBhvr>
+                                      <p:to>
+                                        <p:strVal val="visible"/>
+                                      </p:to>
+                                    </p:set>
+                                    <p:animEffect transition="in" filter="fade">
+                                      <p:cBhvr>
+                                        <p:cTn id="25" dur="500"/>
+                                        <p:tgtEl>
+                                          <p:spTgt spid="3">
+                                            <p:txEl>
+                                              <p:pRg st="8" end="8"/>
+                                            </p:txEl>
+                                          </p:spTgt>
+                                        </p:tgtEl>
+                                      </p:cBhvr>
+                                    </p:animEffect>
+                                  </p:childTnLst>
+                                </p:cTn>
+                              </p:par>
+                              <p:par>
+                                <p:cTn id="26" presetID="10" presetClass="entr" presetSubtype="0" fill="hold" grpId="0" nodeType="withEffect">
+                                  <p:stCondLst>
+                                    <p:cond delay="0"/>
+                                  </p:stCondLst>
+                                  <p:childTnLst>
+                                    <p:set>
+                                      <p:cBhvr>
+                                        <p:cTn id="27" dur="1" fill="hold">
+                                          <p:stCondLst>
+                                            <p:cond delay="0"/>
+                                          </p:stCondLst>
+                                        </p:cTn>
+                                        <p:tgtEl>
+                                          <p:spTgt spid="15"/>
+                                        </p:tgtEl>
+                                        <p:attrNameLst>
+                                          <p:attrName>style.visibility</p:attrName>
+                                        </p:attrNameLst>
+                                      </p:cBhvr>
+                                      <p:to>
+                                        <p:strVal val="visible"/>
+                                      </p:to>
+                                    </p:set>
+                                    <p:animEffect transition="in" filter="fade">
+                                      <p:cBhvr>
+                                        <p:cTn id="28" dur="500"/>
+                                        <p:tgtEl>
+                                          <p:spTgt spid="15"/>
+                                        </p:tgtEl>
+                                      </p:cBhvr>
+                                    </p:animEffect>
+                                  </p:childTnLst>
+                                </p:cTn>
+                              </p:par>
+                            </p:childTnLst>
+                          </p:cTn>
+                        </p:par>
+                      </p:childTnLst>
+                    </p:cTn>
+                  </p:par>
+                </p:childTnLst>
+              </p:cTn>
+              <p:prevCondLst>
+                <p:cond evt="onPrev" delay="0">
+                  <p:tgtEl>
+                    <p:sldTgt/>
+                  </p:tgtEl>
+                </p:cond>
+              </p:prevCondLst>
+              <p:nextCondLst>
+                <p:cond evt="onNext" delay="0">
+                  <p:tgtEl>
+                    <p:sldTgt/>
+                  </p:tgtEl>
+                </p:cond>
+              </p:nextCondLst>
+            </p:seq>
+          </p:childTnLst>
+        </p:cTn>
       </p:par>
     </p:tnLst>
+    <p:bldLst>
+      <p:bldP spid="3" grpId="0" uiExpand="1" build="p"/>
+      <p:bldP spid="15" grpId="0"/>
+    </p:bldLst>
   </p:timing>
 </p:sld>
 </file>
@@ -28761,7 +31682,7 @@
 </file>
 
 <file path=ppt/slides/slide30.xml><?xml version="1.0" encoding="utf-8"?>
-<p:sld xmlns:a="http://schemas.openxmlformats.org/drawingml/2006/main" xmlns:r="http://schemas.openxmlformats.org/officeDocument/2006/relationships" xmlns:p="http://schemas.openxmlformats.org/presentationml/2006/main">
+<p:sld xmlns:a="http://schemas.openxmlformats.org/drawingml/2006/main" xmlns:r="http://schemas.openxmlformats.org/officeDocument/2006/relationships" xmlns:p="http://schemas.openxmlformats.org/presentationml/2006/main" showMasterPhAnim="0">
   <p:cSld>
     <p:spTree>
       <p:nvGrpSpPr>
@@ -29664,9 +32585,621 @@
   <p:timing>
     <p:tnLst>
       <p:par>
-        <p:cTn id="1" dur="indefinite" restart="never" nodeType="tmRoot"/>
+        <p:cTn id="1" dur="indefinite" restart="never" nodeType="tmRoot">
+          <p:childTnLst>
+            <p:seq concurrent="1" nextAc="seek">
+              <p:cTn id="2" dur="indefinite" nodeType="mainSeq">
+                <p:childTnLst>
+                  <p:par>
+                    <p:cTn id="3" fill="hold">
+                      <p:stCondLst>
+                        <p:cond delay="indefinite"/>
+                      </p:stCondLst>
+                      <p:childTnLst>
+                        <p:par>
+                          <p:cTn id="4" fill="hold">
+                            <p:stCondLst>
+                              <p:cond delay="0"/>
+                            </p:stCondLst>
+                            <p:childTnLst>
+                              <p:par>
+                                <p:cTn id="5" presetID="10" presetClass="entr" presetSubtype="0" fill="hold" grpId="0" nodeType="clickEffect">
+                                  <p:stCondLst>
+                                    <p:cond delay="0"/>
+                                  </p:stCondLst>
+                                  <p:childTnLst>
+                                    <p:set>
+                                      <p:cBhvr>
+                                        <p:cTn id="6" dur="1" fill="hold">
+                                          <p:stCondLst>
+                                            <p:cond delay="0"/>
+                                          </p:stCondLst>
+                                        </p:cTn>
+                                        <p:tgtEl>
+                                          <p:spTgt spid="3">
+                                            <p:txEl>
+                                              <p:pRg st="0" end="0"/>
+                                            </p:txEl>
+                                          </p:spTgt>
+                                        </p:tgtEl>
+                                        <p:attrNameLst>
+                                          <p:attrName>style.visibility</p:attrName>
+                                        </p:attrNameLst>
+                                      </p:cBhvr>
+                                      <p:to>
+                                        <p:strVal val="visible"/>
+                                      </p:to>
+                                    </p:set>
+                                    <p:animEffect transition="in" filter="fade">
+                                      <p:cBhvr>
+                                        <p:cTn id="7" dur="500"/>
+                                        <p:tgtEl>
+                                          <p:spTgt spid="3">
+                                            <p:txEl>
+                                              <p:pRg st="0" end="0"/>
+                                            </p:txEl>
+                                          </p:spTgt>
+                                        </p:tgtEl>
+                                      </p:cBhvr>
+                                    </p:animEffect>
+                                  </p:childTnLst>
+                                </p:cTn>
+                              </p:par>
+                            </p:childTnLst>
+                          </p:cTn>
+                        </p:par>
+                      </p:childTnLst>
+                    </p:cTn>
+                  </p:par>
+                  <p:par>
+                    <p:cTn id="8" fill="hold">
+                      <p:stCondLst>
+                        <p:cond delay="indefinite"/>
+                      </p:stCondLst>
+                      <p:childTnLst>
+                        <p:par>
+                          <p:cTn id="9" fill="hold">
+                            <p:stCondLst>
+                              <p:cond delay="0"/>
+                            </p:stCondLst>
+                            <p:childTnLst>
+                              <p:par>
+                                <p:cTn id="10" presetID="10" presetClass="entr" presetSubtype="0" fill="hold" nodeType="clickEffect">
+                                  <p:stCondLst>
+                                    <p:cond delay="0"/>
+                                  </p:stCondLst>
+                                  <p:childTnLst>
+                                    <p:set>
+                                      <p:cBhvr>
+                                        <p:cTn id="11" dur="1" fill="hold">
+                                          <p:stCondLst>
+                                            <p:cond delay="0"/>
+                                          </p:stCondLst>
+                                        </p:cTn>
+                                        <p:tgtEl>
+                                          <p:spTgt spid="4"/>
+                                        </p:tgtEl>
+                                        <p:attrNameLst>
+                                          <p:attrName>style.visibility</p:attrName>
+                                        </p:attrNameLst>
+                                      </p:cBhvr>
+                                      <p:to>
+                                        <p:strVal val="visible"/>
+                                      </p:to>
+                                    </p:set>
+                                    <p:animEffect transition="in" filter="fade">
+                                      <p:cBhvr>
+                                        <p:cTn id="12" dur="500"/>
+                                        <p:tgtEl>
+                                          <p:spTgt spid="4"/>
+                                        </p:tgtEl>
+                                      </p:cBhvr>
+                                    </p:animEffect>
+                                  </p:childTnLst>
+                                </p:cTn>
+                              </p:par>
+                            </p:childTnLst>
+                          </p:cTn>
+                        </p:par>
+                      </p:childTnLst>
+                    </p:cTn>
+                  </p:par>
+                  <p:par>
+                    <p:cTn id="13" fill="hold">
+                      <p:stCondLst>
+                        <p:cond delay="indefinite"/>
+                      </p:stCondLst>
+                      <p:childTnLst>
+                        <p:par>
+                          <p:cTn id="14" fill="hold">
+                            <p:stCondLst>
+                              <p:cond delay="0"/>
+                            </p:stCondLst>
+                            <p:childTnLst>
+                              <p:par>
+                                <p:cTn id="15" presetID="10" presetClass="entr" presetSubtype="0" fill="hold" grpId="0" nodeType="clickEffect">
+                                  <p:stCondLst>
+                                    <p:cond delay="0"/>
+                                  </p:stCondLst>
+                                  <p:childTnLst>
+                                    <p:set>
+                                      <p:cBhvr>
+                                        <p:cTn id="16" dur="1" fill="hold">
+                                          <p:stCondLst>
+                                            <p:cond delay="0"/>
+                                          </p:stCondLst>
+                                        </p:cTn>
+                                        <p:tgtEl>
+                                          <p:spTgt spid="3">
+                                            <p:txEl>
+                                              <p:pRg st="7" end="7"/>
+                                            </p:txEl>
+                                          </p:spTgt>
+                                        </p:tgtEl>
+                                        <p:attrNameLst>
+                                          <p:attrName>style.visibility</p:attrName>
+                                        </p:attrNameLst>
+                                      </p:cBhvr>
+                                      <p:to>
+                                        <p:strVal val="visible"/>
+                                      </p:to>
+                                    </p:set>
+                                    <p:animEffect transition="in" filter="fade">
+                                      <p:cBhvr>
+                                        <p:cTn id="17" dur="500"/>
+                                        <p:tgtEl>
+                                          <p:spTgt spid="3">
+                                            <p:txEl>
+                                              <p:pRg st="7" end="7"/>
+                                            </p:txEl>
+                                          </p:spTgt>
+                                        </p:tgtEl>
+                                      </p:cBhvr>
+                                    </p:animEffect>
+                                  </p:childTnLst>
+                                </p:cTn>
+                              </p:par>
+                            </p:childTnLst>
+                          </p:cTn>
+                        </p:par>
+                      </p:childTnLst>
+                    </p:cTn>
+                  </p:par>
+                  <p:par>
+                    <p:cTn id="18" fill="hold">
+                      <p:stCondLst>
+                        <p:cond delay="indefinite"/>
+                      </p:stCondLst>
+                      <p:childTnLst>
+                        <p:par>
+                          <p:cTn id="19" fill="hold">
+                            <p:stCondLst>
+                              <p:cond delay="0"/>
+                            </p:stCondLst>
+                            <p:childTnLst>
+                              <p:par>
+                                <p:cTn id="20" presetID="10" presetClass="entr" presetSubtype="0" fill="hold" grpId="0" nodeType="clickEffect">
+                                  <p:stCondLst>
+                                    <p:cond delay="0"/>
+                                  </p:stCondLst>
+                                  <p:childTnLst>
+                                    <p:set>
+                                      <p:cBhvr>
+                                        <p:cTn id="21" dur="1" fill="hold">
+                                          <p:stCondLst>
+                                            <p:cond delay="0"/>
+                                          </p:stCondLst>
+                                        </p:cTn>
+                                        <p:tgtEl>
+                                          <p:spTgt spid="5"/>
+                                        </p:tgtEl>
+                                        <p:attrNameLst>
+                                          <p:attrName>style.visibility</p:attrName>
+                                        </p:attrNameLst>
+                                      </p:cBhvr>
+                                      <p:to>
+                                        <p:strVal val="visible"/>
+                                      </p:to>
+                                    </p:set>
+                                    <p:animEffect transition="in" filter="fade">
+                                      <p:cBhvr>
+                                        <p:cTn id="22" dur="500"/>
+                                        <p:tgtEl>
+                                          <p:spTgt spid="5"/>
+                                        </p:tgtEl>
+                                      </p:cBhvr>
+                                    </p:animEffect>
+                                  </p:childTnLst>
+                                </p:cTn>
+                              </p:par>
+                              <p:par>
+                                <p:cTn id="23" presetID="10" presetClass="entr" presetSubtype="0" fill="hold" nodeType="withEffect">
+                                  <p:stCondLst>
+                                    <p:cond delay="0"/>
+                                  </p:stCondLst>
+                                  <p:childTnLst>
+                                    <p:set>
+                                      <p:cBhvr>
+                                        <p:cTn id="24" dur="1" fill="hold">
+                                          <p:stCondLst>
+                                            <p:cond delay="0"/>
+                                          </p:stCondLst>
+                                        </p:cTn>
+                                        <p:tgtEl>
+                                          <p:spTgt spid="6"/>
+                                        </p:tgtEl>
+                                        <p:attrNameLst>
+                                          <p:attrName>style.visibility</p:attrName>
+                                        </p:attrNameLst>
+                                      </p:cBhvr>
+                                      <p:to>
+                                        <p:strVal val="visible"/>
+                                      </p:to>
+                                    </p:set>
+                                    <p:animEffect transition="in" filter="fade">
+                                      <p:cBhvr>
+                                        <p:cTn id="25" dur="500"/>
+                                        <p:tgtEl>
+                                          <p:spTgt spid="6"/>
+                                        </p:tgtEl>
+                                      </p:cBhvr>
+                                    </p:animEffect>
+                                  </p:childTnLst>
+                                </p:cTn>
+                              </p:par>
+                              <p:par>
+                                <p:cTn id="26" presetID="10" presetClass="entr" presetSubtype="0" fill="hold" grpId="0" nodeType="withEffect">
+                                  <p:stCondLst>
+                                    <p:cond delay="0"/>
+                                  </p:stCondLst>
+                                  <p:childTnLst>
+                                    <p:set>
+                                      <p:cBhvr>
+                                        <p:cTn id="27" dur="1" fill="hold">
+                                          <p:stCondLst>
+                                            <p:cond delay="0"/>
+                                          </p:stCondLst>
+                                        </p:cTn>
+                                        <p:tgtEl>
+                                          <p:spTgt spid="7"/>
+                                        </p:tgtEl>
+                                        <p:attrNameLst>
+                                          <p:attrName>style.visibility</p:attrName>
+                                        </p:attrNameLst>
+                                      </p:cBhvr>
+                                      <p:to>
+                                        <p:strVal val="visible"/>
+                                      </p:to>
+                                    </p:set>
+                                    <p:animEffect transition="in" filter="fade">
+                                      <p:cBhvr>
+                                        <p:cTn id="28" dur="500"/>
+                                        <p:tgtEl>
+                                          <p:spTgt spid="7"/>
+                                        </p:tgtEl>
+                                      </p:cBhvr>
+                                    </p:animEffect>
+                                  </p:childTnLst>
+                                </p:cTn>
+                              </p:par>
+                              <p:par>
+                                <p:cTn id="29" presetID="10" presetClass="entr" presetSubtype="0" fill="hold" nodeType="withEffect">
+                                  <p:stCondLst>
+                                    <p:cond delay="0"/>
+                                  </p:stCondLst>
+                                  <p:childTnLst>
+                                    <p:set>
+                                      <p:cBhvr>
+                                        <p:cTn id="30" dur="1" fill="hold">
+                                          <p:stCondLst>
+                                            <p:cond delay="0"/>
+                                          </p:stCondLst>
+                                        </p:cTn>
+                                        <p:tgtEl>
+                                          <p:spTgt spid="11"/>
+                                        </p:tgtEl>
+                                        <p:attrNameLst>
+                                          <p:attrName>style.visibility</p:attrName>
+                                        </p:attrNameLst>
+                                      </p:cBhvr>
+                                      <p:to>
+                                        <p:strVal val="visible"/>
+                                      </p:to>
+                                    </p:set>
+                                    <p:animEffect transition="in" filter="fade">
+                                      <p:cBhvr>
+                                        <p:cTn id="31" dur="500"/>
+                                        <p:tgtEl>
+                                          <p:spTgt spid="11"/>
+                                        </p:tgtEl>
+                                      </p:cBhvr>
+                                    </p:animEffect>
+                                  </p:childTnLst>
+                                </p:cTn>
+                              </p:par>
+                              <p:par>
+                                <p:cTn id="32" presetID="10" presetClass="entr" presetSubtype="0" fill="hold" grpId="0" nodeType="withEffect">
+                                  <p:stCondLst>
+                                    <p:cond delay="0"/>
+                                  </p:stCondLst>
+                                  <p:childTnLst>
+                                    <p:set>
+                                      <p:cBhvr>
+                                        <p:cTn id="33" dur="1" fill="hold">
+                                          <p:stCondLst>
+                                            <p:cond delay="0"/>
+                                          </p:stCondLst>
+                                        </p:cTn>
+                                        <p:tgtEl>
+                                          <p:spTgt spid="10"/>
+                                        </p:tgtEl>
+                                        <p:attrNameLst>
+                                          <p:attrName>style.visibility</p:attrName>
+                                        </p:attrNameLst>
+                                      </p:cBhvr>
+                                      <p:to>
+                                        <p:strVal val="visible"/>
+                                      </p:to>
+                                    </p:set>
+                                    <p:animEffect transition="in" filter="fade">
+                                      <p:cBhvr>
+                                        <p:cTn id="34" dur="500"/>
+                                        <p:tgtEl>
+                                          <p:spTgt spid="10"/>
+                                        </p:tgtEl>
+                                      </p:cBhvr>
+                                    </p:animEffect>
+                                  </p:childTnLst>
+                                </p:cTn>
+                              </p:par>
+                              <p:par>
+                                <p:cTn id="35" presetID="10" presetClass="entr" presetSubtype="0" fill="hold" grpId="0" nodeType="withEffect">
+                                  <p:stCondLst>
+                                    <p:cond delay="0"/>
+                                  </p:stCondLst>
+                                  <p:childTnLst>
+                                    <p:set>
+                                      <p:cBhvr>
+                                        <p:cTn id="36" dur="1" fill="hold">
+                                          <p:stCondLst>
+                                            <p:cond delay="0"/>
+                                          </p:stCondLst>
+                                        </p:cTn>
+                                        <p:tgtEl>
+                                          <p:spTgt spid="22"/>
+                                        </p:tgtEl>
+                                        <p:attrNameLst>
+                                          <p:attrName>style.visibility</p:attrName>
+                                        </p:attrNameLst>
+                                      </p:cBhvr>
+                                      <p:to>
+                                        <p:strVal val="visible"/>
+                                      </p:to>
+                                    </p:set>
+                                    <p:animEffect transition="in" filter="fade">
+                                      <p:cBhvr>
+                                        <p:cTn id="37" dur="500"/>
+                                        <p:tgtEl>
+                                          <p:spTgt spid="22"/>
+                                        </p:tgtEl>
+                                      </p:cBhvr>
+                                    </p:animEffect>
+                                  </p:childTnLst>
+                                </p:cTn>
+                              </p:par>
+                              <p:par>
+                                <p:cTn id="38" presetID="10" presetClass="entr" presetSubtype="0" fill="hold" grpId="0" nodeType="withEffect">
+                                  <p:stCondLst>
+                                    <p:cond delay="0"/>
+                                  </p:stCondLst>
+                                  <p:childTnLst>
+                                    <p:set>
+                                      <p:cBhvr>
+                                        <p:cTn id="39" dur="1" fill="hold">
+                                          <p:stCondLst>
+                                            <p:cond delay="0"/>
+                                          </p:stCondLst>
+                                        </p:cTn>
+                                        <p:tgtEl>
+                                          <p:spTgt spid="23"/>
+                                        </p:tgtEl>
+                                        <p:attrNameLst>
+                                          <p:attrName>style.visibility</p:attrName>
+                                        </p:attrNameLst>
+                                      </p:cBhvr>
+                                      <p:to>
+                                        <p:strVal val="visible"/>
+                                      </p:to>
+                                    </p:set>
+                                    <p:animEffect transition="in" filter="fade">
+                                      <p:cBhvr>
+                                        <p:cTn id="40" dur="500"/>
+                                        <p:tgtEl>
+                                          <p:spTgt spid="23"/>
+                                        </p:tgtEl>
+                                      </p:cBhvr>
+                                    </p:animEffect>
+                                  </p:childTnLst>
+                                </p:cTn>
+                              </p:par>
+                              <p:par>
+                                <p:cTn id="41" presetID="10" presetClass="entr" presetSubtype="0" fill="hold" grpId="0" nodeType="withEffect">
+                                  <p:stCondLst>
+                                    <p:cond delay="0"/>
+                                  </p:stCondLst>
+                                  <p:childTnLst>
+                                    <p:set>
+                                      <p:cBhvr>
+                                        <p:cTn id="42" dur="1" fill="hold">
+                                          <p:stCondLst>
+                                            <p:cond delay="0"/>
+                                          </p:stCondLst>
+                                        </p:cTn>
+                                        <p:tgtEl>
+                                          <p:spTgt spid="19"/>
+                                        </p:tgtEl>
+                                        <p:attrNameLst>
+                                          <p:attrName>style.visibility</p:attrName>
+                                        </p:attrNameLst>
+                                      </p:cBhvr>
+                                      <p:to>
+                                        <p:strVal val="visible"/>
+                                      </p:to>
+                                    </p:set>
+                                    <p:animEffect transition="in" filter="fade">
+                                      <p:cBhvr>
+                                        <p:cTn id="43" dur="500"/>
+                                        <p:tgtEl>
+                                          <p:spTgt spid="19"/>
+                                        </p:tgtEl>
+                                      </p:cBhvr>
+                                    </p:animEffect>
+                                  </p:childTnLst>
+                                </p:cTn>
+                              </p:par>
+                              <p:par>
+                                <p:cTn id="44" presetID="10" presetClass="entr" presetSubtype="0" fill="hold" grpId="0" nodeType="withEffect">
+                                  <p:stCondLst>
+                                    <p:cond delay="0"/>
+                                  </p:stCondLst>
+                                  <p:childTnLst>
+                                    <p:set>
+                                      <p:cBhvr>
+                                        <p:cTn id="45" dur="1" fill="hold">
+                                          <p:stCondLst>
+                                            <p:cond delay="0"/>
+                                          </p:stCondLst>
+                                        </p:cTn>
+                                        <p:tgtEl>
+                                          <p:spTgt spid="20"/>
+                                        </p:tgtEl>
+                                        <p:attrNameLst>
+                                          <p:attrName>style.visibility</p:attrName>
+                                        </p:attrNameLst>
+                                      </p:cBhvr>
+                                      <p:to>
+                                        <p:strVal val="visible"/>
+                                      </p:to>
+                                    </p:set>
+                                    <p:animEffect transition="in" filter="fade">
+                                      <p:cBhvr>
+                                        <p:cTn id="46" dur="500"/>
+                                        <p:tgtEl>
+                                          <p:spTgt spid="20"/>
+                                        </p:tgtEl>
+                                      </p:cBhvr>
+                                    </p:animEffect>
+                                  </p:childTnLst>
+                                </p:cTn>
+                              </p:par>
+                              <p:par>
+                                <p:cTn id="47" presetID="10" presetClass="entr" presetSubtype="0" fill="hold" nodeType="withEffect">
+                                  <p:stCondLst>
+                                    <p:cond delay="0"/>
+                                  </p:stCondLst>
+                                  <p:childTnLst>
+                                    <p:set>
+                                      <p:cBhvr>
+                                        <p:cTn id="48" dur="1" fill="hold">
+                                          <p:stCondLst>
+                                            <p:cond delay="0"/>
+                                          </p:stCondLst>
+                                        </p:cTn>
+                                        <p:tgtEl>
+                                          <p:spTgt spid="21"/>
+                                        </p:tgtEl>
+                                        <p:attrNameLst>
+                                          <p:attrName>style.visibility</p:attrName>
+                                        </p:attrNameLst>
+                                      </p:cBhvr>
+                                      <p:to>
+                                        <p:strVal val="visible"/>
+                                      </p:to>
+                                    </p:set>
+                                    <p:animEffect transition="in" filter="fade">
+                                      <p:cBhvr>
+                                        <p:cTn id="49" dur="500"/>
+                                        <p:tgtEl>
+                                          <p:spTgt spid="21"/>
+                                        </p:tgtEl>
+                                      </p:cBhvr>
+                                    </p:animEffect>
+                                  </p:childTnLst>
+                                </p:cTn>
+                              </p:par>
+                              <p:par>
+                                <p:cTn id="50" presetID="10" presetClass="entr" presetSubtype="0" fill="hold" grpId="0" nodeType="withEffect">
+                                  <p:stCondLst>
+                                    <p:cond delay="0"/>
+                                  </p:stCondLst>
+                                  <p:childTnLst>
+                                    <p:set>
+                                      <p:cBhvr>
+                                        <p:cTn id="51" dur="1" fill="hold">
+                                          <p:stCondLst>
+                                            <p:cond delay="0"/>
+                                          </p:stCondLst>
+                                        </p:cTn>
+                                        <p:tgtEl>
+                                          <p:spTgt spid="15"/>
+                                        </p:tgtEl>
+                                        <p:attrNameLst>
+                                          <p:attrName>style.visibility</p:attrName>
+                                        </p:attrNameLst>
+                                      </p:cBhvr>
+                                      <p:to>
+                                        <p:strVal val="visible"/>
+                                      </p:to>
+                                    </p:set>
+                                    <p:animEffect transition="in" filter="fade">
+                                      <p:cBhvr>
+                                        <p:cTn id="52" dur="500"/>
+                                        <p:tgtEl>
+                                          <p:spTgt spid="15"/>
+                                        </p:tgtEl>
+                                      </p:cBhvr>
+                                    </p:animEffect>
+                                  </p:childTnLst>
+                                </p:cTn>
+                              </p:par>
+                            </p:childTnLst>
+                          </p:cTn>
+                        </p:par>
+                      </p:childTnLst>
+                    </p:cTn>
+                  </p:par>
+                </p:childTnLst>
+              </p:cTn>
+              <p:prevCondLst>
+                <p:cond evt="onPrev" delay="0">
+                  <p:tgtEl>
+                    <p:sldTgt/>
+                  </p:tgtEl>
+                </p:cond>
+              </p:prevCondLst>
+              <p:nextCondLst>
+                <p:cond evt="onNext" delay="0">
+                  <p:tgtEl>
+                    <p:sldTgt/>
+                  </p:tgtEl>
+                </p:cond>
+              </p:nextCondLst>
+            </p:seq>
+          </p:childTnLst>
+        </p:cTn>
       </p:par>
     </p:tnLst>
+    <p:bldLst>
+      <p:bldP spid="15" grpId="0" animBg="1"/>
+      <p:bldP spid="5" grpId="0" animBg="1"/>
+      <p:bldP spid="3" grpId="0" uiExpand="1" build="p"/>
+      <p:bldP spid="7" grpId="0"/>
+      <p:bldP spid="10" grpId="0"/>
+      <p:bldP spid="19" grpId="0" animBg="1"/>
+      <p:bldP spid="20" grpId="0"/>
+      <p:bldP spid="22" grpId="0" animBg="1"/>
+      <p:bldP spid="23" grpId="0"/>
+    </p:bldLst>
   </p:timing>
 </p:sld>
 </file>
@@ -30327,7 +33860,7 @@
 </file>
 
 <file path=ppt/slides/slide32.xml><?xml version="1.0" encoding="utf-8"?>
-<p:sld xmlns:a="http://schemas.openxmlformats.org/drawingml/2006/main" xmlns:r="http://schemas.openxmlformats.org/officeDocument/2006/relationships" xmlns:p="http://schemas.openxmlformats.org/presentationml/2006/main">
+<p:sld xmlns:a="http://schemas.openxmlformats.org/drawingml/2006/main" xmlns:r="http://schemas.openxmlformats.org/officeDocument/2006/relationships" xmlns:p="http://schemas.openxmlformats.org/presentationml/2006/main" showMasterPhAnim="0">
   <p:cSld>
     <p:spTree>
       <p:nvGrpSpPr>
@@ -30553,9 +34086,505 @@
   <p:timing>
     <p:tnLst>
       <p:par>
-        <p:cTn id="1" dur="indefinite" restart="never" nodeType="tmRoot"/>
+        <p:cTn id="1" dur="indefinite" restart="never" nodeType="tmRoot">
+          <p:childTnLst>
+            <p:seq concurrent="1" nextAc="seek">
+              <p:cTn id="2" dur="indefinite" nodeType="mainSeq">
+                <p:childTnLst>
+                  <p:par>
+                    <p:cTn id="3" fill="hold">
+                      <p:stCondLst>
+                        <p:cond delay="indefinite"/>
+                      </p:stCondLst>
+                      <p:childTnLst>
+                        <p:par>
+                          <p:cTn id="4" fill="hold">
+                            <p:stCondLst>
+                              <p:cond delay="0"/>
+                            </p:stCondLst>
+                            <p:childTnLst>
+                              <p:par>
+                                <p:cTn id="5" presetID="10" presetClass="entr" presetSubtype="0" fill="hold" grpId="0" nodeType="clickEffect">
+                                  <p:stCondLst>
+                                    <p:cond delay="0"/>
+                                  </p:stCondLst>
+                                  <p:childTnLst>
+                                    <p:set>
+                                      <p:cBhvr>
+                                        <p:cTn id="6" dur="1" fill="hold">
+                                          <p:stCondLst>
+                                            <p:cond delay="0"/>
+                                          </p:stCondLst>
+                                        </p:cTn>
+                                        <p:tgtEl>
+                                          <p:spTgt spid="3">
+                                            <p:txEl>
+                                              <p:pRg st="0" end="0"/>
+                                            </p:txEl>
+                                          </p:spTgt>
+                                        </p:tgtEl>
+                                        <p:attrNameLst>
+                                          <p:attrName>style.visibility</p:attrName>
+                                        </p:attrNameLst>
+                                      </p:cBhvr>
+                                      <p:to>
+                                        <p:strVal val="visible"/>
+                                      </p:to>
+                                    </p:set>
+                                    <p:animEffect transition="in" filter="fade">
+                                      <p:cBhvr>
+                                        <p:cTn id="7" dur="500"/>
+                                        <p:tgtEl>
+                                          <p:spTgt spid="3">
+                                            <p:txEl>
+                                              <p:pRg st="0" end="0"/>
+                                            </p:txEl>
+                                          </p:spTgt>
+                                        </p:tgtEl>
+                                      </p:cBhvr>
+                                    </p:animEffect>
+                                  </p:childTnLst>
+                                </p:cTn>
+                              </p:par>
+                            </p:childTnLst>
+                          </p:cTn>
+                        </p:par>
+                      </p:childTnLst>
+                    </p:cTn>
+                  </p:par>
+                  <p:par>
+                    <p:cTn id="8" fill="hold">
+                      <p:stCondLst>
+                        <p:cond delay="indefinite"/>
+                      </p:stCondLst>
+                      <p:childTnLst>
+                        <p:par>
+                          <p:cTn id="9" fill="hold">
+                            <p:stCondLst>
+                              <p:cond delay="0"/>
+                            </p:stCondLst>
+                            <p:childTnLst>
+                              <p:par>
+                                <p:cTn id="10" presetID="10" presetClass="entr" presetSubtype="0" fill="hold" grpId="0" nodeType="clickEffect">
+                                  <p:stCondLst>
+                                    <p:cond delay="0"/>
+                                  </p:stCondLst>
+                                  <p:childTnLst>
+                                    <p:set>
+                                      <p:cBhvr>
+                                        <p:cTn id="11" dur="1" fill="hold">
+                                          <p:stCondLst>
+                                            <p:cond delay="0"/>
+                                          </p:stCondLst>
+                                        </p:cTn>
+                                        <p:tgtEl>
+                                          <p:spTgt spid="3">
+                                            <p:txEl>
+                                              <p:pRg st="1" end="1"/>
+                                            </p:txEl>
+                                          </p:spTgt>
+                                        </p:tgtEl>
+                                        <p:attrNameLst>
+                                          <p:attrName>style.visibility</p:attrName>
+                                        </p:attrNameLst>
+                                      </p:cBhvr>
+                                      <p:to>
+                                        <p:strVal val="visible"/>
+                                      </p:to>
+                                    </p:set>
+                                    <p:animEffect transition="in" filter="fade">
+                                      <p:cBhvr>
+                                        <p:cTn id="12" dur="500"/>
+                                        <p:tgtEl>
+                                          <p:spTgt spid="3">
+                                            <p:txEl>
+                                              <p:pRg st="1" end="1"/>
+                                            </p:txEl>
+                                          </p:spTgt>
+                                        </p:tgtEl>
+                                      </p:cBhvr>
+                                    </p:animEffect>
+                                  </p:childTnLst>
+                                </p:cTn>
+                              </p:par>
+                            </p:childTnLst>
+                          </p:cTn>
+                        </p:par>
+                      </p:childTnLst>
+                    </p:cTn>
+                  </p:par>
+                  <p:par>
+                    <p:cTn id="13" fill="hold">
+                      <p:stCondLst>
+                        <p:cond delay="indefinite"/>
+                      </p:stCondLst>
+                      <p:childTnLst>
+                        <p:par>
+                          <p:cTn id="14" fill="hold">
+                            <p:stCondLst>
+                              <p:cond delay="0"/>
+                            </p:stCondLst>
+                            <p:childTnLst>
+                              <p:par>
+                                <p:cTn id="15" presetID="10" presetClass="entr" presetSubtype="0" fill="hold" grpId="0" nodeType="clickEffect">
+                                  <p:stCondLst>
+                                    <p:cond delay="0"/>
+                                  </p:stCondLst>
+                                  <p:childTnLst>
+                                    <p:set>
+                                      <p:cBhvr>
+                                        <p:cTn id="16" dur="1" fill="hold">
+                                          <p:stCondLst>
+                                            <p:cond delay="0"/>
+                                          </p:stCondLst>
+                                        </p:cTn>
+                                        <p:tgtEl>
+                                          <p:spTgt spid="3">
+                                            <p:txEl>
+                                              <p:pRg st="2" end="2"/>
+                                            </p:txEl>
+                                          </p:spTgt>
+                                        </p:tgtEl>
+                                        <p:attrNameLst>
+                                          <p:attrName>style.visibility</p:attrName>
+                                        </p:attrNameLst>
+                                      </p:cBhvr>
+                                      <p:to>
+                                        <p:strVal val="visible"/>
+                                      </p:to>
+                                    </p:set>
+                                    <p:animEffect transition="in" filter="fade">
+                                      <p:cBhvr>
+                                        <p:cTn id="17" dur="500"/>
+                                        <p:tgtEl>
+                                          <p:spTgt spid="3">
+                                            <p:txEl>
+                                              <p:pRg st="2" end="2"/>
+                                            </p:txEl>
+                                          </p:spTgt>
+                                        </p:tgtEl>
+                                      </p:cBhvr>
+                                    </p:animEffect>
+                                  </p:childTnLst>
+                                </p:cTn>
+                              </p:par>
+                            </p:childTnLst>
+                          </p:cTn>
+                        </p:par>
+                      </p:childTnLst>
+                    </p:cTn>
+                  </p:par>
+                  <p:par>
+                    <p:cTn id="18" fill="hold">
+                      <p:stCondLst>
+                        <p:cond delay="indefinite"/>
+                      </p:stCondLst>
+                      <p:childTnLst>
+                        <p:par>
+                          <p:cTn id="19" fill="hold">
+                            <p:stCondLst>
+                              <p:cond delay="0"/>
+                            </p:stCondLst>
+                            <p:childTnLst>
+                              <p:par>
+                                <p:cTn id="20" presetID="10" presetClass="entr" presetSubtype="0" fill="hold" grpId="0" nodeType="clickEffect">
+                                  <p:stCondLst>
+                                    <p:cond delay="0"/>
+                                  </p:stCondLst>
+                                  <p:childTnLst>
+                                    <p:set>
+                                      <p:cBhvr>
+                                        <p:cTn id="21" dur="1" fill="hold">
+                                          <p:stCondLst>
+                                            <p:cond delay="0"/>
+                                          </p:stCondLst>
+                                        </p:cTn>
+                                        <p:tgtEl>
+                                          <p:spTgt spid="3">
+                                            <p:txEl>
+                                              <p:pRg st="3" end="3"/>
+                                            </p:txEl>
+                                          </p:spTgt>
+                                        </p:tgtEl>
+                                        <p:attrNameLst>
+                                          <p:attrName>style.visibility</p:attrName>
+                                        </p:attrNameLst>
+                                      </p:cBhvr>
+                                      <p:to>
+                                        <p:strVal val="visible"/>
+                                      </p:to>
+                                    </p:set>
+                                    <p:animEffect transition="in" filter="fade">
+                                      <p:cBhvr>
+                                        <p:cTn id="22" dur="500"/>
+                                        <p:tgtEl>
+                                          <p:spTgt spid="3">
+                                            <p:txEl>
+                                              <p:pRg st="3" end="3"/>
+                                            </p:txEl>
+                                          </p:spTgt>
+                                        </p:tgtEl>
+                                      </p:cBhvr>
+                                    </p:animEffect>
+                                  </p:childTnLst>
+                                </p:cTn>
+                              </p:par>
+                            </p:childTnLst>
+                          </p:cTn>
+                        </p:par>
+                      </p:childTnLst>
+                    </p:cTn>
+                  </p:par>
+                  <p:par>
+                    <p:cTn id="23" fill="hold">
+                      <p:stCondLst>
+                        <p:cond delay="indefinite"/>
+                      </p:stCondLst>
+                      <p:childTnLst>
+                        <p:par>
+                          <p:cTn id="24" fill="hold">
+                            <p:stCondLst>
+                              <p:cond delay="0"/>
+                            </p:stCondLst>
+                            <p:childTnLst>
+                              <p:par>
+                                <p:cTn id="25" presetID="10" presetClass="entr" presetSubtype="0" fill="hold" grpId="0" nodeType="clickEffect">
+                                  <p:stCondLst>
+                                    <p:cond delay="0"/>
+                                  </p:stCondLst>
+                                  <p:childTnLst>
+                                    <p:set>
+                                      <p:cBhvr>
+                                        <p:cTn id="26" dur="1" fill="hold">
+                                          <p:stCondLst>
+                                            <p:cond delay="0"/>
+                                          </p:stCondLst>
+                                        </p:cTn>
+                                        <p:tgtEl>
+                                          <p:spTgt spid="3">
+                                            <p:txEl>
+                                              <p:pRg st="4" end="4"/>
+                                            </p:txEl>
+                                          </p:spTgt>
+                                        </p:tgtEl>
+                                        <p:attrNameLst>
+                                          <p:attrName>style.visibility</p:attrName>
+                                        </p:attrNameLst>
+                                      </p:cBhvr>
+                                      <p:to>
+                                        <p:strVal val="visible"/>
+                                      </p:to>
+                                    </p:set>
+                                    <p:animEffect transition="in" filter="fade">
+                                      <p:cBhvr>
+                                        <p:cTn id="27" dur="500"/>
+                                        <p:tgtEl>
+                                          <p:spTgt spid="3">
+                                            <p:txEl>
+                                              <p:pRg st="4" end="4"/>
+                                            </p:txEl>
+                                          </p:spTgt>
+                                        </p:tgtEl>
+                                      </p:cBhvr>
+                                    </p:animEffect>
+                                  </p:childTnLst>
+                                </p:cTn>
+                              </p:par>
+                            </p:childTnLst>
+                          </p:cTn>
+                        </p:par>
+                      </p:childTnLst>
+                    </p:cTn>
+                  </p:par>
+                  <p:par>
+                    <p:cTn id="28" fill="hold">
+                      <p:stCondLst>
+                        <p:cond delay="indefinite"/>
+                      </p:stCondLst>
+                      <p:childTnLst>
+                        <p:par>
+                          <p:cTn id="29" fill="hold">
+                            <p:stCondLst>
+                              <p:cond delay="0"/>
+                            </p:stCondLst>
+                            <p:childTnLst>
+                              <p:par>
+                                <p:cTn id="30" presetID="10" presetClass="entr" presetSubtype="0" fill="hold" grpId="0" nodeType="clickEffect">
+                                  <p:stCondLst>
+                                    <p:cond delay="0"/>
+                                  </p:stCondLst>
+                                  <p:childTnLst>
+                                    <p:set>
+                                      <p:cBhvr>
+                                        <p:cTn id="31" dur="1" fill="hold">
+                                          <p:stCondLst>
+                                            <p:cond delay="0"/>
+                                          </p:stCondLst>
+                                        </p:cTn>
+                                        <p:tgtEl>
+                                          <p:spTgt spid="3">
+                                            <p:txEl>
+                                              <p:pRg st="5" end="5"/>
+                                            </p:txEl>
+                                          </p:spTgt>
+                                        </p:tgtEl>
+                                        <p:attrNameLst>
+                                          <p:attrName>style.visibility</p:attrName>
+                                        </p:attrNameLst>
+                                      </p:cBhvr>
+                                      <p:to>
+                                        <p:strVal val="visible"/>
+                                      </p:to>
+                                    </p:set>
+                                    <p:animEffect transition="in" filter="fade">
+                                      <p:cBhvr>
+                                        <p:cTn id="32" dur="500"/>
+                                        <p:tgtEl>
+                                          <p:spTgt spid="3">
+                                            <p:txEl>
+                                              <p:pRg st="5" end="5"/>
+                                            </p:txEl>
+                                          </p:spTgt>
+                                        </p:tgtEl>
+                                      </p:cBhvr>
+                                    </p:animEffect>
+                                  </p:childTnLst>
+                                </p:cTn>
+                              </p:par>
+                            </p:childTnLst>
+                          </p:cTn>
+                        </p:par>
+                      </p:childTnLst>
+                    </p:cTn>
+                  </p:par>
+                  <p:par>
+                    <p:cTn id="33" fill="hold">
+                      <p:stCondLst>
+                        <p:cond delay="indefinite"/>
+                      </p:stCondLst>
+                      <p:childTnLst>
+                        <p:par>
+                          <p:cTn id="34" fill="hold">
+                            <p:stCondLst>
+                              <p:cond delay="0"/>
+                            </p:stCondLst>
+                            <p:childTnLst>
+                              <p:par>
+                                <p:cTn id="35" presetID="10" presetClass="entr" presetSubtype="0" fill="hold" grpId="0" nodeType="clickEffect">
+                                  <p:stCondLst>
+                                    <p:cond delay="0"/>
+                                  </p:stCondLst>
+                                  <p:childTnLst>
+                                    <p:set>
+                                      <p:cBhvr>
+                                        <p:cTn id="36" dur="1" fill="hold">
+                                          <p:stCondLst>
+                                            <p:cond delay="0"/>
+                                          </p:stCondLst>
+                                        </p:cTn>
+                                        <p:tgtEl>
+                                          <p:spTgt spid="3">
+                                            <p:txEl>
+                                              <p:pRg st="6" end="6"/>
+                                            </p:txEl>
+                                          </p:spTgt>
+                                        </p:tgtEl>
+                                        <p:attrNameLst>
+                                          <p:attrName>style.visibility</p:attrName>
+                                        </p:attrNameLst>
+                                      </p:cBhvr>
+                                      <p:to>
+                                        <p:strVal val="visible"/>
+                                      </p:to>
+                                    </p:set>
+                                    <p:animEffect transition="in" filter="fade">
+                                      <p:cBhvr>
+                                        <p:cTn id="37" dur="500"/>
+                                        <p:tgtEl>
+                                          <p:spTgt spid="3">
+                                            <p:txEl>
+                                              <p:pRg st="6" end="6"/>
+                                            </p:txEl>
+                                          </p:spTgt>
+                                        </p:tgtEl>
+                                      </p:cBhvr>
+                                    </p:animEffect>
+                                  </p:childTnLst>
+                                </p:cTn>
+                              </p:par>
+                              <p:par>
+                                <p:cTn id="38" presetID="10" presetClass="entr" presetSubtype="0" fill="hold" grpId="0" nodeType="withEffect">
+                                  <p:stCondLst>
+                                    <p:cond delay="0"/>
+                                  </p:stCondLst>
+                                  <p:childTnLst>
+                                    <p:set>
+                                      <p:cBhvr>
+                                        <p:cTn id="39" dur="1" fill="hold">
+                                          <p:stCondLst>
+                                            <p:cond delay="0"/>
+                                          </p:stCondLst>
+                                        </p:cTn>
+                                        <p:tgtEl>
+                                          <p:spTgt spid="3">
+                                            <p:txEl>
+                                              <p:pRg st="7" end="7"/>
+                                            </p:txEl>
+                                          </p:spTgt>
+                                        </p:tgtEl>
+                                        <p:attrNameLst>
+                                          <p:attrName>style.visibility</p:attrName>
+                                        </p:attrNameLst>
+                                      </p:cBhvr>
+                                      <p:to>
+                                        <p:strVal val="visible"/>
+                                      </p:to>
+                                    </p:set>
+                                    <p:animEffect transition="in" filter="fade">
+                                      <p:cBhvr>
+                                        <p:cTn id="40" dur="500"/>
+                                        <p:tgtEl>
+                                          <p:spTgt spid="3">
+                                            <p:txEl>
+                                              <p:pRg st="7" end="7"/>
+                                            </p:txEl>
+                                          </p:spTgt>
+                                        </p:tgtEl>
+                                      </p:cBhvr>
+                                    </p:animEffect>
+                                  </p:childTnLst>
+                                </p:cTn>
+                              </p:par>
+                            </p:childTnLst>
+                          </p:cTn>
+                        </p:par>
+                      </p:childTnLst>
+                    </p:cTn>
+                  </p:par>
+                </p:childTnLst>
+              </p:cTn>
+              <p:prevCondLst>
+                <p:cond evt="onPrev" delay="0">
+                  <p:tgtEl>
+                    <p:sldTgt/>
+                  </p:tgtEl>
+                </p:cond>
+              </p:prevCondLst>
+              <p:nextCondLst>
+                <p:cond evt="onNext" delay="0">
+                  <p:tgtEl>
+                    <p:sldTgt/>
+                  </p:tgtEl>
+                </p:cond>
+              </p:nextCondLst>
+            </p:seq>
+          </p:childTnLst>
+        </p:cTn>
       </p:par>
     </p:tnLst>
+    <p:bldLst>
+      <p:bldP spid="3" grpId="0" uiExpand="1" build="p"/>
+    </p:bldLst>
   </p:timing>
 </p:sld>
 </file>
@@ -30784,7 +34813,7 @@
 </file>
 
 <file path=ppt/slides/slide34.xml><?xml version="1.0" encoding="utf-8"?>
-<p:sld xmlns:a="http://schemas.openxmlformats.org/drawingml/2006/main" xmlns:r="http://schemas.openxmlformats.org/officeDocument/2006/relationships" xmlns:p="http://schemas.openxmlformats.org/presentationml/2006/main">
+<p:sld xmlns:a="http://schemas.openxmlformats.org/drawingml/2006/main" xmlns:r="http://schemas.openxmlformats.org/officeDocument/2006/relationships" xmlns:p="http://schemas.openxmlformats.org/presentationml/2006/main" showMasterPhAnim="0">
   <p:cSld>
     <p:spTree>
       <p:nvGrpSpPr>
@@ -31142,9 +35171,457 @@
   <p:timing>
     <p:tnLst>
       <p:par>
-        <p:cTn id="1" dur="indefinite" restart="never" nodeType="tmRoot"/>
+        <p:cTn id="1" dur="indefinite" restart="never" nodeType="tmRoot">
+          <p:childTnLst>
+            <p:seq concurrent="1" nextAc="seek">
+              <p:cTn id="2" dur="indefinite" nodeType="mainSeq">
+                <p:childTnLst>
+                  <p:par>
+                    <p:cTn id="3" fill="hold">
+                      <p:stCondLst>
+                        <p:cond delay="indefinite"/>
+                      </p:stCondLst>
+                      <p:childTnLst>
+                        <p:par>
+                          <p:cTn id="4" fill="hold">
+                            <p:stCondLst>
+                              <p:cond delay="0"/>
+                            </p:stCondLst>
+                            <p:childTnLst>
+                              <p:par>
+                                <p:cTn id="5" presetID="10" presetClass="entr" presetSubtype="0" fill="hold" grpId="0" nodeType="clickEffect">
+                                  <p:stCondLst>
+                                    <p:cond delay="0"/>
+                                  </p:stCondLst>
+                                  <p:childTnLst>
+                                    <p:set>
+                                      <p:cBhvr>
+                                        <p:cTn id="6" dur="1" fill="hold">
+                                          <p:stCondLst>
+                                            <p:cond delay="0"/>
+                                          </p:stCondLst>
+                                        </p:cTn>
+                                        <p:tgtEl>
+                                          <p:spTgt spid="3">
+                                            <p:txEl>
+                                              <p:pRg st="0" end="0"/>
+                                            </p:txEl>
+                                          </p:spTgt>
+                                        </p:tgtEl>
+                                        <p:attrNameLst>
+                                          <p:attrName>style.visibility</p:attrName>
+                                        </p:attrNameLst>
+                                      </p:cBhvr>
+                                      <p:to>
+                                        <p:strVal val="visible"/>
+                                      </p:to>
+                                    </p:set>
+                                    <p:animEffect transition="in" filter="fade">
+                                      <p:cBhvr>
+                                        <p:cTn id="7" dur="500"/>
+                                        <p:tgtEl>
+                                          <p:spTgt spid="3">
+                                            <p:txEl>
+                                              <p:pRg st="0" end="0"/>
+                                            </p:txEl>
+                                          </p:spTgt>
+                                        </p:tgtEl>
+                                      </p:cBhvr>
+                                    </p:animEffect>
+                                  </p:childTnLst>
+                                </p:cTn>
+                              </p:par>
+                            </p:childTnLst>
+                          </p:cTn>
+                        </p:par>
+                      </p:childTnLst>
+                    </p:cTn>
+                  </p:par>
+                  <p:par>
+                    <p:cTn id="8" fill="hold">
+                      <p:stCondLst>
+                        <p:cond delay="indefinite"/>
+                      </p:stCondLst>
+                      <p:childTnLst>
+                        <p:par>
+                          <p:cTn id="9" fill="hold">
+                            <p:stCondLst>
+                              <p:cond delay="0"/>
+                            </p:stCondLst>
+                            <p:childTnLst>
+                              <p:par>
+                                <p:cTn id="10" presetID="10" presetClass="entr" presetSubtype="0" fill="hold" grpId="0" nodeType="clickEffect">
+                                  <p:stCondLst>
+                                    <p:cond delay="0"/>
+                                  </p:stCondLst>
+                                  <p:childTnLst>
+                                    <p:set>
+                                      <p:cBhvr>
+                                        <p:cTn id="11" dur="1" fill="hold">
+                                          <p:stCondLst>
+                                            <p:cond delay="0"/>
+                                          </p:stCondLst>
+                                        </p:cTn>
+                                        <p:tgtEl>
+                                          <p:spTgt spid="3">
+                                            <p:txEl>
+                                              <p:pRg st="1" end="1"/>
+                                            </p:txEl>
+                                          </p:spTgt>
+                                        </p:tgtEl>
+                                        <p:attrNameLst>
+                                          <p:attrName>style.visibility</p:attrName>
+                                        </p:attrNameLst>
+                                      </p:cBhvr>
+                                      <p:to>
+                                        <p:strVal val="visible"/>
+                                      </p:to>
+                                    </p:set>
+                                    <p:animEffect transition="in" filter="fade">
+                                      <p:cBhvr>
+                                        <p:cTn id="12" dur="500"/>
+                                        <p:tgtEl>
+                                          <p:spTgt spid="3">
+                                            <p:txEl>
+                                              <p:pRg st="1" end="1"/>
+                                            </p:txEl>
+                                          </p:spTgt>
+                                        </p:tgtEl>
+                                      </p:cBhvr>
+                                    </p:animEffect>
+                                  </p:childTnLst>
+                                </p:cTn>
+                              </p:par>
+                            </p:childTnLst>
+                          </p:cTn>
+                        </p:par>
+                      </p:childTnLst>
+                    </p:cTn>
+                  </p:par>
+                  <p:par>
+                    <p:cTn id="13" fill="hold">
+                      <p:stCondLst>
+                        <p:cond delay="indefinite"/>
+                      </p:stCondLst>
+                      <p:childTnLst>
+                        <p:par>
+                          <p:cTn id="14" fill="hold">
+                            <p:stCondLst>
+                              <p:cond delay="0"/>
+                            </p:stCondLst>
+                            <p:childTnLst>
+                              <p:par>
+                                <p:cTn id="15" presetID="10" presetClass="entr" presetSubtype="0" fill="hold" grpId="0" nodeType="clickEffect">
+                                  <p:stCondLst>
+                                    <p:cond delay="0"/>
+                                  </p:stCondLst>
+                                  <p:childTnLst>
+                                    <p:set>
+                                      <p:cBhvr>
+                                        <p:cTn id="16" dur="1" fill="hold">
+                                          <p:stCondLst>
+                                            <p:cond delay="0"/>
+                                          </p:stCondLst>
+                                        </p:cTn>
+                                        <p:tgtEl>
+                                          <p:spTgt spid="3">
+                                            <p:txEl>
+                                              <p:pRg st="2" end="2"/>
+                                            </p:txEl>
+                                          </p:spTgt>
+                                        </p:tgtEl>
+                                        <p:attrNameLst>
+                                          <p:attrName>style.visibility</p:attrName>
+                                        </p:attrNameLst>
+                                      </p:cBhvr>
+                                      <p:to>
+                                        <p:strVal val="visible"/>
+                                      </p:to>
+                                    </p:set>
+                                    <p:animEffect transition="in" filter="fade">
+                                      <p:cBhvr>
+                                        <p:cTn id="17" dur="500"/>
+                                        <p:tgtEl>
+                                          <p:spTgt spid="3">
+                                            <p:txEl>
+                                              <p:pRg st="2" end="2"/>
+                                            </p:txEl>
+                                          </p:spTgt>
+                                        </p:tgtEl>
+                                      </p:cBhvr>
+                                    </p:animEffect>
+                                  </p:childTnLst>
+                                </p:cTn>
+                              </p:par>
+                            </p:childTnLst>
+                          </p:cTn>
+                        </p:par>
+                      </p:childTnLst>
+                    </p:cTn>
+                  </p:par>
+                  <p:par>
+                    <p:cTn id="18" fill="hold">
+                      <p:stCondLst>
+                        <p:cond delay="indefinite"/>
+                      </p:stCondLst>
+                      <p:childTnLst>
+                        <p:par>
+                          <p:cTn id="19" fill="hold">
+                            <p:stCondLst>
+                              <p:cond delay="0"/>
+                            </p:stCondLst>
+                            <p:childTnLst>
+                              <p:par>
+                                <p:cTn id="20" presetID="10" presetClass="entr" presetSubtype="0" fill="hold" nodeType="clickEffect">
+                                  <p:stCondLst>
+                                    <p:cond delay="0"/>
+                                  </p:stCondLst>
+                                  <p:childTnLst>
+                                    <p:set>
+                                      <p:cBhvr>
+                                        <p:cTn id="21" dur="1" fill="hold">
+                                          <p:stCondLst>
+                                            <p:cond delay="0"/>
+                                          </p:stCondLst>
+                                        </p:cTn>
+                                        <p:tgtEl>
+                                          <p:spTgt spid="7"/>
+                                        </p:tgtEl>
+                                        <p:attrNameLst>
+                                          <p:attrName>style.visibility</p:attrName>
+                                        </p:attrNameLst>
+                                      </p:cBhvr>
+                                      <p:to>
+                                        <p:strVal val="visible"/>
+                                      </p:to>
+                                    </p:set>
+                                    <p:animEffect transition="in" filter="fade">
+                                      <p:cBhvr>
+                                        <p:cTn id="22" dur="500"/>
+                                        <p:tgtEl>
+                                          <p:spTgt spid="7"/>
+                                        </p:tgtEl>
+                                      </p:cBhvr>
+                                    </p:animEffect>
+                                  </p:childTnLst>
+                                </p:cTn>
+                              </p:par>
+                              <p:par>
+                                <p:cTn id="23" presetID="10" presetClass="entr" presetSubtype="0" fill="hold" grpId="0" nodeType="withEffect">
+                                  <p:stCondLst>
+                                    <p:cond delay="0"/>
+                                  </p:stCondLst>
+                                  <p:childTnLst>
+                                    <p:set>
+                                      <p:cBhvr>
+                                        <p:cTn id="24" dur="1" fill="hold">
+                                          <p:stCondLst>
+                                            <p:cond delay="0"/>
+                                          </p:stCondLst>
+                                        </p:cTn>
+                                        <p:tgtEl>
+                                          <p:spTgt spid="4"/>
+                                        </p:tgtEl>
+                                        <p:attrNameLst>
+                                          <p:attrName>style.visibility</p:attrName>
+                                        </p:attrNameLst>
+                                      </p:cBhvr>
+                                      <p:to>
+                                        <p:strVal val="visible"/>
+                                      </p:to>
+                                    </p:set>
+                                    <p:animEffect transition="in" filter="fade">
+                                      <p:cBhvr>
+                                        <p:cTn id="25" dur="500"/>
+                                        <p:tgtEl>
+                                          <p:spTgt spid="4"/>
+                                        </p:tgtEl>
+                                      </p:cBhvr>
+                                    </p:animEffect>
+                                  </p:childTnLst>
+                                </p:cTn>
+                              </p:par>
+                            </p:childTnLst>
+                          </p:cTn>
+                        </p:par>
+                      </p:childTnLst>
+                    </p:cTn>
+                  </p:par>
+                  <p:par>
+                    <p:cTn id="26" fill="hold">
+                      <p:stCondLst>
+                        <p:cond delay="indefinite"/>
+                      </p:stCondLst>
+                      <p:childTnLst>
+                        <p:par>
+                          <p:cTn id="27" fill="hold">
+                            <p:stCondLst>
+                              <p:cond delay="0"/>
+                            </p:stCondLst>
+                            <p:childTnLst>
+                              <p:par>
+                                <p:cTn id="28" presetID="10" presetClass="entr" presetSubtype="0" fill="hold" nodeType="clickEffect">
+                                  <p:stCondLst>
+                                    <p:cond delay="0"/>
+                                  </p:stCondLst>
+                                  <p:childTnLst>
+                                    <p:set>
+                                      <p:cBhvr>
+                                        <p:cTn id="29" dur="1" fill="hold">
+                                          <p:stCondLst>
+                                            <p:cond delay="0"/>
+                                          </p:stCondLst>
+                                        </p:cTn>
+                                        <p:tgtEl>
+                                          <p:spTgt spid="6"/>
+                                        </p:tgtEl>
+                                        <p:attrNameLst>
+                                          <p:attrName>style.visibility</p:attrName>
+                                        </p:attrNameLst>
+                                      </p:cBhvr>
+                                      <p:to>
+                                        <p:strVal val="visible"/>
+                                      </p:to>
+                                    </p:set>
+                                    <p:animEffect transition="in" filter="fade">
+                                      <p:cBhvr>
+                                        <p:cTn id="30" dur="500"/>
+                                        <p:tgtEl>
+                                          <p:spTgt spid="6"/>
+                                        </p:tgtEl>
+                                      </p:cBhvr>
+                                    </p:animEffect>
+                                  </p:childTnLst>
+                                </p:cTn>
+                              </p:par>
+                              <p:par>
+                                <p:cTn id="31" presetID="10" presetClass="entr" presetSubtype="0" fill="hold" grpId="0" nodeType="withEffect">
+                                  <p:stCondLst>
+                                    <p:cond delay="0"/>
+                                  </p:stCondLst>
+                                  <p:childTnLst>
+                                    <p:set>
+                                      <p:cBhvr>
+                                        <p:cTn id="32" dur="1" fill="hold">
+                                          <p:stCondLst>
+                                            <p:cond delay="0"/>
+                                          </p:stCondLst>
+                                        </p:cTn>
+                                        <p:tgtEl>
+                                          <p:spTgt spid="5"/>
+                                        </p:tgtEl>
+                                        <p:attrNameLst>
+                                          <p:attrName>style.visibility</p:attrName>
+                                        </p:attrNameLst>
+                                      </p:cBhvr>
+                                      <p:to>
+                                        <p:strVal val="visible"/>
+                                      </p:to>
+                                    </p:set>
+                                    <p:animEffect transition="in" filter="fade">
+                                      <p:cBhvr>
+                                        <p:cTn id="33" dur="500"/>
+                                        <p:tgtEl>
+                                          <p:spTgt spid="5"/>
+                                        </p:tgtEl>
+                                      </p:cBhvr>
+                                    </p:animEffect>
+                                  </p:childTnLst>
+                                </p:cTn>
+                              </p:par>
+                            </p:childTnLst>
+                          </p:cTn>
+                        </p:par>
+                      </p:childTnLst>
+                    </p:cTn>
+                  </p:par>
+                  <p:par>
+                    <p:cTn id="34" fill="hold">
+                      <p:stCondLst>
+                        <p:cond delay="indefinite"/>
+                      </p:stCondLst>
+                      <p:childTnLst>
+                        <p:par>
+                          <p:cTn id="35" fill="hold">
+                            <p:stCondLst>
+                              <p:cond delay="0"/>
+                            </p:stCondLst>
+                            <p:childTnLst>
+                              <p:par>
+                                <p:cTn id="36" presetID="10" presetClass="entr" presetSubtype="0" fill="hold" grpId="0" nodeType="clickEffect">
+                                  <p:stCondLst>
+                                    <p:cond delay="0"/>
+                                  </p:stCondLst>
+                                  <p:childTnLst>
+                                    <p:set>
+                                      <p:cBhvr>
+                                        <p:cTn id="37" dur="1" fill="hold">
+                                          <p:stCondLst>
+                                            <p:cond delay="0"/>
+                                          </p:stCondLst>
+                                        </p:cTn>
+                                        <p:tgtEl>
+                                          <p:spTgt spid="3">
+                                            <p:txEl>
+                                              <p:pRg st="7" end="7"/>
+                                            </p:txEl>
+                                          </p:spTgt>
+                                        </p:tgtEl>
+                                        <p:attrNameLst>
+                                          <p:attrName>style.visibility</p:attrName>
+                                        </p:attrNameLst>
+                                      </p:cBhvr>
+                                      <p:to>
+                                        <p:strVal val="visible"/>
+                                      </p:to>
+                                    </p:set>
+                                    <p:animEffect transition="in" filter="fade">
+                                      <p:cBhvr>
+                                        <p:cTn id="38" dur="500"/>
+                                        <p:tgtEl>
+                                          <p:spTgt spid="3">
+                                            <p:txEl>
+                                              <p:pRg st="7" end="7"/>
+                                            </p:txEl>
+                                          </p:spTgt>
+                                        </p:tgtEl>
+                                      </p:cBhvr>
+                                    </p:animEffect>
+                                  </p:childTnLst>
+                                </p:cTn>
+                              </p:par>
+                            </p:childTnLst>
+                          </p:cTn>
+                        </p:par>
+                      </p:childTnLst>
+                    </p:cTn>
+                  </p:par>
+                </p:childTnLst>
+              </p:cTn>
+              <p:prevCondLst>
+                <p:cond evt="onPrev" delay="0">
+                  <p:tgtEl>
+                    <p:sldTgt/>
+                  </p:tgtEl>
+                </p:cond>
+              </p:prevCondLst>
+              <p:nextCondLst>
+                <p:cond evt="onNext" delay="0">
+                  <p:tgtEl>
+                    <p:sldTgt/>
+                  </p:tgtEl>
+                </p:cond>
+              </p:nextCondLst>
+            </p:seq>
+          </p:childTnLst>
+        </p:cTn>
       </p:par>
     </p:tnLst>
+    <p:bldLst>
+      <p:bldP spid="3" grpId="0" uiExpand="1" build="p"/>
+      <p:bldP spid="4" grpId="0"/>
+      <p:bldP spid="5" grpId="0"/>
+    </p:bldLst>
   </p:timing>
 </p:sld>
 </file>
@@ -31569,15 +36046,129 @@
   <p:timing>
     <p:tnLst>
       <p:par>
-        <p:cTn id="1" dur="indefinite" restart="never" nodeType="tmRoot"/>
+        <p:cTn id="1" dur="indefinite" restart="never" nodeType="tmRoot">
+          <p:childTnLst>
+            <p:seq concurrent="1" nextAc="seek">
+              <p:cTn id="2" dur="indefinite" nodeType="mainSeq">
+                <p:childTnLst>
+                  <p:par>
+                    <p:cTn id="3" fill="hold">
+                      <p:stCondLst>
+                        <p:cond delay="indefinite"/>
+                      </p:stCondLst>
+                      <p:childTnLst>
+                        <p:par>
+                          <p:cTn id="4" fill="hold">
+                            <p:stCondLst>
+                              <p:cond delay="0"/>
+                            </p:stCondLst>
+                            <p:childTnLst>
+                              <p:par>
+                                <p:cTn id="5" presetID="10" presetClass="entr" presetSubtype="0" fill="hold" nodeType="clickEffect">
+                                  <p:stCondLst>
+                                    <p:cond delay="0"/>
+                                  </p:stCondLst>
+                                  <p:childTnLst>
+                                    <p:set>
+                                      <p:cBhvr>
+                                        <p:cTn id="6" dur="1" fill="hold">
+                                          <p:stCondLst>
+                                            <p:cond delay="0"/>
+                                          </p:stCondLst>
+                                        </p:cTn>
+                                        <p:tgtEl>
+                                          <p:spTgt spid="5"/>
+                                        </p:tgtEl>
+                                        <p:attrNameLst>
+                                          <p:attrName>style.visibility</p:attrName>
+                                        </p:attrNameLst>
+                                      </p:cBhvr>
+                                      <p:to>
+                                        <p:strVal val="visible"/>
+                                      </p:to>
+                                    </p:set>
+                                    <p:animEffect transition="in" filter="fade">
+                                      <p:cBhvr>
+                                        <p:cTn id="7" dur="500"/>
+                                        <p:tgtEl>
+                                          <p:spTgt spid="5"/>
+                                        </p:tgtEl>
+                                      </p:cBhvr>
+                                    </p:animEffect>
+                                  </p:childTnLst>
+                                </p:cTn>
+                              </p:par>
+                              <p:par>
+                                <p:cTn id="8" presetID="10" presetClass="entr" presetSubtype="0" fill="hold" grpId="0" nodeType="withEffect">
+                                  <p:stCondLst>
+                                    <p:cond delay="0"/>
+                                  </p:stCondLst>
+                                  <p:childTnLst>
+                                    <p:set>
+                                      <p:cBhvr>
+                                        <p:cTn id="9" dur="1" fill="hold">
+                                          <p:stCondLst>
+                                            <p:cond delay="0"/>
+                                          </p:stCondLst>
+                                        </p:cTn>
+                                        <p:tgtEl>
+                                          <p:spTgt spid="4"/>
+                                        </p:tgtEl>
+                                        <p:attrNameLst>
+                                          <p:attrName>style.visibility</p:attrName>
+                                        </p:attrNameLst>
+                                      </p:cBhvr>
+                                      <p:to>
+                                        <p:strVal val="visible"/>
+                                      </p:to>
+                                    </p:set>
+                                    <p:animEffect transition="in" filter="fade">
+                                      <p:cBhvr>
+                                        <p:cTn id="10" dur="500"/>
+                                        <p:tgtEl>
+                                          <p:spTgt spid="4"/>
+                                        </p:tgtEl>
+                                      </p:cBhvr>
+                                    </p:animEffect>
+                                  </p:childTnLst>
+                                </p:cTn>
+                              </p:par>
+                            </p:childTnLst>
+                          </p:cTn>
+                        </p:par>
+                      </p:childTnLst>
+                    </p:cTn>
+                  </p:par>
+                </p:childTnLst>
+              </p:cTn>
+              <p:prevCondLst>
+                <p:cond evt="onPrev" delay="0">
+                  <p:tgtEl>
+                    <p:sldTgt/>
+                  </p:tgtEl>
+                </p:cond>
+              </p:prevCondLst>
+              <p:nextCondLst>
+                <p:cond evt="onNext" delay="0">
+                  <p:tgtEl>
+                    <p:sldTgt/>
+                  </p:tgtEl>
+                </p:cond>
+              </p:nextCondLst>
+            </p:seq>
+          </p:childTnLst>
+        </p:cTn>
       </p:par>
     </p:tnLst>
+    <p:bldLst>
+      <p:bldP spid="4" grpId="0"/>
+    </p:bldLst>
   </p:timing>
 </p:sld>
 </file>
 
 <file path=ppt/slides/slide36.xml><?xml version="1.0" encoding="utf-8"?>
-<p:sld xmlns:a="http://schemas.openxmlformats.org/drawingml/2006/main" xmlns:r="http://schemas.openxmlformats.org/officeDocument/2006/relationships" xmlns:p="http://schemas.openxmlformats.org/presentationml/2006/main">
+<p:sld xmlns:a="http://schemas.openxmlformats.org/drawingml/2006/main" xmlns:r="http://schemas.openxmlformats.org/officeDocument/2006/relationships" xmlns:p="http://schemas.openxmlformats.org/presentationml/2006/main" showMasterPhAnim="0">
   <p:cSld>
     <p:spTree>
       <p:nvGrpSpPr>
@@ -31940,9 +36531,6 @@
                     <p:cTn id="3" fill="hold">
                       <p:stCondLst>
                         <p:cond delay="indefinite"/>
-                        <p:cond evt="onBegin" delay="0">
-                          <p:tn val="2"/>
-                        </p:cond>
                       </p:stCondLst>
                       <p:childTnLst>
                         <p:par>
@@ -31952,7 +36540,7 @@
                             </p:stCondLst>
                             <p:childTnLst>
                               <p:par>
-                                <p:cTn id="5" presetID="10" presetClass="entr" presetSubtype="0" fill="hold" nodeType="withEffect">
+                                <p:cTn id="5" presetID="10" presetClass="entr" presetSubtype="0" fill="hold" grpId="0" nodeType="clickEffect">
                                   <p:stCondLst>
                                     <p:cond delay="0"/>
                                   </p:stCondLst>
@@ -31965,7 +36553,11 @@
                                           </p:stCondLst>
                                         </p:cTn>
                                         <p:tgtEl>
-                                          <p:spTgt spid="4"/>
+                                          <p:spTgt spid="3">
+                                            <p:txEl>
+                                              <p:pRg st="0" end="0"/>
+                                            </p:txEl>
+                                          </p:spTgt>
                                         </p:tgtEl>
                                         <p:attrNameLst>
                                           <p:attrName>style.visibility</p:attrName>
@@ -31979,7 +36571,351 @@
                                       <p:cBhvr>
                                         <p:cTn id="7" dur="500"/>
                                         <p:tgtEl>
+                                          <p:spTgt spid="3">
+                                            <p:txEl>
+                                              <p:pRg st="0" end="0"/>
+                                            </p:txEl>
+                                          </p:spTgt>
+                                        </p:tgtEl>
+                                      </p:cBhvr>
+                                    </p:animEffect>
+                                  </p:childTnLst>
+                                </p:cTn>
+                              </p:par>
+                            </p:childTnLst>
+                          </p:cTn>
+                        </p:par>
+                      </p:childTnLst>
+                    </p:cTn>
+                  </p:par>
+                  <p:par>
+                    <p:cTn id="8" fill="hold">
+                      <p:stCondLst>
+                        <p:cond delay="indefinite"/>
+                      </p:stCondLst>
+                      <p:childTnLst>
+                        <p:par>
+                          <p:cTn id="9" fill="hold">
+                            <p:stCondLst>
+                              <p:cond delay="0"/>
+                            </p:stCondLst>
+                            <p:childTnLst>
+                              <p:par>
+                                <p:cTn id="10" presetID="10" presetClass="entr" presetSubtype="0" fill="hold" grpId="0" nodeType="clickEffect">
+                                  <p:stCondLst>
+                                    <p:cond delay="0"/>
+                                  </p:stCondLst>
+                                  <p:childTnLst>
+                                    <p:set>
+                                      <p:cBhvr>
+                                        <p:cTn id="11" dur="1" fill="hold">
+                                          <p:stCondLst>
+                                            <p:cond delay="0"/>
+                                          </p:stCondLst>
+                                        </p:cTn>
+                                        <p:tgtEl>
+                                          <p:spTgt spid="3">
+                                            <p:txEl>
+                                              <p:pRg st="1" end="1"/>
+                                            </p:txEl>
+                                          </p:spTgt>
+                                        </p:tgtEl>
+                                        <p:attrNameLst>
+                                          <p:attrName>style.visibility</p:attrName>
+                                        </p:attrNameLst>
+                                      </p:cBhvr>
+                                      <p:to>
+                                        <p:strVal val="visible"/>
+                                      </p:to>
+                                    </p:set>
+                                    <p:animEffect transition="in" filter="fade">
+                                      <p:cBhvr>
+                                        <p:cTn id="12" dur="500"/>
+                                        <p:tgtEl>
+                                          <p:spTgt spid="3">
+                                            <p:txEl>
+                                              <p:pRg st="1" end="1"/>
+                                            </p:txEl>
+                                          </p:spTgt>
+                                        </p:tgtEl>
+                                      </p:cBhvr>
+                                    </p:animEffect>
+                                  </p:childTnLst>
+                                </p:cTn>
+                              </p:par>
+                            </p:childTnLst>
+                          </p:cTn>
+                        </p:par>
+                      </p:childTnLst>
+                    </p:cTn>
+                  </p:par>
+                  <p:par>
+                    <p:cTn id="13" fill="hold">
+                      <p:stCondLst>
+                        <p:cond delay="indefinite"/>
+                      </p:stCondLst>
+                      <p:childTnLst>
+                        <p:par>
+                          <p:cTn id="14" fill="hold">
+                            <p:stCondLst>
+                              <p:cond delay="0"/>
+                            </p:stCondLst>
+                            <p:childTnLst>
+                              <p:par>
+                                <p:cTn id="15" presetID="10" presetClass="entr" presetSubtype="0" fill="hold" grpId="0" nodeType="clickEffect">
+                                  <p:stCondLst>
+                                    <p:cond delay="0"/>
+                                  </p:stCondLst>
+                                  <p:childTnLst>
+                                    <p:set>
+                                      <p:cBhvr>
+                                        <p:cTn id="16" dur="1" fill="hold">
+                                          <p:stCondLst>
+                                            <p:cond delay="0"/>
+                                          </p:stCondLst>
+                                        </p:cTn>
+                                        <p:tgtEl>
+                                          <p:spTgt spid="3">
+                                            <p:txEl>
+                                              <p:pRg st="2" end="2"/>
+                                            </p:txEl>
+                                          </p:spTgt>
+                                        </p:tgtEl>
+                                        <p:attrNameLst>
+                                          <p:attrName>style.visibility</p:attrName>
+                                        </p:attrNameLst>
+                                      </p:cBhvr>
+                                      <p:to>
+                                        <p:strVal val="visible"/>
+                                      </p:to>
+                                    </p:set>
+                                    <p:animEffect transition="in" filter="fade">
+                                      <p:cBhvr>
+                                        <p:cTn id="17" dur="500"/>
+                                        <p:tgtEl>
+                                          <p:spTgt spid="3">
+                                            <p:txEl>
+                                              <p:pRg st="2" end="2"/>
+                                            </p:txEl>
+                                          </p:spTgt>
+                                        </p:tgtEl>
+                                      </p:cBhvr>
+                                    </p:animEffect>
+                                  </p:childTnLst>
+                                </p:cTn>
+                              </p:par>
+                            </p:childTnLst>
+                          </p:cTn>
+                        </p:par>
+                      </p:childTnLst>
+                    </p:cTn>
+                  </p:par>
+                  <p:par>
+                    <p:cTn id="18" fill="hold">
+                      <p:stCondLst>
+                        <p:cond delay="indefinite"/>
+                      </p:stCondLst>
+                      <p:childTnLst>
+                        <p:par>
+                          <p:cTn id="19" fill="hold">
+                            <p:stCondLst>
+                              <p:cond delay="0"/>
+                            </p:stCondLst>
+                            <p:childTnLst>
+                              <p:par>
+                                <p:cTn id="20" presetID="10" presetClass="entr" presetSubtype="0" fill="hold" nodeType="clickEffect">
+                                  <p:stCondLst>
+                                    <p:cond delay="0"/>
+                                  </p:stCondLst>
+                                  <p:childTnLst>
+                                    <p:set>
+                                      <p:cBhvr>
+                                        <p:cTn id="21" dur="1" fill="hold">
+                                          <p:stCondLst>
+                                            <p:cond delay="0"/>
+                                          </p:stCondLst>
+                                        </p:cTn>
+                                        <p:tgtEl>
                                           <p:spTgt spid="4"/>
+                                        </p:tgtEl>
+                                        <p:attrNameLst>
+                                          <p:attrName>style.visibility</p:attrName>
+                                        </p:attrNameLst>
+                                      </p:cBhvr>
+                                      <p:to>
+                                        <p:strVal val="visible"/>
+                                      </p:to>
+                                    </p:set>
+                                    <p:animEffect transition="in" filter="fade">
+                                      <p:cBhvr>
+                                        <p:cTn id="22" dur="500"/>
+                                        <p:tgtEl>
+                                          <p:spTgt spid="4"/>
+                                        </p:tgtEl>
+                                      </p:cBhvr>
+                                    </p:animEffect>
+                                  </p:childTnLst>
+                                </p:cTn>
+                              </p:par>
+                              <p:par>
+                                <p:cTn id="23" presetID="10" presetClass="entr" presetSubtype="0" fill="hold" grpId="0" nodeType="withEffect">
+                                  <p:stCondLst>
+                                    <p:cond delay="0"/>
+                                  </p:stCondLst>
+                                  <p:childTnLst>
+                                    <p:set>
+                                      <p:cBhvr>
+                                        <p:cTn id="24" dur="1" fill="hold">
+                                          <p:stCondLst>
+                                            <p:cond delay="0"/>
+                                          </p:stCondLst>
+                                        </p:cTn>
+                                        <p:tgtEl>
+                                          <p:spTgt spid="3">
+                                            <p:txEl>
+                                              <p:pRg st="4" end="4"/>
+                                            </p:txEl>
+                                          </p:spTgt>
+                                        </p:tgtEl>
+                                        <p:attrNameLst>
+                                          <p:attrName>style.visibility</p:attrName>
+                                        </p:attrNameLst>
+                                      </p:cBhvr>
+                                      <p:to>
+                                        <p:strVal val="visible"/>
+                                      </p:to>
+                                    </p:set>
+                                    <p:animEffect transition="in" filter="fade">
+                                      <p:cBhvr>
+                                        <p:cTn id="25" dur="500"/>
+                                        <p:tgtEl>
+                                          <p:spTgt spid="3">
+                                            <p:txEl>
+                                              <p:pRg st="4" end="4"/>
+                                            </p:txEl>
+                                          </p:spTgt>
+                                        </p:tgtEl>
+                                      </p:cBhvr>
+                                    </p:animEffect>
+                                  </p:childTnLst>
+                                </p:cTn>
+                              </p:par>
+                            </p:childTnLst>
+                          </p:cTn>
+                        </p:par>
+                      </p:childTnLst>
+                    </p:cTn>
+                  </p:par>
+                  <p:par>
+                    <p:cTn id="26" fill="hold">
+                      <p:stCondLst>
+                        <p:cond delay="indefinite"/>
+                      </p:stCondLst>
+                      <p:childTnLst>
+                        <p:par>
+                          <p:cTn id="27" fill="hold">
+                            <p:stCondLst>
+                              <p:cond delay="0"/>
+                            </p:stCondLst>
+                            <p:childTnLst>
+                              <p:par>
+                                <p:cTn id="28" presetID="10" presetClass="entr" presetSubtype="0" fill="hold" grpId="0" nodeType="clickEffect">
+                                  <p:stCondLst>
+                                    <p:cond delay="0"/>
+                                  </p:stCondLst>
+                                  <p:childTnLst>
+                                    <p:set>
+                                      <p:cBhvr>
+                                        <p:cTn id="29" dur="1" fill="hold">
+                                          <p:stCondLst>
+                                            <p:cond delay="0"/>
+                                          </p:stCondLst>
+                                        </p:cTn>
+                                        <p:tgtEl>
+                                          <p:spTgt spid="3">
+                                            <p:txEl>
+                                              <p:pRg st="5" end="5"/>
+                                            </p:txEl>
+                                          </p:spTgt>
+                                        </p:tgtEl>
+                                        <p:attrNameLst>
+                                          <p:attrName>style.visibility</p:attrName>
+                                        </p:attrNameLst>
+                                      </p:cBhvr>
+                                      <p:to>
+                                        <p:strVal val="visible"/>
+                                      </p:to>
+                                    </p:set>
+                                    <p:animEffect transition="in" filter="fade">
+                                      <p:cBhvr>
+                                        <p:cTn id="30" dur="500"/>
+                                        <p:tgtEl>
+                                          <p:spTgt spid="3">
+                                            <p:txEl>
+                                              <p:pRg st="5" end="5"/>
+                                            </p:txEl>
+                                          </p:spTgt>
+                                        </p:tgtEl>
+                                      </p:cBhvr>
+                                    </p:animEffect>
+                                  </p:childTnLst>
+                                </p:cTn>
+                              </p:par>
+                            </p:childTnLst>
+                          </p:cTn>
+                        </p:par>
+                      </p:childTnLst>
+                    </p:cTn>
+                  </p:par>
+                  <p:par>
+                    <p:cTn id="31" fill="hold">
+                      <p:stCondLst>
+                        <p:cond delay="indefinite"/>
+                      </p:stCondLst>
+                      <p:childTnLst>
+                        <p:par>
+                          <p:cTn id="32" fill="hold">
+                            <p:stCondLst>
+                              <p:cond delay="0"/>
+                            </p:stCondLst>
+                            <p:childTnLst>
+                              <p:par>
+                                <p:cTn id="33" presetID="10" presetClass="entr" presetSubtype="0" fill="hold" grpId="0" nodeType="clickEffect">
+                                  <p:stCondLst>
+                                    <p:cond delay="0"/>
+                                  </p:stCondLst>
+                                  <p:childTnLst>
+                                    <p:set>
+                                      <p:cBhvr>
+                                        <p:cTn id="34" dur="1" fill="hold">
+                                          <p:stCondLst>
+                                            <p:cond delay="0"/>
+                                          </p:stCondLst>
+                                        </p:cTn>
+                                        <p:tgtEl>
+                                          <p:spTgt spid="3">
+                                            <p:txEl>
+                                              <p:pRg st="6" end="6"/>
+                                            </p:txEl>
+                                          </p:spTgt>
+                                        </p:tgtEl>
+                                        <p:attrNameLst>
+                                          <p:attrName>style.visibility</p:attrName>
+                                        </p:attrNameLst>
+                                      </p:cBhvr>
+                                      <p:to>
+                                        <p:strVal val="visible"/>
+                                      </p:to>
+                                    </p:set>
+                                    <p:animEffect transition="in" filter="fade">
+                                      <p:cBhvr>
+                                        <p:cTn id="35" dur="500"/>
+                                        <p:tgtEl>
+                                          <p:spTgt spid="3">
+                                            <p:txEl>
+                                              <p:pRg st="6" end="6"/>
+                                            </p:txEl>
+                                          </p:spTgt>
                                         </p:tgtEl>
                                       </p:cBhvr>
                                     </p:animEffect>
@@ -32013,6 +36949,9 @@
         </p:cTn>
       </p:par>
     </p:tnLst>
+    <p:bldLst>
+      <p:bldP spid="3" grpId="0" uiExpand="1" build="p"/>
+    </p:bldLst>
   </p:timing>
 </p:sld>
 </file>
@@ -32351,7 +37290,7 @@
 </file>
 
 <file path=ppt/slides/slide38.xml><?xml version="1.0" encoding="utf-8"?>
-<p:sld xmlns:a="http://schemas.openxmlformats.org/drawingml/2006/main" xmlns:r="http://schemas.openxmlformats.org/officeDocument/2006/relationships" xmlns:p="http://schemas.openxmlformats.org/presentationml/2006/main">
+<p:sld xmlns:a="http://schemas.openxmlformats.org/drawingml/2006/main" xmlns:r="http://schemas.openxmlformats.org/officeDocument/2006/relationships" xmlns:p="http://schemas.openxmlformats.org/presentationml/2006/main" showMasterPhAnim="0">
   <p:cSld>
     <p:spTree>
       <p:nvGrpSpPr>
@@ -33035,9 +37974,6 @@
                     <p:cTn id="3" fill="hold">
                       <p:stCondLst>
                         <p:cond delay="indefinite"/>
-                        <p:cond evt="onBegin" delay="0">
-                          <p:tn val="2"/>
-                        </p:cond>
                       </p:stCondLst>
                       <p:childTnLst>
                         <p:par>
@@ -33047,7 +37983,7 @@
                             </p:stCondLst>
                             <p:childTnLst>
                               <p:par>
-                                <p:cTn id="5" presetID="10" presetClass="entr" presetSubtype="0" fill="hold" nodeType="withEffect">
+                                <p:cTn id="5" presetID="10" presetClass="entr" presetSubtype="0" fill="hold" nodeType="clickEffect">
                                   <p:stCondLst>
                                     <p:cond delay="0"/>
                                   </p:stCondLst>
@@ -33075,6 +38011,354 @@
                                         <p:cTn id="7" dur="500"/>
                                         <p:tgtEl>
                                           <p:spTgt spid="4"/>
+                                        </p:tgtEl>
+                                      </p:cBhvr>
+                                    </p:animEffect>
+                                  </p:childTnLst>
+                                </p:cTn>
+                              </p:par>
+                              <p:par>
+                                <p:cTn id="8" presetID="10" presetClass="entr" presetSubtype="0" fill="hold" grpId="0" nodeType="withEffect">
+                                  <p:stCondLst>
+                                    <p:cond delay="0"/>
+                                  </p:stCondLst>
+                                  <p:childTnLst>
+                                    <p:set>
+                                      <p:cBhvr>
+                                        <p:cTn id="9" dur="1" fill="hold">
+                                          <p:stCondLst>
+                                            <p:cond delay="0"/>
+                                          </p:stCondLst>
+                                        </p:cTn>
+                                        <p:tgtEl>
+                                          <p:spTgt spid="3">
+                                            <p:txEl>
+                                              <p:pRg st="0" end="0"/>
+                                            </p:txEl>
+                                          </p:spTgt>
+                                        </p:tgtEl>
+                                        <p:attrNameLst>
+                                          <p:attrName>style.visibility</p:attrName>
+                                        </p:attrNameLst>
+                                      </p:cBhvr>
+                                      <p:to>
+                                        <p:strVal val="visible"/>
+                                      </p:to>
+                                    </p:set>
+                                    <p:animEffect transition="in" filter="fade">
+                                      <p:cBhvr>
+                                        <p:cTn id="10" dur="500"/>
+                                        <p:tgtEl>
+                                          <p:spTgt spid="3">
+                                            <p:txEl>
+                                              <p:pRg st="0" end="0"/>
+                                            </p:txEl>
+                                          </p:spTgt>
+                                        </p:tgtEl>
+                                      </p:cBhvr>
+                                    </p:animEffect>
+                                  </p:childTnLst>
+                                </p:cTn>
+                              </p:par>
+                            </p:childTnLst>
+                          </p:cTn>
+                        </p:par>
+                      </p:childTnLst>
+                    </p:cTn>
+                  </p:par>
+                  <p:par>
+                    <p:cTn id="11" fill="hold">
+                      <p:stCondLst>
+                        <p:cond delay="indefinite"/>
+                      </p:stCondLst>
+                      <p:childTnLst>
+                        <p:par>
+                          <p:cTn id="12" fill="hold">
+                            <p:stCondLst>
+                              <p:cond delay="0"/>
+                            </p:stCondLst>
+                            <p:childTnLst>
+                              <p:par>
+                                <p:cTn id="13" presetID="10" presetClass="entr" presetSubtype="0" fill="hold" grpId="0" nodeType="clickEffect">
+                                  <p:stCondLst>
+                                    <p:cond delay="0"/>
+                                  </p:stCondLst>
+                                  <p:childTnLst>
+                                    <p:set>
+                                      <p:cBhvr>
+                                        <p:cTn id="14" dur="1" fill="hold">
+                                          <p:stCondLst>
+                                            <p:cond delay="0"/>
+                                          </p:stCondLst>
+                                        </p:cTn>
+                                        <p:tgtEl>
+                                          <p:spTgt spid="3">
+                                            <p:txEl>
+                                              <p:pRg st="1" end="1"/>
+                                            </p:txEl>
+                                          </p:spTgt>
+                                        </p:tgtEl>
+                                        <p:attrNameLst>
+                                          <p:attrName>style.visibility</p:attrName>
+                                        </p:attrNameLst>
+                                      </p:cBhvr>
+                                      <p:to>
+                                        <p:strVal val="visible"/>
+                                      </p:to>
+                                    </p:set>
+                                    <p:animEffect transition="in" filter="fade">
+                                      <p:cBhvr>
+                                        <p:cTn id="15" dur="500"/>
+                                        <p:tgtEl>
+                                          <p:spTgt spid="3">
+                                            <p:txEl>
+                                              <p:pRg st="1" end="1"/>
+                                            </p:txEl>
+                                          </p:spTgt>
+                                        </p:tgtEl>
+                                      </p:cBhvr>
+                                    </p:animEffect>
+                                  </p:childTnLst>
+                                </p:cTn>
+                              </p:par>
+                            </p:childTnLst>
+                          </p:cTn>
+                        </p:par>
+                      </p:childTnLst>
+                    </p:cTn>
+                  </p:par>
+                  <p:par>
+                    <p:cTn id="16" fill="hold">
+                      <p:stCondLst>
+                        <p:cond delay="indefinite"/>
+                      </p:stCondLst>
+                      <p:childTnLst>
+                        <p:par>
+                          <p:cTn id="17" fill="hold">
+                            <p:stCondLst>
+                              <p:cond delay="0"/>
+                            </p:stCondLst>
+                            <p:childTnLst>
+                              <p:par>
+                                <p:cTn id="18" presetID="10" presetClass="entr" presetSubtype="0" fill="hold" grpId="0" nodeType="clickEffect">
+                                  <p:stCondLst>
+                                    <p:cond delay="0"/>
+                                  </p:stCondLst>
+                                  <p:childTnLst>
+                                    <p:set>
+                                      <p:cBhvr>
+                                        <p:cTn id="19" dur="1" fill="hold">
+                                          <p:stCondLst>
+                                            <p:cond delay="0"/>
+                                          </p:stCondLst>
+                                        </p:cTn>
+                                        <p:tgtEl>
+                                          <p:spTgt spid="3">
+                                            <p:txEl>
+                                              <p:pRg st="2" end="2"/>
+                                            </p:txEl>
+                                          </p:spTgt>
+                                        </p:tgtEl>
+                                        <p:attrNameLst>
+                                          <p:attrName>style.visibility</p:attrName>
+                                        </p:attrNameLst>
+                                      </p:cBhvr>
+                                      <p:to>
+                                        <p:strVal val="visible"/>
+                                      </p:to>
+                                    </p:set>
+                                    <p:animEffect transition="in" filter="fade">
+                                      <p:cBhvr>
+                                        <p:cTn id="20" dur="500"/>
+                                        <p:tgtEl>
+                                          <p:spTgt spid="3">
+                                            <p:txEl>
+                                              <p:pRg st="2" end="2"/>
+                                            </p:txEl>
+                                          </p:spTgt>
+                                        </p:tgtEl>
+                                      </p:cBhvr>
+                                    </p:animEffect>
+                                  </p:childTnLst>
+                                </p:cTn>
+                              </p:par>
+                            </p:childTnLst>
+                          </p:cTn>
+                        </p:par>
+                      </p:childTnLst>
+                    </p:cTn>
+                  </p:par>
+                  <p:par>
+                    <p:cTn id="21" fill="hold">
+                      <p:stCondLst>
+                        <p:cond delay="indefinite"/>
+                      </p:stCondLst>
+                      <p:childTnLst>
+                        <p:par>
+                          <p:cTn id="22" fill="hold">
+                            <p:stCondLst>
+                              <p:cond delay="0"/>
+                            </p:stCondLst>
+                            <p:childTnLst>
+                              <p:par>
+                                <p:cTn id="23" presetID="10" presetClass="entr" presetSubtype="0" fill="hold" grpId="0" nodeType="clickEffect">
+                                  <p:stCondLst>
+                                    <p:cond delay="0"/>
+                                  </p:stCondLst>
+                                  <p:childTnLst>
+                                    <p:set>
+                                      <p:cBhvr>
+                                        <p:cTn id="24" dur="1" fill="hold">
+                                          <p:stCondLst>
+                                            <p:cond delay="0"/>
+                                          </p:stCondLst>
+                                        </p:cTn>
+                                        <p:tgtEl>
+                                          <p:spTgt spid="3">
+                                            <p:txEl>
+                                              <p:pRg st="3" end="3"/>
+                                            </p:txEl>
+                                          </p:spTgt>
+                                        </p:tgtEl>
+                                        <p:attrNameLst>
+                                          <p:attrName>style.visibility</p:attrName>
+                                        </p:attrNameLst>
+                                      </p:cBhvr>
+                                      <p:to>
+                                        <p:strVal val="visible"/>
+                                      </p:to>
+                                    </p:set>
+                                    <p:animEffect transition="in" filter="fade">
+                                      <p:cBhvr>
+                                        <p:cTn id="25" dur="500"/>
+                                        <p:tgtEl>
+                                          <p:spTgt spid="3">
+                                            <p:txEl>
+                                              <p:pRg st="3" end="3"/>
+                                            </p:txEl>
+                                          </p:spTgt>
+                                        </p:tgtEl>
+                                      </p:cBhvr>
+                                    </p:animEffect>
+                                  </p:childTnLst>
+                                </p:cTn>
+                              </p:par>
+                            </p:childTnLst>
+                          </p:cTn>
+                        </p:par>
+                      </p:childTnLst>
+                    </p:cTn>
+                  </p:par>
+                  <p:par>
+                    <p:cTn id="26" fill="hold">
+                      <p:stCondLst>
+                        <p:cond delay="indefinite"/>
+                      </p:stCondLst>
+                      <p:childTnLst>
+                        <p:par>
+                          <p:cTn id="27" fill="hold">
+                            <p:stCondLst>
+                              <p:cond delay="0"/>
+                            </p:stCondLst>
+                            <p:childTnLst>
+                              <p:par>
+                                <p:cTn id="28" presetID="10" presetClass="entr" presetSubtype="0" fill="hold" grpId="0" nodeType="clickEffect">
+                                  <p:stCondLst>
+                                    <p:cond delay="0"/>
+                                  </p:stCondLst>
+                                  <p:childTnLst>
+                                    <p:set>
+                                      <p:cBhvr>
+                                        <p:cTn id="29" dur="1" fill="hold">
+                                          <p:stCondLst>
+                                            <p:cond delay="0"/>
+                                          </p:stCondLst>
+                                        </p:cTn>
+                                        <p:tgtEl>
+                                          <p:spTgt spid="3">
+                                            <p:txEl>
+                                              <p:pRg st="4" end="4"/>
+                                            </p:txEl>
+                                          </p:spTgt>
+                                        </p:tgtEl>
+                                        <p:attrNameLst>
+                                          <p:attrName>style.visibility</p:attrName>
+                                        </p:attrNameLst>
+                                      </p:cBhvr>
+                                      <p:to>
+                                        <p:strVal val="visible"/>
+                                      </p:to>
+                                    </p:set>
+                                    <p:animEffect transition="in" filter="fade">
+                                      <p:cBhvr>
+                                        <p:cTn id="30" dur="500"/>
+                                        <p:tgtEl>
+                                          <p:spTgt spid="3">
+                                            <p:txEl>
+                                              <p:pRg st="4" end="4"/>
+                                            </p:txEl>
+                                          </p:spTgt>
+                                        </p:tgtEl>
+                                      </p:cBhvr>
+                                    </p:animEffect>
+                                  </p:childTnLst>
+                                </p:cTn>
+                              </p:par>
+                            </p:childTnLst>
+                          </p:cTn>
+                        </p:par>
+                      </p:childTnLst>
+                    </p:cTn>
+                  </p:par>
+                  <p:par>
+                    <p:cTn id="31" fill="hold">
+                      <p:stCondLst>
+                        <p:cond delay="indefinite"/>
+                      </p:stCondLst>
+                      <p:childTnLst>
+                        <p:par>
+                          <p:cTn id="32" fill="hold">
+                            <p:stCondLst>
+                              <p:cond delay="0"/>
+                            </p:stCondLst>
+                            <p:childTnLst>
+                              <p:par>
+                                <p:cTn id="33" presetID="10" presetClass="entr" presetSubtype="0" fill="hold" grpId="0" nodeType="clickEffect">
+                                  <p:stCondLst>
+                                    <p:cond delay="0"/>
+                                  </p:stCondLst>
+                                  <p:childTnLst>
+                                    <p:set>
+                                      <p:cBhvr>
+                                        <p:cTn id="34" dur="1" fill="hold">
+                                          <p:stCondLst>
+                                            <p:cond delay="0"/>
+                                          </p:stCondLst>
+                                        </p:cTn>
+                                        <p:tgtEl>
+                                          <p:spTgt spid="3">
+                                            <p:txEl>
+                                              <p:pRg st="5" end="5"/>
+                                            </p:txEl>
+                                          </p:spTgt>
+                                        </p:tgtEl>
+                                        <p:attrNameLst>
+                                          <p:attrName>style.visibility</p:attrName>
+                                        </p:attrNameLst>
+                                      </p:cBhvr>
+                                      <p:to>
+                                        <p:strVal val="visible"/>
+                                      </p:to>
+                                    </p:set>
+                                    <p:animEffect transition="in" filter="fade">
+                                      <p:cBhvr>
+                                        <p:cTn id="35" dur="500"/>
+                                        <p:tgtEl>
+                                          <p:spTgt spid="3">
+                                            <p:txEl>
+                                              <p:pRg st="5" end="5"/>
+                                            </p:txEl>
+                                          </p:spTgt>
                                         </p:tgtEl>
                                       </p:cBhvr>
                                     </p:animEffect>
@@ -33108,12 +38392,15 @@
         </p:cTn>
       </p:par>
     </p:tnLst>
+    <p:bldLst>
+      <p:bldP spid="3" grpId="0" uiExpand="1" build="p"/>
+    </p:bldLst>
   </p:timing>
 </p:sld>
 </file>
 
 <file path=ppt/slides/slide39.xml><?xml version="1.0" encoding="utf-8"?>
-<p:sld xmlns:a="http://schemas.openxmlformats.org/drawingml/2006/main" xmlns:r="http://schemas.openxmlformats.org/officeDocument/2006/relationships" xmlns:p="http://schemas.openxmlformats.org/presentationml/2006/main">
+<p:sld xmlns:a="http://schemas.openxmlformats.org/drawingml/2006/main" xmlns:r="http://schemas.openxmlformats.org/officeDocument/2006/relationships" xmlns:p="http://schemas.openxmlformats.org/presentationml/2006/main" showMasterPhAnim="0">
   <p:cSld>
     <p:spTree>
       <p:nvGrpSpPr>
@@ -33586,9 +38873,6 @@
                     <p:cTn id="3" fill="hold">
                       <p:stCondLst>
                         <p:cond delay="indefinite"/>
-                        <p:cond evt="onBegin" delay="0">
-                          <p:tn val="2"/>
-                        </p:cond>
                       </p:stCondLst>
                       <p:childTnLst>
                         <p:par>
@@ -33598,7 +38882,7 @@
                             </p:stCondLst>
                             <p:childTnLst>
                               <p:par>
-                                <p:cTn id="5" presetID="10" presetClass="entr" presetSubtype="0" fill="hold" nodeType="withEffect">
+                                <p:cTn id="5" presetID="10" presetClass="entr" presetSubtype="0" fill="hold" nodeType="clickEffect">
                                   <p:stCondLst>
                                     <p:cond delay="0"/>
                                   </p:stCondLst>
@@ -33611,7 +38895,7 @@
                                           </p:stCondLst>
                                         </p:cTn>
                                         <p:tgtEl>
-                                          <p:spTgt spid="4"/>
+                                          <p:spTgt spid="5"/>
                                         </p:tgtEl>
                                         <p:attrNameLst>
                                           <p:attrName>style.visibility</p:attrName>
@@ -33625,7 +38909,7 @@
                                       <p:cBhvr>
                                         <p:cTn id="7" dur="500"/>
                                         <p:tgtEl>
-                                          <p:spTgt spid="4"/>
+                                          <p:spTgt spid="5"/>
                                         </p:tgtEl>
                                       </p:cBhvr>
                                     </p:animEffect>
@@ -33633,7 +38917,7 @@
                                 </p:cTn>
                               </p:par>
                               <p:par>
-                                <p:cTn id="8" presetID="10" presetClass="entr" presetSubtype="0" fill="hold" nodeType="withEffect">
+                                <p:cTn id="8" presetID="10" presetClass="entr" presetSubtype="0" fill="hold" grpId="0" nodeType="withEffect">
                                   <p:stCondLst>
                                     <p:cond delay="0"/>
                                   </p:stCondLst>
@@ -33646,7 +38930,11 @@
                                           </p:stCondLst>
                                         </p:cTn>
                                         <p:tgtEl>
-                                          <p:spTgt spid="5"/>
+                                          <p:spTgt spid="3">
+                                            <p:txEl>
+                                              <p:pRg st="0" end="0"/>
+                                            </p:txEl>
+                                          </p:spTgt>
                                         </p:tgtEl>
                                         <p:attrNameLst>
                                           <p:attrName>style.visibility</p:attrName>
@@ -33660,7 +38948,376 @@
                                       <p:cBhvr>
                                         <p:cTn id="10" dur="500"/>
                                         <p:tgtEl>
-                                          <p:spTgt spid="5"/>
+                                          <p:spTgt spid="3">
+                                            <p:txEl>
+                                              <p:pRg st="0" end="0"/>
+                                            </p:txEl>
+                                          </p:spTgt>
+                                        </p:tgtEl>
+                                      </p:cBhvr>
+                                    </p:animEffect>
+                                  </p:childTnLst>
+                                </p:cTn>
+                              </p:par>
+                            </p:childTnLst>
+                          </p:cTn>
+                        </p:par>
+                      </p:childTnLst>
+                    </p:cTn>
+                  </p:par>
+                  <p:par>
+                    <p:cTn id="11" fill="hold">
+                      <p:stCondLst>
+                        <p:cond delay="indefinite"/>
+                      </p:stCondLst>
+                      <p:childTnLst>
+                        <p:par>
+                          <p:cTn id="12" fill="hold">
+                            <p:stCondLst>
+                              <p:cond delay="0"/>
+                            </p:stCondLst>
+                            <p:childTnLst>
+                              <p:par>
+                                <p:cTn id="13" presetID="10" presetClass="entr" presetSubtype="0" fill="hold" grpId="0" nodeType="clickEffect">
+                                  <p:stCondLst>
+                                    <p:cond delay="0"/>
+                                  </p:stCondLst>
+                                  <p:childTnLst>
+                                    <p:set>
+                                      <p:cBhvr>
+                                        <p:cTn id="14" dur="1" fill="hold">
+                                          <p:stCondLst>
+                                            <p:cond delay="0"/>
+                                          </p:stCondLst>
+                                        </p:cTn>
+                                        <p:tgtEl>
+                                          <p:spTgt spid="3">
+                                            <p:txEl>
+                                              <p:pRg st="1" end="1"/>
+                                            </p:txEl>
+                                          </p:spTgt>
+                                        </p:tgtEl>
+                                        <p:attrNameLst>
+                                          <p:attrName>style.visibility</p:attrName>
+                                        </p:attrNameLst>
+                                      </p:cBhvr>
+                                      <p:to>
+                                        <p:strVal val="visible"/>
+                                      </p:to>
+                                    </p:set>
+                                    <p:animEffect transition="in" filter="fade">
+                                      <p:cBhvr>
+                                        <p:cTn id="15" dur="500"/>
+                                        <p:tgtEl>
+                                          <p:spTgt spid="3">
+                                            <p:txEl>
+                                              <p:pRg st="1" end="1"/>
+                                            </p:txEl>
+                                          </p:spTgt>
+                                        </p:tgtEl>
+                                      </p:cBhvr>
+                                    </p:animEffect>
+                                  </p:childTnLst>
+                                </p:cTn>
+                              </p:par>
+                            </p:childTnLst>
+                          </p:cTn>
+                        </p:par>
+                      </p:childTnLst>
+                    </p:cTn>
+                  </p:par>
+                  <p:par>
+                    <p:cTn id="16" fill="hold">
+                      <p:stCondLst>
+                        <p:cond delay="indefinite"/>
+                      </p:stCondLst>
+                      <p:childTnLst>
+                        <p:par>
+                          <p:cTn id="17" fill="hold">
+                            <p:stCondLst>
+                              <p:cond delay="0"/>
+                            </p:stCondLst>
+                            <p:childTnLst>
+                              <p:par>
+                                <p:cTn id="18" presetID="10" presetClass="entr" presetSubtype="0" fill="hold" grpId="0" nodeType="clickEffect">
+                                  <p:stCondLst>
+                                    <p:cond delay="0"/>
+                                  </p:stCondLst>
+                                  <p:childTnLst>
+                                    <p:set>
+                                      <p:cBhvr>
+                                        <p:cTn id="19" dur="1" fill="hold">
+                                          <p:stCondLst>
+                                            <p:cond delay="0"/>
+                                          </p:stCondLst>
+                                        </p:cTn>
+                                        <p:tgtEl>
+                                          <p:spTgt spid="3">
+                                            <p:txEl>
+                                              <p:pRg st="2" end="2"/>
+                                            </p:txEl>
+                                          </p:spTgt>
+                                        </p:tgtEl>
+                                        <p:attrNameLst>
+                                          <p:attrName>style.visibility</p:attrName>
+                                        </p:attrNameLst>
+                                      </p:cBhvr>
+                                      <p:to>
+                                        <p:strVal val="visible"/>
+                                      </p:to>
+                                    </p:set>
+                                    <p:animEffect transition="in" filter="fade">
+                                      <p:cBhvr>
+                                        <p:cTn id="20" dur="500"/>
+                                        <p:tgtEl>
+                                          <p:spTgt spid="3">
+                                            <p:txEl>
+                                              <p:pRg st="2" end="2"/>
+                                            </p:txEl>
+                                          </p:spTgt>
+                                        </p:tgtEl>
+                                      </p:cBhvr>
+                                    </p:animEffect>
+                                  </p:childTnLst>
+                                </p:cTn>
+                              </p:par>
+                            </p:childTnLst>
+                          </p:cTn>
+                        </p:par>
+                      </p:childTnLst>
+                    </p:cTn>
+                  </p:par>
+                  <p:par>
+                    <p:cTn id="21" fill="hold">
+                      <p:stCondLst>
+                        <p:cond delay="indefinite"/>
+                      </p:stCondLst>
+                      <p:childTnLst>
+                        <p:par>
+                          <p:cTn id="22" fill="hold">
+                            <p:stCondLst>
+                              <p:cond delay="0"/>
+                            </p:stCondLst>
+                            <p:childTnLst>
+                              <p:par>
+                                <p:cTn id="23" presetID="10" presetClass="entr" presetSubtype="0" fill="hold" nodeType="clickEffect">
+                                  <p:stCondLst>
+                                    <p:cond delay="0"/>
+                                  </p:stCondLst>
+                                  <p:childTnLst>
+                                    <p:set>
+                                      <p:cBhvr>
+                                        <p:cTn id="24" dur="1" fill="hold">
+                                          <p:stCondLst>
+                                            <p:cond delay="0"/>
+                                          </p:stCondLst>
+                                        </p:cTn>
+                                        <p:tgtEl>
+                                          <p:spTgt spid="4"/>
+                                        </p:tgtEl>
+                                        <p:attrNameLst>
+                                          <p:attrName>style.visibility</p:attrName>
+                                        </p:attrNameLst>
+                                      </p:cBhvr>
+                                      <p:to>
+                                        <p:strVal val="visible"/>
+                                      </p:to>
+                                    </p:set>
+                                    <p:animEffect transition="in" filter="fade">
+                                      <p:cBhvr>
+                                        <p:cTn id="25" dur="500"/>
+                                        <p:tgtEl>
+                                          <p:spTgt spid="4"/>
+                                        </p:tgtEl>
+                                      </p:cBhvr>
+                                    </p:animEffect>
+                                  </p:childTnLst>
+                                </p:cTn>
+                              </p:par>
+                              <p:par>
+                                <p:cTn id="26" presetID="10" presetClass="entr" presetSubtype="0" fill="hold" grpId="0" nodeType="withEffect">
+                                  <p:stCondLst>
+                                    <p:cond delay="0"/>
+                                  </p:stCondLst>
+                                  <p:childTnLst>
+                                    <p:set>
+                                      <p:cBhvr>
+                                        <p:cTn id="27" dur="1" fill="hold">
+                                          <p:stCondLst>
+                                            <p:cond delay="0"/>
+                                          </p:stCondLst>
+                                        </p:cTn>
+                                        <p:tgtEl>
+                                          <p:spTgt spid="3">
+                                            <p:txEl>
+                                              <p:pRg st="4" end="4"/>
+                                            </p:txEl>
+                                          </p:spTgt>
+                                        </p:tgtEl>
+                                        <p:attrNameLst>
+                                          <p:attrName>style.visibility</p:attrName>
+                                        </p:attrNameLst>
+                                      </p:cBhvr>
+                                      <p:to>
+                                        <p:strVal val="visible"/>
+                                      </p:to>
+                                    </p:set>
+                                    <p:animEffect transition="in" filter="fade">
+                                      <p:cBhvr>
+                                        <p:cTn id="28" dur="500"/>
+                                        <p:tgtEl>
+                                          <p:spTgt spid="3">
+                                            <p:txEl>
+                                              <p:pRg st="4" end="4"/>
+                                            </p:txEl>
+                                          </p:spTgt>
+                                        </p:tgtEl>
+                                      </p:cBhvr>
+                                    </p:animEffect>
+                                  </p:childTnLst>
+                                </p:cTn>
+                              </p:par>
+                              <p:par>
+                                <p:cTn id="29" presetID="10" presetClass="entr" presetSubtype="0" fill="hold" grpId="0" nodeType="withEffect">
+                                  <p:stCondLst>
+                                    <p:cond delay="0"/>
+                                  </p:stCondLst>
+                                  <p:childTnLst>
+                                    <p:set>
+                                      <p:cBhvr>
+                                        <p:cTn id="30" dur="1" fill="hold">
+                                          <p:stCondLst>
+                                            <p:cond delay="0"/>
+                                          </p:stCondLst>
+                                        </p:cTn>
+                                        <p:tgtEl>
+                                          <p:spTgt spid="3">
+                                            <p:txEl>
+                                              <p:pRg st="5" end="5"/>
+                                            </p:txEl>
+                                          </p:spTgt>
+                                        </p:tgtEl>
+                                        <p:attrNameLst>
+                                          <p:attrName>style.visibility</p:attrName>
+                                        </p:attrNameLst>
+                                      </p:cBhvr>
+                                      <p:to>
+                                        <p:strVal val="visible"/>
+                                      </p:to>
+                                    </p:set>
+                                    <p:animEffect transition="in" filter="fade">
+                                      <p:cBhvr>
+                                        <p:cTn id="31" dur="500"/>
+                                        <p:tgtEl>
+                                          <p:spTgt spid="3">
+                                            <p:txEl>
+                                              <p:pRg st="5" end="5"/>
+                                            </p:txEl>
+                                          </p:spTgt>
+                                        </p:tgtEl>
+                                      </p:cBhvr>
+                                    </p:animEffect>
+                                  </p:childTnLst>
+                                </p:cTn>
+                              </p:par>
+                              <p:par>
+                                <p:cTn id="32" presetID="10" presetClass="entr" presetSubtype="0" fill="hold" grpId="0" nodeType="withEffect">
+                                  <p:stCondLst>
+                                    <p:cond delay="0"/>
+                                  </p:stCondLst>
+                                  <p:childTnLst>
+                                    <p:set>
+                                      <p:cBhvr>
+                                        <p:cTn id="33" dur="1" fill="hold">
+                                          <p:stCondLst>
+                                            <p:cond delay="0"/>
+                                          </p:stCondLst>
+                                        </p:cTn>
+                                        <p:tgtEl>
+                                          <p:spTgt spid="3">
+                                            <p:txEl>
+                                              <p:pRg st="6" end="6"/>
+                                            </p:txEl>
+                                          </p:spTgt>
+                                        </p:tgtEl>
+                                        <p:attrNameLst>
+                                          <p:attrName>style.visibility</p:attrName>
+                                        </p:attrNameLst>
+                                      </p:cBhvr>
+                                      <p:to>
+                                        <p:strVal val="visible"/>
+                                      </p:to>
+                                    </p:set>
+                                    <p:animEffect transition="in" filter="fade">
+                                      <p:cBhvr>
+                                        <p:cTn id="34" dur="500"/>
+                                        <p:tgtEl>
+                                          <p:spTgt spid="3">
+                                            <p:txEl>
+                                              <p:pRg st="6" end="6"/>
+                                            </p:txEl>
+                                          </p:spTgt>
+                                        </p:tgtEl>
+                                      </p:cBhvr>
+                                    </p:animEffect>
+                                  </p:childTnLst>
+                                </p:cTn>
+                              </p:par>
+                            </p:childTnLst>
+                          </p:cTn>
+                        </p:par>
+                      </p:childTnLst>
+                    </p:cTn>
+                  </p:par>
+                  <p:par>
+                    <p:cTn id="35" fill="hold">
+                      <p:stCondLst>
+                        <p:cond delay="indefinite"/>
+                      </p:stCondLst>
+                      <p:childTnLst>
+                        <p:par>
+                          <p:cTn id="36" fill="hold">
+                            <p:stCondLst>
+                              <p:cond delay="0"/>
+                            </p:stCondLst>
+                            <p:childTnLst>
+                              <p:par>
+                                <p:cTn id="37" presetID="10" presetClass="entr" presetSubtype="0" fill="hold" grpId="0" nodeType="clickEffect">
+                                  <p:stCondLst>
+                                    <p:cond delay="0"/>
+                                  </p:stCondLst>
+                                  <p:childTnLst>
+                                    <p:set>
+                                      <p:cBhvr>
+                                        <p:cTn id="38" dur="1" fill="hold">
+                                          <p:stCondLst>
+                                            <p:cond delay="0"/>
+                                          </p:stCondLst>
+                                        </p:cTn>
+                                        <p:tgtEl>
+                                          <p:spTgt spid="3">
+                                            <p:txEl>
+                                              <p:pRg st="7" end="7"/>
+                                            </p:txEl>
+                                          </p:spTgt>
+                                        </p:tgtEl>
+                                        <p:attrNameLst>
+                                          <p:attrName>style.visibility</p:attrName>
+                                        </p:attrNameLst>
+                                      </p:cBhvr>
+                                      <p:to>
+                                        <p:strVal val="visible"/>
+                                      </p:to>
+                                    </p:set>
+                                    <p:animEffect transition="in" filter="fade">
+                                      <p:cBhvr>
+                                        <p:cTn id="39" dur="500"/>
+                                        <p:tgtEl>
+                                          <p:spTgt spid="3">
+                                            <p:txEl>
+                                              <p:pRg st="7" end="7"/>
+                                            </p:txEl>
+                                          </p:spTgt>
                                         </p:tgtEl>
                                       </p:cBhvr>
                                     </p:animEffect>
@@ -33694,6 +39351,9 @@
         </p:cTn>
       </p:par>
     </p:tnLst>
+    <p:bldLst>
+      <p:bldP spid="3" grpId="0" uiExpand="1" build="p"/>
+    </p:bldLst>
   </p:timing>
 </p:sld>
 </file>
@@ -34907,7 +40567,7 @@
 </file>
 
 <file path=ppt/slides/slide40.xml><?xml version="1.0" encoding="utf-8"?>
-<p:sld xmlns:a="http://schemas.openxmlformats.org/drawingml/2006/main" xmlns:r="http://schemas.openxmlformats.org/officeDocument/2006/relationships" xmlns:p="http://schemas.openxmlformats.org/presentationml/2006/main">
+<p:sld xmlns:a="http://schemas.openxmlformats.org/drawingml/2006/main" xmlns:r="http://schemas.openxmlformats.org/officeDocument/2006/relationships" xmlns:p="http://schemas.openxmlformats.org/presentationml/2006/main" showMasterPhAnim="0">
   <p:cSld>
     <p:spTree>
       <p:nvGrpSpPr>
@@ -35162,9 +40822,6 @@
                     <p:cTn id="3" fill="hold">
                       <p:stCondLst>
                         <p:cond delay="indefinite"/>
-                        <p:cond evt="onBegin" delay="0">
-                          <p:tn val="2"/>
-                        </p:cond>
                       </p:stCondLst>
                       <p:childTnLst>
                         <p:par>
@@ -35174,7 +40831,7 @@
                             </p:stCondLst>
                             <p:childTnLst>
                               <p:par>
-                                <p:cTn id="5" presetID="10" presetClass="entr" presetSubtype="0" fill="hold" nodeType="withEffect">
+                                <p:cTn id="5" presetID="10" presetClass="entr" presetSubtype="0" fill="hold" nodeType="clickEffect">
                                   <p:stCondLst>
                                     <p:cond delay="0"/>
                                   </p:stCondLst>
@@ -35202,6 +40859,214 @@
                                         <p:cTn id="7" dur="500"/>
                                         <p:tgtEl>
                                           <p:spTgt spid="6"/>
+                                        </p:tgtEl>
+                                      </p:cBhvr>
+                                    </p:animEffect>
+                                  </p:childTnLst>
+                                </p:cTn>
+                              </p:par>
+                              <p:par>
+                                <p:cTn id="8" presetID="10" presetClass="entr" presetSubtype="0" fill="hold" grpId="0" nodeType="withEffect">
+                                  <p:stCondLst>
+                                    <p:cond delay="0"/>
+                                  </p:stCondLst>
+                                  <p:childTnLst>
+                                    <p:set>
+                                      <p:cBhvr>
+                                        <p:cTn id="9" dur="1" fill="hold">
+                                          <p:stCondLst>
+                                            <p:cond delay="0"/>
+                                          </p:stCondLst>
+                                        </p:cTn>
+                                        <p:tgtEl>
+                                          <p:spTgt spid="3">
+                                            <p:txEl>
+                                              <p:pRg st="1" end="1"/>
+                                            </p:txEl>
+                                          </p:spTgt>
+                                        </p:tgtEl>
+                                        <p:attrNameLst>
+                                          <p:attrName>style.visibility</p:attrName>
+                                        </p:attrNameLst>
+                                      </p:cBhvr>
+                                      <p:to>
+                                        <p:strVal val="visible"/>
+                                      </p:to>
+                                    </p:set>
+                                    <p:animEffect transition="in" filter="fade">
+                                      <p:cBhvr>
+                                        <p:cTn id="10" dur="500"/>
+                                        <p:tgtEl>
+                                          <p:spTgt spid="3">
+                                            <p:txEl>
+                                              <p:pRg st="1" end="1"/>
+                                            </p:txEl>
+                                          </p:spTgt>
+                                        </p:tgtEl>
+                                      </p:cBhvr>
+                                    </p:animEffect>
+                                  </p:childTnLst>
+                                </p:cTn>
+                              </p:par>
+                              <p:par>
+                                <p:cTn id="11" presetID="10" presetClass="entr" presetSubtype="0" fill="hold" grpId="0" nodeType="withEffect">
+                                  <p:stCondLst>
+                                    <p:cond delay="0"/>
+                                  </p:stCondLst>
+                                  <p:childTnLst>
+                                    <p:set>
+                                      <p:cBhvr>
+                                        <p:cTn id="12" dur="1" fill="hold">
+                                          <p:stCondLst>
+                                            <p:cond delay="0"/>
+                                          </p:stCondLst>
+                                        </p:cTn>
+                                        <p:tgtEl>
+                                          <p:spTgt spid="3">
+                                            <p:txEl>
+                                              <p:pRg st="3" end="3"/>
+                                            </p:txEl>
+                                          </p:spTgt>
+                                        </p:tgtEl>
+                                        <p:attrNameLst>
+                                          <p:attrName>style.visibility</p:attrName>
+                                        </p:attrNameLst>
+                                      </p:cBhvr>
+                                      <p:to>
+                                        <p:strVal val="visible"/>
+                                      </p:to>
+                                    </p:set>
+                                    <p:animEffect transition="in" filter="fade">
+                                      <p:cBhvr>
+                                        <p:cTn id="13" dur="500"/>
+                                        <p:tgtEl>
+                                          <p:spTgt spid="3">
+                                            <p:txEl>
+                                              <p:pRg st="3" end="3"/>
+                                            </p:txEl>
+                                          </p:spTgt>
+                                        </p:tgtEl>
+                                      </p:cBhvr>
+                                    </p:animEffect>
+                                  </p:childTnLst>
+                                </p:cTn>
+                              </p:par>
+                            </p:childTnLst>
+                          </p:cTn>
+                        </p:par>
+                      </p:childTnLst>
+                    </p:cTn>
+                  </p:par>
+                  <p:par>
+                    <p:cTn id="14" fill="hold">
+                      <p:stCondLst>
+                        <p:cond delay="indefinite"/>
+                      </p:stCondLst>
+                      <p:childTnLst>
+                        <p:par>
+                          <p:cTn id="15" fill="hold">
+                            <p:stCondLst>
+                              <p:cond delay="0"/>
+                            </p:stCondLst>
+                            <p:childTnLst>
+                              <p:par>
+                                <p:cTn id="16" presetID="10" presetClass="entr" presetSubtype="0" fill="hold" grpId="0" nodeType="clickEffect">
+                                  <p:stCondLst>
+                                    <p:cond delay="0"/>
+                                  </p:stCondLst>
+                                  <p:childTnLst>
+                                    <p:set>
+                                      <p:cBhvr>
+                                        <p:cTn id="17" dur="1" fill="hold">
+                                          <p:stCondLst>
+                                            <p:cond delay="0"/>
+                                          </p:stCondLst>
+                                        </p:cTn>
+                                        <p:tgtEl>
+                                          <p:spTgt spid="3">
+                                            <p:txEl>
+                                              <p:pRg st="4" end="4"/>
+                                            </p:txEl>
+                                          </p:spTgt>
+                                        </p:tgtEl>
+                                        <p:attrNameLst>
+                                          <p:attrName>style.visibility</p:attrName>
+                                        </p:attrNameLst>
+                                      </p:cBhvr>
+                                      <p:to>
+                                        <p:strVal val="visible"/>
+                                      </p:to>
+                                    </p:set>
+                                    <p:animEffect transition="in" filter="fade">
+                                      <p:cBhvr>
+                                        <p:cTn id="18" dur="500"/>
+                                        <p:tgtEl>
+                                          <p:spTgt spid="3">
+                                            <p:txEl>
+                                              <p:pRg st="4" end="4"/>
+                                            </p:txEl>
+                                          </p:spTgt>
+                                        </p:tgtEl>
+                                      </p:cBhvr>
+                                    </p:animEffect>
+                                  </p:childTnLst>
+                                </p:cTn>
+                              </p:par>
+                            </p:childTnLst>
+                          </p:cTn>
+                        </p:par>
+                      </p:childTnLst>
+                    </p:cTn>
+                  </p:par>
+                  <p:par>
+                    <p:cTn id="19" fill="hold">
+                      <p:stCondLst>
+                        <p:cond delay="indefinite"/>
+                      </p:stCondLst>
+                      <p:childTnLst>
+                        <p:par>
+                          <p:cTn id="20" fill="hold">
+                            <p:stCondLst>
+                              <p:cond delay="0"/>
+                            </p:stCondLst>
+                            <p:childTnLst>
+                              <p:par>
+                                <p:cTn id="21" presetID="10" presetClass="entr" presetSubtype="0" fill="hold" grpId="0" nodeType="clickEffect">
+                                  <p:stCondLst>
+                                    <p:cond delay="0"/>
+                                  </p:stCondLst>
+                                  <p:childTnLst>
+                                    <p:set>
+                                      <p:cBhvr>
+                                        <p:cTn id="22" dur="1" fill="hold">
+                                          <p:stCondLst>
+                                            <p:cond delay="0"/>
+                                          </p:stCondLst>
+                                        </p:cTn>
+                                        <p:tgtEl>
+                                          <p:spTgt spid="3">
+                                            <p:txEl>
+                                              <p:pRg st="8" end="8"/>
+                                            </p:txEl>
+                                          </p:spTgt>
+                                        </p:tgtEl>
+                                        <p:attrNameLst>
+                                          <p:attrName>style.visibility</p:attrName>
+                                        </p:attrNameLst>
+                                      </p:cBhvr>
+                                      <p:to>
+                                        <p:strVal val="visible"/>
+                                      </p:to>
+                                    </p:set>
+                                    <p:animEffect transition="in" filter="fade">
+                                      <p:cBhvr>
+                                        <p:cTn id="23" dur="500"/>
+                                        <p:tgtEl>
+                                          <p:spTgt spid="3">
+                                            <p:txEl>
+                                              <p:pRg st="8" end="8"/>
+                                            </p:txEl>
+                                          </p:spTgt>
                                         </p:tgtEl>
                                       </p:cBhvr>
                                     </p:animEffect>
@@ -35235,12 +41100,15 @@
         </p:cTn>
       </p:par>
     </p:tnLst>
+    <p:bldLst>
+      <p:bldP spid="3" grpId="0" uiExpand="1" build="p"/>
+    </p:bldLst>
   </p:timing>
 </p:sld>
 </file>
 
 <file path=ppt/slides/slide41.xml><?xml version="1.0" encoding="utf-8"?>
-<p:sld xmlns:a="http://schemas.openxmlformats.org/drawingml/2006/main" xmlns:r="http://schemas.openxmlformats.org/officeDocument/2006/relationships" xmlns:p="http://schemas.openxmlformats.org/presentationml/2006/main">
+<p:sld xmlns:a="http://schemas.openxmlformats.org/drawingml/2006/main" xmlns:r="http://schemas.openxmlformats.org/officeDocument/2006/relationships" xmlns:p="http://schemas.openxmlformats.org/presentationml/2006/main" showMasterPhAnim="0">
   <p:cSld>
     <p:spTree>
       <p:nvGrpSpPr>
@@ -35352,9 +41220,142 @@
   <p:timing>
     <p:tnLst>
       <p:par>
-        <p:cTn id="1" dur="indefinite" restart="never" nodeType="tmRoot"/>
+        <p:cTn id="1" dur="indefinite" restart="never" nodeType="tmRoot">
+          <p:childTnLst>
+            <p:seq concurrent="1" nextAc="seek">
+              <p:cTn id="2" dur="indefinite" nodeType="mainSeq">
+                <p:childTnLst>
+                  <p:par>
+                    <p:cTn id="3" fill="hold">
+                      <p:stCondLst>
+                        <p:cond delay="indefinite"/>
+                        <p:cond evt="onBegin" delay="0">
+                          <p:tn val="2"/>
+                        </p:cond>
+                      </p:stCondLst>
+                      <p:childTnLst>
+                        <p:par>
+                          <p:cTn id="4" fill="hold">
+                            <p:stCondLst>
+                              <p:cond delay="0"/>
+                            </p:stCondLst>
+                            <p:childTnLst>
+                              <p:par>
+                                <p:cTn id="5" presetID="10" presetClass="entr" presetSubtype="0" fill="hold" grpId="0" nodeType="withEffect">
+                                  <p:stCondLst>
+                                    <p:cond delay="0"/>
+                                  </p:stCondLst>
+                                  <p:childTnLst>
+                                    <p:set>
+                                      <p:cBhvr>
+                                        <p:cTn id="6" dur="1" fill="hold">
+                                          <p:stCondLst>
+                                            <p:cond delay="0"/>
+                                          </p:stCondLst>
+                                        </p:cTn>
+                                        <p:tgtEl>
+                                          <p:spTgt spid="3">
+                                            <p:txEl>
+                                              <p:pRg st="2" end="2"/>
+                                            </p:txEl>
+                                          </p:spTgt>
+                                        </p:tgtEl>
+                                        <p:attrNameLst>
+                                          <p:attrName>style.visibility</p:attrName>
+                                        </p:attrNameLst>
+                                      </p:cBhvr>
+                                      <p:to>
+                                        <p:strVal val="visible"/>
+                                      </p:to>
+                                    </p:set>
+                                    <p:animEffect transition="in" filter="fade">
+                                      <p:cBhvr>
+                                        <p:cTn id="7" dur="500"/>
+                                        <p:tgtEl>
+                                          <p:spTgt spid="3">
+                                            <p:txEl>
+                                              <p:pRg st="2" end="2"/>
+                                            </p:txEl>
+                                          </p:spTgt>
+                                        </p:tgtEl>
+                                      </p:cBhvr>
+                                    </p:animEffect>
+                                  </p:childTnLst>
+                                </p:cTn>
+                              </p:par>
+                              <p:par>
+                                <p:cTn id="8" presetID="10" presetClass="entr" presetSubtype="0" fill="hold" grpId="0" nodeType="withEffect">
+                                  <p:stCondLst>
+                                    <p:cond delay="0"/>
+                                  </p:stCondLst>
+                                  <p:childTnLst>
+                                    <p:set>
+                                      <p:cBhvr>
+                                        <p:cTn id="9" dur="1" fill="hold">
+                                          <p:stCondLst>
+                                            <p:cond delay="0"/>
+                                          </p:stCondLst>
+                                        </p:cTn>
+                                        <p:tgtEl>
+                                          <p:spTgt spid="3">
+                                            <p:txEl>
+                                              <p:pRg st="4" end="4"/>
+                                            </p:txEl>
+                                          </p:spTgt>
+                                        </p:tgtEl>
+                                        <p:attrNameLst>
+                                          <p:attrName>style.visibility</p:attrName>
+                                        </p:attrNameLst>
+                                      </p:cBhvr>
+                                      <p:to>
+                                        <p:strVal val="visible"/>
+                                      </p:to>
+                                    </p:set>
+                                    <p:animEffect transition="in" filter="fade">
+                                      <p:cBhvr>
+                                        <p:cTn id="10" dur="500"/>
+                                        <p:tgtEl>
+                                          <p:spTgt spid="3">
+                                            <p:txEl>
+                                              <p:pRg st="4" end="4"/>
+                                            </p:txEl>
+                                          </p:spTgt>
+                                        </p:tgtEl>
+                                      </p:cBhvr>
+                                    </p:animEffect>
+                                  </p:childTnLst>
+                                </p:cTn>
+                              </p:par>
+                            </p:childTnLst>
+                          </p:cTn>
+                        </p:par>
+                      </p:childTnLst>
+                    </p:cTn>
+                  </p:par>
+                </p:childTnLst>
+              </p:cTn>
+              <p:prevCondLst>
+                <p:cond evt="onPrev" delay="0">
+                  <p:tgtEl>
+                    <p:sldTgt/>
+                  </p:tgtEl>
+                </p:cond>
+              </p:prevCondLst>
+              <p:nextCondLst>
+                <p:cond evt="onNext" delay="0">
+                  <p:tgtEl>
+                    <p:sldTgt/>
+                  </p:tgtEl>
+                </p:cond>
+              </p:nextCondLst>
+            </p:seq>
+          </p:childTnLst>
+        </p:cTn>
       </p:par>
     </p:tnLst>
+    <p:bldLst>
+      <p:bldP spid="3" grpId="0" uiExpand="1" build="p"/>
+    </p:bldLst>
   </p:timing>
 </p:sld>
 </file>
